--- a/Reference materials/18_InputOutput Manipulation and Files.pptx
+++ b/Reference materials/18_InputOutput Manipulation and Files.pptx
@@ -146,6 +146,22 @@
       </a:defRPr>
     </a:lvl9pPr>
   </p:defaultTextStyle>
+  <p:extLst>
+    <p:ext uri="{EFAFB233-063F-42B5-8137-9DF3F51BA10A}">
+      <p15:sldGuideLst xmlns:p15="http://schemas.microsoft.com/office/powerpoint/2012/main">
+        <p15:guide id="1" orient="horz" pos="2160">
+          <p15:clr>
+            <a:srgbClr val="A4A3A4"/>
+          </p15:clr>
+        </p15:guide>
+        <p15:guide id="2" pos="2880">
+          <p15:clr>
+            <a:srgbClr val="A4A3A4"/>
+          </p15:clr>
+        </p15:guide>
+      </p15:sldGuideLst>
+    </p:ext>
+  </p:extLst>
 </p:presentation>
 </file>
 
@@ -187,7 +203,7 @@
           <a:lstStyle/>
           <a:p>
             <a:r>
-              <a:rPr lang="en-US" smtClean="0"/>
+              <a:rPr lang="en-US"/>
               <a:t>Click to edit Master title style</a:t>
             </a:r>
             <a:endParaRPr lang="en-IN"/>
@@ -306,7 +322,7 @@
           </a:lstStyle>
           <a:p>
             <a:r>
-              <a:rPr lang="en-US" smtClean="0"/>
+              <a:rPr lang="en-US"/>
               <a:t>Click to edit Master subtitle style</a:t>
             </a:r>
             <a:endParaRPr lang="en-IN"/>
@@ -330,7 +346,7 @@
           <a:p>
             <a:fld id="{F22BC6C7-5F36-4F6A-AD0A-472443C418F4}" type="datetimeFigureOut">
               <a:rPr lang="en-IN" smtClean="0"/>
-              <a:t>11-04-2021</a:t>
+              <a:t>16-04-2021</a:t>
             </a:fld>
             <a:endParaRPr lang="en-IN"/>
           </a:p>
@@ -424,7 +440,7 @@
           <a:lstStyle/>
           <a:p>
             <a:r>
-              <a:rPr lang="en-US" smtClean="0"/>
+              <a:rPr lang="en-US"/>
               <a:t>Click to edit Master title style</a:t>
             </a:r>
             <a:endParaRPr lang="en-IN"/>
@@ -448,35 +464,35 @@
           <a:p>
             <a:pPr lvl="0"/>
             <a:r>
-              <a:rPr lang="en-US" smtClean="0"/>
+              <a:rPr lang="en-US"/>
               <a:t>Click to edit Master text styles</a:t>
             </a:r>
           </a:p>
           <a:p>
             <a:pPr lvl="1"/>
             <a:r>
-              <a:rPr lang="en-US" smtClean="0"/>
+              <a:rPr lang="en-US"/>
               <a:t>Second level</a:t>
             </a:r>
           </a:p>
           <a:p>
             <a:pPr lvl="2"/>
             <a:r>
-              <a:rPr lang="en-US" smtClean="0"/>
+              <a:rPr lang="en-US"/>
               <a:t>Third level</a:t>
             </a:r>
           </a:p>
           <a:p>
             <a:pPr lvl="3"/>
             <a:r>
-              <a:rPr lang="en-US" smtClean="0"/>
+              <a:rPr lang="en-US"/>
               <a:t>Fourth level</a:t>
             </a:r>
           </a:p>
           <a:p>
             <a:pPr lvl="4"/>
             <a:r>
-              <a:rPr lang="en-US" smtClean="0"/>
+              <a:rPr lang="en-US"/>
               <a:t>Fifth level</a:t>
             </a:r>
             <a:endParaRPr lang="en-IN"/>
@@ -500,7 +516,7 @@
           <a:p>
             <a:fld id="{F22BC6C7-5F36-4F6A-AD0A-472443C418F4}" type="datetimeFigureOut">
               <a:rPr lang="en-IN" smtClean="0"/>
-              <a:t>11-04-2021</a:t>
+              <a:t>16-04-2021</a:t>
             </a:fld>
             <a:endParaRPr lang="en-IN"/>
           </a:p>
@@ -599,7 +615,7 @@
           <a:lstStyle/>
           <a:p>
             <a:r>
-              <a:rPr lang="en-US" smtClean="0"/>
+              <a:rPr lang="en-US"/>
               <a:t>Click to edit Master title style</a:t>
             </a:r>
             <a:endParaRPr lang="en-IN"/>
@@ -628,35 +644,35 @@
           <a:p>
             <a:pPr lvl="0"/>
             <a:r>
-              <a:rPr lang="en-US" smtClean="0"/>
+              <a:rPr lang="en-US"/>
               <a:t>Click to edit Master text styles</a:t>
             </a:r>
           </a:p>
           <a:p>
             <a:pPr lvl="1"/>
             <a:r>
-              <a:rPr lang="en-US" smtClean="0"/>
+              <a:rPr lang="en-US"/>
               <a:t>Second level</a:t>
             </a:r>
           </a:p>
           <a:p>
             <a:pPr lvl="2"/>
             <a:r>
-              <a:rPr lang="en-US" smtClean="0"/>
+              <a:rPr lang="en-US"/>
               <a:t>Third level</a:t>
             </a:r>
           </a:p>
           <a:p>
             <a:pPr lvl="3"/>
             <a:r>
-              <a:rPr lang="en-US" smtClean="0"/>
+              <a:rPr lang="en-US"/>
               <a:t>Fourth level</a:t>
             </a:r>
           </a:p>
           <a:p>
             <a:pPr lvl="4"/>
             <a:r>
-              <a:rPr lang="en-US" smtClean="0"/>
+              <a:rPr lang="en-US"/>
               <a:t>Fifth level</a:t>
             </a:r>
             <a:endParaRPr lang="en-IN"/>
@@ -680,7 +696,7 @@
           <a:p>
             <a:fld id="{F22BC6C7-5F36-4F6A-AD0A-472443C418F4}" type="datetimeFigureOut">
               <a:rPr lang="en-IN" smtClean="0"/>
-              <a:t>11-04-2021</a:t>
+              <a:t>16-04-2021</a:t>
             </a:fld>
             <a:endParaRPr lang="en-IN"/>
           </a:p>
@@ -774,7 +790,7 @@
           <a:lstStyle/>
           <a:p>
             <a:r>
-              <a:rPr lang="en-US" smtClean="0"/>
+              <a:rPr lang="en-US"/>
               <a:t>Click to edit Master title style</a:t>
             </a:r>
             <a:endParaRPr lang="en-IN"/>
@@ -798,35 +814,35 @@
           <a:p>
             <a:pPr lvl="0"/>
             <a:r>
-              <a:rPr lang="en-US" smtClean="0"/>
+              <a:rPr lang="en-US"/>
               <a:t>Click to edit Master text styles</a:t>
             </a:r>
           </a:p>
           <a:p>
             <a:pPr lvl="1"/>
             <a:r>
-              <a:rPr lang="en-US" smtClean="0"/>
+              <a:rPr lang="en-US"/>
               <a:t>Second level</a:t>
             </a:r>
           </a:p>
           <a:p>
             <a:pPr lvl="2"/>
             <a:r>
-              <a:rPr lang="en-US" smtClean="0"/>
+              <a:rPr lang="en-US"/>
               <a:t>Third level</a:t>
             </a:r>
           </a:p>
           <a:p>
             <a:pPr lvl="3"/>
             <a:r>
-              <a:rPr lang="en-US" smtClean="0"/>
+              <a:rPr lang="en-US"/>
               <a:t>Fourth level</a:t>
             </a:r>
           </a:p>
           <a:p>
             <a:pPr lvl="4"/>
             <a:r>
-              <a:rPr lang="en-US" smtClean="0"/>
+              <a:rPr lang="en-US"/>
               <a:t>Fifth level</a:t>
             </a:r>
             <a:endParaRPr lang="en-IN"/>
@@ -850,7 +866,7 @@
           <a:p>
             <a:fld id="{F22BC6C7-5F36-4F6A-AD0A-472443C418F4}" type="datetimeFigureOut">
               <a:rPr lang="en-IN" smtClean="0"/>
-              <a:t>11-04-2021</a:t>
+              <a:t>16-04-2021</a:t>
             </a:fld>
             <a:endParaRPr lang="en-IN"/>
           </a:p>
@@ -953,7 +969,7 @@
           </a:lstStyle>
           <a:p>
             <a:r>
-              <a:rPr lang="en-US" smtClean="0"/>
+              <a:rPr lang="en-US"/>
               <a:t>Click to edit Master title style</a:t>
             </a:r>
             <a:endParaRPr lang="en-IN"/>
@@ -1073,7 +1089,7 @@
           <a:p>
             <a:pPr lvl="0"/>
             <a:r>
-              <a:rPr lang="en-US" smtClean="0"/>
+              <a:rPr lang="en-US"/>
               <a:t>Click to edit Master text styles</a:t>
             </a:r>
           </a:p>
@@ -1096,7 +1112,7 @@
           <a:p>
             <a:fld id="{F22BC6C7-5F36-4F6A-AD0A-472443C418F4}" type="datetimeFigureOut">
               <a:rPr lang="en-IN" smtClean="0"/>
-              <a:t>11-04-2021</a:t>
+              <a:t>16-04-2021</a:t>
             </a:fld>
             <a:endParaRPr lang="en-IN"/>
           </a:p>
@@ -1190,7 +1206,7 @@
           <a:lstStyle/>
           <a:p>
             <a:r>
-              <a:rPr lang="en-US" smtClean="0"/>
+              <a:rPr lang="en-US"/>
               <a:t>Click to edit Master title style</a:t>
             </a:r>
             <a:endParaRPr lang="en-IN"/>
@@ -1247,35 +1263,35 @@
           <a:p>
             <a:pPr lvl="0"/>
             <a:r>
-              <a:rPr lang="en-US" smtClean="0"/>
+              <a:rPr lang="en-US"/>
               <a:t>Click to edit Master text styles</a:t>
             </a:r>
           </a:p>
           <a:p>
             <a:pPr lvl="1"/>
             <a:r>
-              <a:rPr lang="en-US" smtClean="0"/>
+              <a:rPr lang="en-US"/>
               <a:t>Second level</a:t>
             </a:r>
           </a:p>
           <a:p>
             <a:pPr lvl="2"/>
             <a:r>
-              <a:rPr lang="en-US" smtClean="0"/>
+              <a:rPr lang="en-US"/>
               <a:t>Third level</a:t>
             </a:r>
           </a:p>
           <a:p>
             <a:pPr lvl="3"/>
             <a:r>
-              <a:rPr lang="en-US" smtClean="0"/>
+              <a:rPr lang="en-US"/>
               <a:t>Fourth level</a:t>
             </a:r>
           </a:p>
           <a:p>
             <a:pPr lvl="4"/>
             <a:r>
-              <a:rPr lang="en-US" smtClean="0"/>
+              <a:rPr lang="en-US"/>
               <a:t>Fifth level</a:t>
             </a:r>
             <a:endParaRPr lang="en-IN"/>
@@ -1332,35 +1348,35 @@
           <a:p>
             <a:pPr lvl="0"/>
             <a:r>
-              <a:rPr lang="en-US" smtClean="0"/>
+              <a:rPr lang="en-US"/>
               <a:t>Click to edit Master text styles</a:t>
             </a:r>
           </a:p>
           <a:p>
             <a:pPr lvl="1"/>
             <a:r>
-              <a:rPr lang="en-US" smtClean="0"/>
+              <a:rPr lang="en-US"/>
               <a:t>Second level</a:t>
             </a:r>
           </a:p>
           <a:p>
             <a:pPr lvl="2"/>
             <a:r>
-              <a:rPr lang="en-US" smtClean="0"/>
+              <a:rPr lang="en-US"/>
               <a:t>Third level</a:t>
             </a:r>
           </a:p>
           <a:p>
             <a:pPr lvl="3"/>
             <a:r>
-              <a:rPr lang="en-US" smtClean="0"/>
+              <a:rPr lang="en-US"/>
               <a:t>Fourth level</a:t>
             </a:r>
           </a:p>
           <a:p>
             <a:pPr lvl="4"/>
             <a:r>
-              <a:rPr lang="en-US" smtClean="0"/>
+              <a:rPr lang="en-US"/>
               <a:t>Fifth level</a:t>
             </a:r>
             <a:endParaRPr lang="en-IN"/>
@@ -1384,7 +1400,7 @@
           <a:p>
             <a:fld id="{F22BC6C7-5F36-4F6A-AD0A-472443C418F4}" type="datetimeFigureOut">
               <a:rPr lang="en-IN" smtClean="0"/>
-              <a:t>11-04-2021</a:t>
+              <a:t>16-04-2021</a:t>
             </a:fld>
             <a:endParaRPr lang="en-IN"/>
           </a:p>
@@ -1482,7 +1498,7 @@
           </a:lstStyle>
           <a:p>
             <a:r>
-              <a:rPr lang="en-US" smtClean="0"/>
+              <a:rPr lang="en-US"/>
               <a:t>Click to edit Master title style</a:t>
             </a:r>
             <a:endParaRPr lang="en-IN"/>
@@ -1548,7 +1564,7 @@
           <a:p>
             <a:pPr lvl="0"/>
             <a:r>
-              <a:rPr lang="en-US" smtClean="0"/>
+              <a:rPr lang="en-US"/>
               <a:t>Click to edit Master text styles</a:t>
             </a:r>
           </a:p>
@@ -1604,35 +1620,35 @@
           <a:p>
             <a:pPr lvl="0"/>
             <a:r>
-              <a:rPr lang="en-US" smtClean="0"/>
+              <a:rPr lang="en-US"/>
               <a:t>Click to edit Master text styles</a:t>
             </a:r>
           </a:p>
           <a:p>
             <a:pPr lvl="1"/>
             <a:r>
-              <a:rPr lang="en-US" smtClean="0"/>
+              <a:rPr lang="en-US"/>
               <a:t>Second level</a:t>
             </a:r>
           </a:p>
           <a:p>
             <a:pPr lvl="2"/>
             <a:r>
-              <a:rPr lang="en-US" smtClean="0"/>
+              <a:rPr lang="en-US"/>
               <a:t>Third level</a:t>
             </a:r>
           </a:p>
           <a:p>
             <a:pPr lvl="3"/>
             <a:r>
-              <a:rPr lang="en-US" smtClean="0"/>
+              <a:rPr lang="en-US"/>
               <a:t>Fourth level</a:t>
             </a:r>
           </a:p>
           <a:p>
             <a:pPr lvl="4"/>
             <a:r>
-              <a:rPr lang="en-US" smtClean="0"/>
+              <a:rPr lang="en-US"/>
               <a:t>Fifth level</a:t>
             </a:r>
             <a:endParaRPr lang="en-IN"/>
@@ -1698,7 +1714,7 @@
           <a:p>
             <a:pPr lvl="0"/>
             <a:r>
-              <a:rPr lang="en-US" smtClean="0"/>
+              <a:rPr lang="en-US"/>
               <a:t>Click to edit Master text styles</a:t>
             </a:r>
           </a:p>
@@ -1754,35 +1770,35 @@
           <a:p>
             <a:pPr lvl="0"/>
             <a:r>
-              <a:rPr lang="en-US" smtClean="0"/>
+              <a:rPr lang="en-US"/>
               <a:t>Click to edit Master text styles</a:t>
             </a:r>
           </a:p>
           <a:p>
             <a:pPr lvl="1"/>
             <a:r>
-              <a:rPr lang="en-US" smtClean="0"/>
+              <a:rPr lang="en-US"/>
               <a:t>Second level</a:t>
             </a:r>
           </a:p>
           <a:p>
             <a:pPr lvl="2"/>
             <a:r>
-              <a:rPr lang="en-US" smtClean="0"/>
+              <a:rPr lang="en-US"/>
               <a:t>Third level</a:t>
             </a:r>
           </a:p>
           <a:p>
             <a:pPr lvl="3"/>
             <a:r>
-              <a:rPr lang="en-US" smtClean="0"/>
+              <a:rPr lang="en-US"/>
               <a:t>Fourth level</a:t>
             </a:r>
           </a:p>
           <a:p>
             <a:pPr lvl="4"/>
             <a:r>
-              <a:rPr lang="en-US" smtClean="0"/>
+              <a:rPr lang="en-US"/>
               <a:t>Fifth level</a:t>
             </a:r>
             <a:endParaRPr lang="en-IN"/>
@@ -1806,7 +1822,7 @@
           <a:p>
             <a:fld id="{F22BC6C7-5F36-4F6A-AD0A-472443C418F4}" type="datetimeFigureOut">
               <a:rPr lang="en-IN" smtClean="0"/>
-              <a:t>11-04-2021</a:t>
+              <a:t>16-04-2021</a:t>
             </a:fld>
             <a:endParaRPr lang="en-IN"/>
           </a:p>
@@ -1900,7 +1916,7 @@
           <a:lstStyle/>
           <a:p>
             <a:r>
-              <a:rPr lang="en-US" smtClean="0"/>
+              <a:rPr lang="en-US"/>
               <a:t>Click to edit Master title style</a:t>
             </a:r>
             <a:endParaRPr lang="en-IN"/>
@@ -1924,7 +1940,7 @@
           <a:p>
             <a:fld id="{F22BC6C7-5F36-4F6A-AD0A-472443C418F4}" type="datetimeFigureOut">
               <a:rPr lang="en-IN" smtClean="0"/>
-              <a:t>11-04-2021</a:t>
+              <a:t>16-04-2021</a:t>
             </a:fld>
             <a:endParaRPr lang="en-IN"/>
           </a:p>
@@ -2019,7 +2035,7 @@
           <a:p>
             <a:fld id="{F22BC6C7-5F36-4F6A-AD0A-472443C418F4}" type="datetimeFigureOut">
               <a:rPr lang="en-IN" smtClean="0"/>
-              <a:t>11-04-2021</a:t>
+              <a:t>16-04-2021</a:t>
             </a:fld>
             <a:endParaRPr lang="en-IN"/>
           </a:p>
@@ -2122,7 +2138,7 @@
           </a:lstStyle>
           <a:p>
             <a:r>
-              <a:rPr lang="en-US" smtClean="0"/>
+              <a:rPr lang="en-US"/>
               <a:t>Click to edit Master title style</a:t>
             </a:r>
             <a:endParaRPr lang="en-IN"/>
@@ -2179,35 +2195,35 @@
           <a:p>
             <a:pPr lvl="0"/>
             <a:r>
-              <a:rPr lang="en-US" smtClean="0"/>
+              <a:rPr lang="en-US"/>
               <a:t>Click to edit Master text styles</a:t>
             </a:r>
           </a:p>
           <a:p>
             <a:pPr lvl="1"/>
             <a:r>
-              <a:rPr lang="en-US" smtClean="0"/>
+              <a:rPr lang="en-US"/>
               <a:t>Second level</a:t>
             </a:r>
           </a:p>
           <a:p>
             <a:pPr lvl="2"/>
             <a:r>
-              <a:rPr lang="en-US" smtClean="0"/>
+              <a:rPr lang="en-US"/>
               <a:t>Third level</a:t>
             </a:r>
           </a:p>
           <a:p>
             <a:pPr lvl="3"/>
             <a:r>
-              <a:rPr lang="en-US" smtClean="0"/>
+              <a:rPr lang="en-US"/>
               <a:t>Fourth level</a:t>
             </a:r>
           </a:p>
           <a:p>
             <a:pPr lvl="4"/>
             <a:r>
-              <a:rPr lang="en-US" smtClean="0"/>
+              <a:rPr lang="en-US"/>
               <a:t>Fifth level</a:t>
             </a:r>
             <a:endParaRPr lang="en-IN"/>
@@ -2273,7 +2289,7 @@
           <a:p>
             <a:pPr lvl="0"/>
             <a:r>
-              <a:rPr lang="en-US" smtClean="0"/>
+              <a:rPr lang="en-US"/>
               <a:t>Click to edit Master text styles</a:t>
             </a:r>
           </a:p>
@@ -2296,7 +2312,7 @@
           <a:p>
             <a:fld id="{F22BC6C7-5F36-4F6A-AD0A-472443C418F4}" type="datetimeFigureOut">
               <a:rPr lang="en-IN" smtClean="0"/>
-              <a:t>11-04-2021</a:t>
+              <a:t>16-04-2021</a:t>
             </a:fld>
             <a:endParaRPr lang="en-IN"/>
           </a:p>
@@ -2399,7 +2415,7 @@
           </a:lstStyle>
           <a:p>
             <a:r>
-              <a:rPr lang="en-US" smtClean="0"/>
+              <a:rPr lang="en-US"/>
               <a:t>Click to edit Master title style</a:t>
             </a:r>
             <a:endParaRPr lang="en-IN"/>
@@ -2526,7 +2542,7 @@
           <a:p>
             <a:pPr lvl="0"/>
             <a:r>
-              <a:rPr lang="en-US" smtClean="0"/>
+              <a:rPr lang="en-US"/>
               <a:t>Click to edit Master text styles</a:t>
             </a:r>
           </a:p>
@@ -2549,7 +2565,7 @@
           <a:p>
             <a:fld id="{F22BC6C7-5F36-4F6A-AD0A-472443C418F4}" type="datetimeFigureOut">
               <a:rPr lang="en-IN" smtClean="0"/>
-              <a:t>11-04-2021</a:t>
+              <a:t>16-04-2021</a:t>
             </a:fld>
             <a:endParaRPr lang="en-IN"/>
           </a:p>
@@ -2658,7 +2674,7 @@
           <a:lstStyle/>
           <a:p>
             <a:r>
-              <a:rPr lang="en-US" smtClean="0"/>
+              <a:rPr lang="en-US"/>
               <a:t>Click to edit Master title style</a:t>
             </a:r>
             <a:endParaRPr lang="en-IN"/>
@@ -2692,35 +2708,35 @@
           <a:p>
             <a:pPr lvl="0"/>
             <a:r>
-              <a:rPr lang="en-US" smtClean="0"/>
+              <a:rPr lang="en-US"/>
               <a:t>Click to edit Master text styles</a:t>
             </a:r>
           </a:p>
           <a:p>
             <a:pPr lvl="1"/>
             <a:r>
-              <a:rPr lang="en-US" smtClean="0"/>
+              <a:rPr lang="en-US"/>
               <a:t>Second level</a:t>
             </a:r>
           </a:p>
           <a:p>
             <a:pPr lvl="2"/>
             <a:r>
-              <a:rPr lang="en-US" smtClean="0"/>
+              <a:rPr lang="en-US"/>
               <a:t>Third level</a:t>
             </a:r>
           </a:p>
           <a:p>
             <a:pPr lvl="3"/>
             <a:r>
-              <a:rPr lang="en-US" smtClean="0"/>
+              <a:rPr lang="en-US"/>
               <a:t>Fourth level</a:t>
             </a:r>
           </a:p>
           <a:p>
             <a:pPr lvl="4"/>
             <a:r>
-              <a:rPr lang="en-US" smtClean="0"/>
+              <a:rPr lang="en-US"/>
               <a:t>Fifth level</a:t>
             </a:r>
             <a:endParaRPr lang="en-IN"/>
@@ -2762,7 +2778,7 @@
           <a:p>
             <a:fld id="{F22BC6C7-5F36-4F6A-AD0A-472443C418F4}" type="datetimeFigureOut">
               <a:rPr lang="en-IN" smtClean="0"/>
-              <a:t>11-04-2021</a:t>
+              <a:t>16-04-2021</a:t>
             </a:fld>
             <a:endParaRPr lang="en-IN"/>
           </a:p>
@@ -3196,7 +3212,7 @@
               <a:buChar char="•"/>
             </a:pPr>
             <a:r>
-              <a:rPr lang="en-US" dirty="0" smtClean="0"/>
+              <a:rPr lang="en-US" dirty="0"/>
               <a:t>Standard I/O</a:t>
             </a:r>
           </a:p>
@@ -3206,18 +3222,14 @@
               <a:buChar char="•"/>
             </a:pPr>
             <a:r>
-              <a:rPr lang="en-US" dirty="0" smtClean="0"/>
-              <a:t> </a:t>
-            </a:r>
-            <a:r>
               <a:rPr lang="en-US" dirty="0"/>
-              <a:t>Formatted Output - </a:t>
-            </a:r>
-            <a:r>
-              <a:rPr lang="en-US" dirty="0" err="1" smtClean="0"/>
+              <a:t> Formatted Output - </a:t>
+            </a:r>
+            <a:r>
+              <a:rPr lang="en-US" dirty="0" err="1"/>
               <a:t>printf</a:t>
             </a:r>
-            <a:endParaRPr lang="en-US" dirty="0" smtClean="0"/>
+            <a:endParaRPr lang="en-US" dirty="0"/>
           </a:p>
           <a:p>
             <a:pPr marL="457200" indent="-457200" algn="l">
@@ -3225,22 +3237,18 @@
               <a:buChar char="•"/>
             </a:pPr>
             <a:r>
-              <a:rPr lang="en-US" dirty="0" err="1" smtClean="0"/>
+              <a:rPr lang="en-US" dirty="0" err="1"/>
               <a:t>Formated</a:t>
             </a:r>
             <a:r>
-              <a:rPr lang="en-US" dirty="0" smtClean="0"/>
-              <a:t> </a:t>
-            </a:r>
-            <a:r>
               <a:rPr lang="en-US" dirty="0"/>
-              <a:t>Input - </a:t>
-            </a:r>
-            <a:r>
-              <a:rPr lang="en-US" dirty="0" err="1" smtClean="0"/>
+              <a:t> Input - </a:t>
+            </a:r>
+            <a:r>
+              <a:rPr lang="en-US" dirty="0" err="1"/>
               <a:t>scanf</a:t>
             </a:r>
-            <a:endParaRPr lang="en-US" dirty="0" smtClean="0"/>
+            <a:endParaRPr lang="en-US" dirty="0"/>
           </a:p>
           <a:p>
             <a:pPr marL="457200" indent="-457200" algn="l">
@@ -3248,16 +3256,8 @@
               <a:buChar char="•"/>
             </a:pPr>
             <a:r>
-              <a:rPr lang="en-US" dirty="0" smtClean="0"/>
-              <a:t> </a:t>
-            </a:r>
-            <a:r>
               <a:rPr lang="en-US" dirty="0"/>
-              <a:t>Variable length argument </a:t>
-            </a:r>
-            <a:r>
-              <a:rPr lang="en-US" dirty="0" smtClean="0"/>
-              <a:t>list</a:t>
+              <a:t> Variable length argument list</a:t>
             </a:r>
           </a:p>
           <a:p>
@@ -3266,12 +3266,8 @@
               <a:buChar char="•"/>
             </a:pPr>
             <a:r>
-              <a:rPr lang="en-US" dirty="0" smtClean="0"/>
-              <a:t> </a:t>
-            </a:r>
-            <a:r>
               <a:rPr lang="en-US" dirty="0"/>
-              <a:t>file access including FILE structure, </a:t>
+              <a:t> file access including FILE structure, </a:t>
             </a:r>
             <a:r>
               <a:rPr lang="en-US" dirty="0" err="1"/>
@@ -3298,10 +3294,10 @@
               <a:t> and </a:t>
             </a:r>
             <a:r>
-              <a:rPr lang="en-US" dirty="0" err="1" smtClean="0"/>
+              <a:rPr lang="en-US" dirty="0" err="1"/>
               <a:t>stderr</a:t>
             </a:r>
-            <a:endParaRPr lang="en-US" dirty="0" smtClean="0"/>
+            <a:endParaRPr lang="en-US" dirty="0"/>
           </a:p>
           <a:p>
             <a:pPr marL="457200" indent="-457200" algn="l">
@@ -3309,12 +3305,8 @@
               <a:buChar char="•"/>
             </a:pPr>
             <a:r>
-              <a:rPr lang="en-US" dirty="0" smtClean="0"/>
-              <a:t>Error </a:t>
-            </a:r>
-            <a:r>
               <a:rPr lang="en-US" dirty="0"/>
-              <a:t>Handling including exit, </a:t>
+              <a:t>Error Handling including exit, </a:t>
             </a:r>
             <a:r>
               <a:rPr lang="en-US" dirty="0" err="1"/>
@@ -3325,10 +3317,10 @@
               <a:t> and </a:t>
             </a:r>
             <a:r>
-              <a:rPr lang="en-US" dirty="0" err="1" smtClean="0"/>
+              <a:rPr lang="en-US" dirty="0" err="1"/>
               <a:t>error.h</a:t>
             </a:r>
-            <a:endParaRPr lang="en-US" dirty="0" smtClean="0"/>
+            <a:endParaRPr lang="en-US" dirty="0"/>
           </a:p>
           <a:p>
             <a:pPr marL="457200" indent="-457200" algn="l">
@@ -3336,18 +3328,9 @@
               <a:buChar char="•"/>
             </a:pPr>
             <a:r>
-              <a:rPr lang="en-US" dirty="0" smtClean="0"/>
-              <a:t> </a:t>
-            </a:r>
-            <a:r>
               <a:rPr lang="en-US" dirty="0"/>
-              <a:t>Line </a:t>
-            </a:r>
-            <a:r>
-              <a:rPr lang="en-US" dirty="0" smtClean="0"/>
-              <a:t>I/O</a:t>
-            </a:r>
-            <a:endParaRPr lang="en-US" dirty="0"/>
+              <a:t> Line I/O</a:t>
+            </a:r>
           </a:p>
           <a:p>
             <a:pPr marL="457200" indent="-457200" algn="l">
@@ -3355,12 +3338,8 @@
               <a:buChar char="•"/>
             </a:pPr>
             <a:r>
-              <a:rPr lang="en-US" dirty="0" smtClean="0"/>
-              <a:t>miscellaneous </a:t>
-            </a:r>
-            <a:r>
               <a:rPr lang="en-US" dirty="0"/>
-              <a:t>functions</a:t>
+              <a:t>miscellaneous functions</a:t>
             </a:r>
             <a:endParaRPr lang="en-IN" dirty="0"/>
           </a:p>
@@ -3443,11 +3422,11 @@
           <a:lstStyle/>
           <a:p>
             <a:r>
-              <a:rPr lang="en-US" dirty="0" err="1" smtClean="0"/>
+              <a:rPr lang="en-US" dirty="0" err="1"/>
               <a:t>scanf</a:t>
             </a:r>
             <a:r>
-              <a:rPr lang="en-US" dirty="0" smtClean="0"/>
+              <a:rPr lang="en-US" dirty="0"/>
               <a:t>() reads characters from standard input, interprets them according to the specification in format, and stores the results through the remaining arguments.</a:t>
             </a:r>
           </a:p>
@@ -3456,7 +3435,7 @@
               <a:buNone/>
             </a:pPr>
             <a:r>
-              <a:rPr lang="en-US" dirty="0" smtClean="0">
+              <a:rPr lang="en-US" dirty="0">
                 <a:solidFill>
                   <a:srgbClr val="FF0000"/>
                 </a:solidFill>
@@ -3464,7 +3443,7 @@
               <a:t>   </a:t>
             </a:r>
             <a:r>
-              <a:rPr lang="en-US" dirty="0" err="1" smtClean="0">
+              <a:rPr lang="en-US" dirty="0" err="1">
                 <a:solidFill>
                   <a:srgbClr val="FF0000"/>
                 </a:solidFill>
@@ -3472,7 +3451,7 @@
               <a:t>int</a:t>
             </a:r>
             <a:r>
-              <a:rPr lang="en-US" dirty="0" smtClean="0">
+              <a:rPr lang="en-US" dirty="0">
                 <a:solidFill>
                   <a:srgbClr val="FF0000"/>
                 </a:solidFill>
@@ -3480,7 +3459,7 @@
               <a:t> </a:t>
             </a:r>
             <a:r>
-              <a:rPr lang="en-US" dirty="0" err="1" smtClean="0">
+              <a:rPr lang="en-US" dirty="0" err="1">
                 <a:solidFill>
                   <a:srgbClr val="FF0000"/>
                 </a:solidFill>
@@ -3488,7 +3467,7 @@
               <a:t>scanf</a:t>
             </a:r>
             <a:r>
-              <a:rPr lang="en-US" dirty="0" smtClean="0">
+              <a:rPr lang="en-US" dirty="0">
                 <a:solidFill>
                   <a:srgbClr val="FF0000"/>
                 </a:solidFill>
@@ -3710,19 +3689,19 @@
           <a:lstStyle/>
           <a:p>
             <a:r>
-              <a:rPr lang="en-US" dirty="0" smtClean="0"/>
+              <a:rPr lang="en-US" dirty="0"/>
               <a:t>The conversion characters d, </a:t>
             </a:r>
             <a:r>
-              <a:rPr lang="en-US" dirty="0" err="1" smtClean="0"/>
+              <a:rPr lang="en-US" dirty="0" err="1"/>
               <a:t>i</a:t>
             </a:r>
             <a:r>
-              <a:rPr lang="en-US" dirty="0" smtClean="0"/>
+              <a:rPr lang="en-US" dirty="0"/>
               <a:t>, o, u, and x may be preceded by </a:t>
             </a:r>
             <a:r>
-              <a:rPr lang="en-US" dirty="0" smtClean="0">
+              <a:rPr lang="en-US" dirty="0">
                 <a:solidFill>
                   <a:srgbClr val="00B050"/>
                 </a:solidFill>
@@ -3730,11 +3709,11 @@
               <a:t>h</a:t>
             </a:r>
             <a:r>
-              <a:rPr lang="en-US" dirty="0" smtClean="0"/>
+              <a:rPr lang="en-US" dirty="0"/>
               <a:t> to indicate that a pointer to </a:t>
             </a:r>
             <a:r>
-              <a:rPr lang="en-US" dirty="0" smtClean="0">
+              <a:rPr lang="en-US" dirty="0">
                 <a:solidFill>
                   <a:srgbClr val="00B050"/>
                 </a:solidFill>
@@ -3742,11 +3721,11 @@
               <a:t>short</a:t>
             </a:r>
             <a:r>
-              <a:rPr lang="en-US" dirty="0" smtClean="0"/>
+              <a:rPr lang="en-US" dirty="0"/>
               <a:t> rather than </a:t>
             </a:r>
             <a:r>
-              <a:rPr lang="en-US" dirty="0" err="1" smtClean="0">
+              <a:rPr lang="en-US" dirty="0" err="1">
                 <a:solidFill>
                   <a:srgbClr val="00B050"/>
                 </a:solidFill>
@@ -3754,7 +3733,7 @@
               <a:t>int</a:t>
             </a:r>
             <a:r>
-              <a:rPr lang="en-US" dirty="0" smtClean="0">
+              <a:rPr lang="en-US" dirty="0">
                 <a:solidFill>
                   <a:srgbClr val="00B050"/>
                 </a:solidFill>
@@ -3762,11 +3741,11 @@
               <a:t> </a:t>
             </a:r>
             <a:r>
-              <a:rPr lang="en-US" dirty="0" smtClean="0"/>
+              <a:rPr lang="en-US" dirty="0"/>
               <a:t>appears in the argument list, or by </a:t>
             </a:r>
             <a:r>
-              <a:rPr lang="en-US" dirty="0" smtClean="0">
+              <a:rPr lang="en-US" dirty="0">
                 <a:solidFill>
                   <a:srgbClr val="00B050"/>
                 </a:solidFill>
@@ -3774,11 +3753,11 @@
               <a:t>l</a:t>
             </a:r>
             <a:r>
-              <a:rPr lang="en-US" dirty="0" smtClean="0"/>
+              <a:rPr lang="en-US" dirty="0"/>
               <a:t> (letter ell) to indicate that a pointer to </a:t>
             </a:r>
             <a:r>
-              <a:rPr lang="en-US" dirty="0" smtClean="0">
+              <a:rPr lang="en-US" dirty="0">
                 <a:solidFill>
                   <a:srgbClr val="00B050"/>
                 </a:solidFill>
@@ -3786,7 +3765,7 @@
               <a:t>long</a:t>
             </a:r>
             <a:r>
-              <a:rPr lang="en-US" dirty="0" smtClean="0"/>
+              <a:rPr lang="en-US" dirty="0"/>
               <a:t> appears in the argument list. </a:t>
             </a:r>
           </a:p>
@@ -3795,7 +3774,7 @@
               <a:buNone/>
             </a:pPr>
             <a:r>
-              <a:rPr lang="en-IN" dirty="0" smtClean="0">
+              <a:rPr lang="en-IN" dirty="0">
                 <a:solidFill>
                   <a:srgbClr val="FF0000"/>
                 </a:solidFill>
@@ -3803,7 +3782,7 @@
               <a:t>#include &lt;</a:t>
             </a:r>
             <a:r>
-              <a:rPr lang="en-IN" dirty="0" err="1" smtClean="0">
+              <a:rPr lang="en-IN" dirty="0" err="1">
                 <a:solidFill>
                   <a:srgbClr val="FF0000"/>
                 </a:solidFill>
@@ -3811,7 +3790,7 @@
               <a:t>stdio.h</a:t>
             </a:r>
             <a:r>
-              <a:rPr lang="en-IN" dirty="0" smtClean="0">
+              <a:rPr lang="en-IN" dirty="0">
                 <a:solidFill>
                   <a:srgbClr val="FF0000"/>
                 </a:solidFill>
@@ -3824,7 +3803,7 @@
               <a:buNone/>
             </a:pPr>
             <a:r>
-              <a:rPr lang="en-IN" dirty="0" smtClean="0">
+              <a:rPr lang="en-IN" dirty="0">
                 <a:solidFill>
                   <a:srgbClr val="FF0000"/>
                 </a:solidFill>
@@ -3837,7 +3816,7 @@
               <a:buNone/>
             </a:pPr>
             <a:r>
-              <a:rPr lang="en-IN" dirty="0" smtClean="0">
+              <a:rPr lang="en-IN" dirty="0">
                 <a:solidFill>
                   <a:srgbClr val="FF0000"/>
                 </a:solidFill>
@@ -3850,7 +3829,7 @@
               <a:buNone/>
             </a:pPr>
             <a:r>
-              <a:rPr lang="en-IN" dirty="0" smtClean="0">
+              <a:rPr lang="en-IN" dirty="0">
                 <a:solidFill>
                   <a:srgbClr val="FF0000"/>
                 </a:solidFill>
@@ -3863,7 +3842,7 @@
               <a:buNone/>
             </a:pPr>
             <a:r>
-              <a:rPr lang="en-IN" dirty="0" smtClean="0">
+              <a:rPr lang="en-IN" dirty="0">
                 <a:solidFill>
                   <a:srgbClr val="FF0000"/>
                 </a:solidFill>
@@ -3876,7 +3855,7 @@
               <a:buNone/>
             </a:pPr>
             <a:r>
-              <a:rPr lang="en-IN" dirty="0" smtClean="0">
+              <a:rPr lang="en-IN" dirty="0">
                 <a:solidFill>
                   <a:srgbClr val="FF0000"/>
                 </a:solidFill>
@@ -3884,7 +3863,7 @@
               <a:t> while ((</a:t>
             </a:r>
             <a:r>
-              <a:rPr lang="en-IN" dirty="0" err="1" smtClean="0">
+              <a:rPr lang="en-IN" dirty="0" err="1">
                 <a:solidFill>
                   <a:srgbClr val="FF0000"/>
                 </a:solidFill>
@@ -3892,7 +3871,7 @@
               <a:t>scanf</a:t>
             </a:r>
             <a:r>
-              <a:rPr lang="en-IN" dirty="0" smtClean="0">
+              <a:rPr lang="en-IN" dirty="0">
                 <a:solidFill>
                   <a:srgbClr val="FF0000"/>
                 </a:solidFill>
@@ -3900,7 +3879,7 @@
               <a:t>("%</a:t>
             </a:r>
             <a:r>
-              <a:rPr lang="en-IN" dirty="0" err="1" smtClean="0">
+              <a:rPr lang="en-IN" dirty="0" err="1">
                 <a:solidFill>
                   <a:srgbClr val="FF0000"/>
                 </a:solidFill>
@@ -3908,7 +3887,7 @@
               <a:t>lf",&amp;v</a:t>
             </a:r>
             <a:r>
-              <a:rPr lang="en-IN" dirty="0" smtClean="0">
+              <a:rPr lang="en-IN" dirty="0">
                 <a:solidFill>
                   <a:srgbClr val="FF0000"/>
                 </a:solidFill>
@@ -3921,7 +3900,7 @@
               <a:buNone/>
             </a:pPr>
             <a:r>
-              <a:rPr lang="en-IN" dirty="0" smtClean="0">
+              <a:rPr lang="en-IN" dirty="0">
                 <a:solidFill>
                   <a:srgbClr val="FF0000"/>
                 </a:solidFill>
@@ -3929,7 +3908,7 @@
               <a:t>  </a:t>
             </a:r>
             <a:r>
-              <a:rPr lang="en-IN" dirty="0" err="1" smtClean="0">
+              <a:rPr lang="en-IN" dirty="0" err="1">
                 <a:solidFill>
                   <a:srgbClr val="FF0000"/>
                 </a:solidFill>
@@ -3937,7 +3916,7 @@
               <a:t>printf</a:t>
             </a:r>
             <a:r>
-              <a:rPr lang="en-IN" dirty="0" smtClean="0">
+              <a:rPr lang="en-IN" dirty="0">
                 <a:solidFill>
                   <a:srgbClr val="FF0000"/>
                 </a:solidFill>
@@ -3950,7 +3929,7 @@
               <a:buNone/>
             </a:pPr>
             <a:r>
-              <a:rPr lang="en-IN" dirty="0" smtClean="0">
+              <a:rPr lang="en-IN" dirty="0">
                 <a:solidFill>
                   <a:srgbClr val="FF0000"/>
                 </a:solidFill>
@@ -3963,18 +3942,13 @@
               <a:buNone/>
             </a:pPr>
             <a:r>
-              <a:rPr lang="en-IN" dirty="0" smtClean="0">
+              <a:rPr lang="en-IN" dirty="0">
                 <a:solidFill>
                   <a:srgbClr val="FF0000"/>
                 </a:solidFill>
               </a:rPr>
               <a:t> }</a:t>
             </a:r>
-            <a:endParaRPr lang="en-IN" dirty="0">
-              <a:solidFill>
-                <a:srgbClr val="FF0000"/>
-              </a:solidFill>
-            </a:endParaRPr>
           </a:p>
         </p:txBody>
       </p:sp>
@@ -4046,7 +4020,7 @@
               <a:buNone/>
             </a:pPr>
             <a:r>
-              <a:rPr lang="en-US" dirty="0" err="1" smtClean="0">
+              <a:rPr lang="en-US" dirty="0" err="1">
                 <a:solidFill>
                   <a:srgbClr val="FF0000"/>
                 </a:solidFill>
@@ -4054,7 +4028,7 @@
               <a:t>int</a:t>
             </a:r>
             <a:r>
-              <a:rPr lang="en-US" dirty="0" smtClean="0">
+              <a:rPr lang="en-US" dirty="0">
                 <a:solidFill>
                   <a:srgbClr val="FF0000"/>
                 </a:solidFill>
@@ -4067,7 +4041,7 @@
               <a:buNone/>
             </a:pPr>
             <a:r>
-              <a:rPr lang="en-US" dirty="0" smtClean="0">
+              <a:rPr lang="en-US" dirty="0">
                 <a:solidFill>
                   <a:srgbClr val="FF0000"/>
                 </a:solidFill>
@@ -4075,7 +4049,7 @@
               <a:t> char </a:t>
             </a:r>
             <a:r>
-              <a:rPr lang="en-US" dirty="0" err="1" smtClean="0">
+              <a:rPr lang="en-US" dirty="0" err="1">
                 <a:solidFill>
                   <a:srgbClr val="FF0000"/>
                 </a:solidFill>
@@ -4083,7 +4057,7 @@
               <a:t>monthname</a:t>
             </a:r>
             <a:r>
-              <a:rPr lang="en-US" dirty="0" smtClean="0">
+              <a:rPr lang="en-US" dirty="0">
                 <a:solidFill>
                   <a:srgbClr val="FF0000"/>
                 </a:solidFill>
@@ -4096,7 +4070,7 @@
               <a:buNone/>
             </a:pPr>
             <a:r>
-              <a:rPr lang="en-US" dirty="0" smtClean="0">
+              <a:rPr lang="en-US" dirty="0">
                 <a:solidFill>
                   <a:srgbClr val="FF0000"/>
                 </a:solidFill>
@@ -4104,7 +4078,7 @@
               <a:t> </a:t>
             </a:r>
             <a:r>
-              <a:rPr lang="en-US" dirty="0" err="1" smtClean="0">
+              <a:rPr lang="en-US" dirty="0" err="1">
                 <a:solidFill>
                   <a:srgbClr val="FF0000"/>
                 </a:solidFill>
@@ -4112,7 +4086,7 @@
               <a:t>scanf</a:t>
             </a:r>
             <a:r>
-              <a:rPr lang="en-US" dirty="0" smtClean="0">
+              <a:rPr lang="en-US" dirty="0">
                 <a:solidFill>
                   <a:srgbClr val="FF0000"/>
                 </a:solidFill>
@@ -4120,7 +4094,7 @@
               <a:t>("%d %s %d", &amp;day, </a:t>
             </a:r>
             <a:r>
-              <a:rPr lang="en-US" dirty="0" err="1" smtClean="0">
+              <a:rPr lang="en-US" dirty="0" err="1">
                 <a:solidFill>
                   <a:srgbClr val="FF0000"/>
                 </a:solidFill>
@@ -4128,7 +4102,7 @@
               <a:t>monthname</a:t>
             </a:r>
             <a:r>
-              <a:rPr lang="en-US" dirty="0" smtClean="0">
+              <a:rPr lang="en-US" dirty="0">
                 <a:solidFill>
                   <a:srgbClr val="FF0000"/>
                 </a:solidFill>
@@ -4151,7 +4125,7 @@
               <a:buNone/>
             </a:pPr>
             <a:r>
-              <a:rPr lang="en-US" dirty="0" err="1" smtClean="0">
+              <a:rPr lang="en-US" dirty="0" err="1">
                 <a:solidFill>
                   <a:srgbClr val="00B050"/>
                 </a:solidFill>
@@ -4159,7 +4133,7 @@
               <a:t>int</a:t>
             </a:r>
             <a:r>
-              <a:rPr lang="en-US" dirty="0" smtClean="0">
+              <a:rPr lang="en-US" dirty="0">
                 <a:solidFill>
                   <a:srgbClr val="00B050"/>
                 </a:solidFill>
@@ -4172,7 +4146,7 @@
               <a:buNone/>
             </a:pPr>
             <a:r>
-              <a:rPr lang="en-US" dirty="0" smtClean="0">
+              <a:rPr lang="en-US" dirty="0">
                 <a:solidFill>
                   <a:srgbClr val="00B050"/>
                 </a:solidFill>
@@ -4180,7 +4154,7 @@
               <a:t> </a:t>
             </a:r>
             <a:r>
-              <a:rPr lang="en-US" dirty="0" err="1" smtClean="0">
+              <a:rPr lang="en-US" dirty="0" err="1">
                 <a:solidFill>
                   <a:srgbClr val="00B050"/>
                 </a:solidFill>
@@ -4188,7 +4162,7 @@
               <a:t>scanf</a:t>
             </a:r>
             <a:r>
-              <a:rPr lang="en-US" dirty="0" smtClean="0">
+              <a:rPr lang="en-US" dirty="0">
                 <a:solidFill>
                   <a:srgbClr val="00B050"/>
                 </a:solidFill>
@@ -4264,7 +4238,7 @@
           <a:lstStyle/>
           <a:p>
             <a:r>
-              <a:rPr lang="en-US" dirty="0" smtClean="0"/>
+              <a:rPr lang="en-US" dirty="0"/>
               <a:t>File Access</a:t>
             </a:r>
             <a:endParaRPr lang="en-IN" dirty="0"/>
@@ -4405,13 +4379,13 @@
           <a:lstStyle/>
           <a:p>
             <a:r>
-              <a:rPr lang="en-US" dirty="0" smtClean="0"/>
+              <a:rPr lang="en-US" dirty="0"/>
               <a:t>Text Files</a:t>
             </a:r>
           </a:p>
           <a:p>
             <a:r>
-              <a:rPr lang="en-US" dirty="0" smtClean="0"/>
+              <a:rPr lang="en-US" dirty="0"/>
               <a:t>Binary Files</a:t>
             </a:r>
             <a:endParaRPr lang="en-IN" dirty="0"/>
@@ -4466,16 +4440,12 @@
           <a:lstStyle/>
           <a:p>
             <a:r>
-              <a:rPr lang="en-US" dirty="0" smtClean="0"/>
+              <a:rPr lang="en-US" dirty="0"/>
               <a:t>Basic </a:t>
             </a:r>
             <a:r>
               <a:rPr lang="en-IN" dirty="0"/>
               <a:t>File Operations</a:t>
-            </a:r>
-            <a:r>
-              <a:rPr lang="en-IN" b="1" dirty="0"/>
-              <a:t/>
             </a:r>
             <a:br>
               <a:rPr lang="en-IN" b="1" dirty="0"/>
@@ -4542,7 +4512,7 @@
           </a:p>
           <a:p>
             <a:r>
-              <a:rPr lang="en-US" dirty="0" smtClean="0">
+              <a:rPr lang="en-US" dirty="0">
                 <a:solidFill>
                   <a:srgbClr val="FF0000"/>
                 </a:solidFill>
@@ -4551,32 +4521,6 @@
             </a:r>
           </a:p>
           <a:p>
-            <a:endParaRPr lang="en-US" dirty="0" smtClean="0">
-              <a:solidFill>
-                <a:srgbClr val="FF0000"/>
-              </a:solidFill>
-            </a:endParaRPr>
-          </a:p>
-          <a:p>
-            <a:pPr marL="0" indent="0">
-              <a:buNone/>
-            </a:pPr>
-            <a:r>
-              <a:rPr lang="en-US" dirty="0" err="1" smtClean="0">
-                <a:solidFill>
-                  <a:srgbClr val="FF0000"/>
-                </a:solidFill>
-              </a:rPr>
-              <a:t>Intially</a:t>
-            </a:r>
-            <a:r>
-              <a:rPr lang="en-US" dirty="0" smtClean="0">
-                <a:solidFill>
-                  <a:srgbClr val="FF0000"/>
-                </a:solidFill>
-              </a:rPr>
-              <a:t>:</a:t>
-            </a:r>
             <a:endParaRPr lang="en-US" dirty="0">
               <a:solidFill>
                 <a:srgbClr val="FF0000"/>
@@ -4584,26 +4528,39 @@
             </a:endParaRPr>
           </a:p>
           <a:p>
+            <a:pPr marL="0" indent="0">
+              <a:buNone/>
+            </a:pPr>
+            <a:r>
+              <a:rPr lang="en-US" dirty="0" err="1">
+                <a:solidFill>
+                  <a:srgbClr val="FF0000"/>
+                </a:solidFill>
+              </a:rPr>
+              <a:t>Intially</a:t>
+            </a:r>
+            <a:r>
+              <a:rPr lang="en-US" dirty="0">
+                <a:solidFill>
+                  <a:srgbClr val="FF0000"/>
+                </a:solidFill>
+              </a:rPr>
+              <a:t>:</a:t>
+            </a:r>
+          </a:p>
+          <a:p>
             <a:pPr algn="just"/>
             <a:r>
               <a:rPr lang="en-US" dirty="0"/>
-              <a:t>When working with files, you need to declare a pointer of type file. This declaration is needed for </a:t>
-            </a:r>
-            <a:r>
-              <a:rPr lang="en-US" dirty="0" smtClean="0"/>
-              <a:t> communication </a:t>
-            </a:r>
-            <a:r>
-              <a:rPr lang="en-US" dirty="0"/>
-              <a:t>between the file and the program.</a:t>
-            </a:r>
-          </a:p>
-          <a:p>
-            <a:pPr marL="0" indent="0">
-              <a:buNone/>
-            </a:pPr>
-            <a:r>
-              <a:rPr lang="en-US" dirty="0" smtClean="0">
+              <a:t>When working with files, you need to declare a pointer of type file. This declaration is needed for  communication between the file and the program.</a:t>
+            </a:r>
+          </a:p>
+          <a:p>
+            <a:pPr marL="0" indent="0">
+              <a:buNone/>
+            </a:pPr>
+            <a:r>
+              <a:rPr lang="en-US" dirty="0">
                 <a:solidFill>
                   <a:srgbClr val="FF0000"/>
                 </a:solidFill>
@@ -4611,7 +4568,7 @@
               <a:t>          FILE *</a:t>
             </a:r>
             <a:r>
-              <a:rPr lang="en-US" dirty="0" err="1" smtClean="0">
+              <a:rPr lang="en-US" dirty="0" err="1">
                 <a:solidFill>
                   <a:srgbClr val="FF0000"/>
                 </a:solidFill>
@@ -4619,7 +4576,7 @@
               <a:t>fp</a:t>
             </a:r>
             <a:r>
-              <a:rPr lang="en-US" dirty="0" smtClean="0">
+              <a:rPr lang="en-US" dirty="0">
                 <a:solidFill>
                   <a:srgbClr val="FF0000"/>
                 </a:solidFill>
@@ -4682,11 +4639,11 @@
           <a:lstStyle/>
           <a:p>
             <a:r>
-              <a:rPr lang="en-IN" dirty="0" smtClean="0"/>
+              <a:rPr lang="en-IN" dirty="0"/>
               <a:t>Opening File</a:t>
             </a:r>
             <a:br>
-              <a:rPr lang="en-IN" dirty="0" smtClean="0"/>
+              <a:rPr lang="en-IN" dirty="0"/>
             </a:br>
             <a:endParaRPr lang="en-IN" dirty="0"/>
           </a:p>
@@ -4715,12 +4672,8 @@
           <a:lstStyle/>
           <a:p>
             <a:r>
-              <a:rPr lang="en-US" dirty="0" smtClean="0"/>
-              <a:t>We </a:t>
-            </a:r>
-            <a:r>
               <a:rPr lang="en-US" dirty="0"/>
-              <a:t>must open a file before it can be read, write, or update. The </a:t>
+              <a:t>We must open a file before it can be read, write, or update. The </a:t>
             </a:r>
             <a:r>
               <a:rPr lang="en-US" dirty="0" err="1">
@@ -4742,16 +4695,11 @@
               <a:rPr lang="en-US" dirty="0"/>
               <a:t> function is used to open a file. </a:t>
             </a:r>
-            <a:endParaRPr lang="en-US" dirty="0" smtClean="0"/>
-          </a:p>
-          <a:p>
-            <a:r>
-              <a:rPr lang="en-US" dirty="0" smtClean="0"/>
-              <a:t>The </a:t>
-            </a:r>
+          </a:p>
+          <a:p>
             <a:r>
               <a:rPr lang="en-US" dirty="0"/>
-              <a:t>syntax of the </a:t>
+              <a:t>The syntax of the </a:t>
             </a:r>
             <a:r>
               <a:rPr lang="en-US" dirty="0" err="1"/>
@@ -4759,11 +4707,7 @@
             </a:r>
             <a:r>
               <a:rPr lang="en-US" dirty="0"/>
-              <a:t>() is given below</a:t>
-            </a:r>
-            <a:r>
-              <a:rPr lang="en-US" dirty="0" smtClean="0"/>
-              <a:t>.</a:t>
+              <a:t>() is given below.</a:t>
             </a:r>
           </a:p>
           <a:p>
@@ -4857,7 +4801,6 @@
               <a:rPr lang="en-US" sz="2800" dirty="0"/>
               <a:t> </a:t>
             </a:r>
-            <a:endParaRPr lang="en-US" sz="2800" dirty="0" smtClean="0"/>
           </a:p>
           <a:p>
             <a:pPr marL="0" indent="0">
@@ -4867,7 +4810,7 @@
           </a:p>
           <a:p>
             <a:r>
-              <a:rPr lang="en-US" dirty="0" smtClean="0"/>
+              <a:rPr lang="en-US" dirty="0"/>
               <a:t>Example</a:t>
             </a:r>
           </a:p>
@@ -4876,7 +4819,7 @@
               <a:buNone/>
             </a:pPr>
             <a:r>
-              <a:rPr lang="en-IN" dirty="0" err="1" smtClean="0">
+              <a:rPr lang="en-IN" dirty="0" err="1">
                 <a:solidFill>
                   <a:srgbClr val="00B050"/>
                 </a:solidFill>
@@ -4884,7 +4827,7 @@
               <a:t>fopen</a:t>
             </a:r>
             <a:r>
-              <a:rPr lang="en-IN" dirty="0" smtClean="0">
+              <a:rPr lang="en-IN" dirty="0">
                 <a:solidFill>
                   <a:srgbClr val="00B050"/>
                 </a:solidFill>
@@ -4892,7 +4835,7 @@
               <a:t>(“D:\\</a:t>
             </a:r>
             <a:r>
-              <a:rPr lang="en-IN" dirty="0" err="1" smtClean="0">
+              <a:rPr lang="en-IN" dirty="0" err="1">
                 <a:solidFill>
                   <a:srgbClr val="00B050"/>
                 </a:solidFill>
@@ -4900,12 +4843,20 @@
               <a:t>cprogram</a:t>
             </a:r>
             <a:r>
-              <a:rPr lang="en-IN" dirty="0" smtClean="0">
+              <a:rPr lang="en-IN" dirty="0">
                 <a:solidFill>
                   <a:srgbClr val="00B050"/>
                 </a:solidFill>
               </a:rPr>
-              <a:t>\\file1.txt</a:t>
+              <a:t>\\file1.txt","w"); </a:t>
+            </a:r>
+            <a:r>
+              <a:rPr lang="en-IN" dirty="0" err="1">
+                <a:solidFill>
+                  <a:srgbClr val="00B050"/>
+                </a:solidFill>
+              </a:rPr>
+              <a:t>fopen</a:t>
             </a:r>
             <a:r>
               <a:rPr lang="en-IN" dirty="0">
@@ -4913,15 +4864,15 @@
                   <a:srgbClr val="00B050"/>
                 </a:solidFill>
               </a:rPr>
-              <a:t>"</a:t>
-            </a:r>
-            <a:r>
-              <a:rPr lang="en-IN" dirty="0" smtClean="0">
+              <a:t>(“D:\\</a:t>
+            </a:r>
+            <a:r>
+              <a:rPr lang="en-IN" dirty="0" err="1">
                 <a:solidFill>
                   <a:srgbClr val="00B050"/>
                 </a:solidFill>
               </a:rPr>
-              <a:t>,</a:t>
+              <a:t>cprogram</a:t>
             </a:r>
             <a:r>
               <a:rPr lang="en-IN" dirty="0">
@@ -4929,85 +4880,8 @@
                   <a:srgbClr val="00B050"/>
                 </a:solidFill>
               </a:rPr>
-              <a:t>"w"</a:t>
-            </a:r>
-            <a:r>
-              <a:rPr lang="en-IN" dirty="0" smtClean="0">
-                <a:solidFill>
-                  <a:srgbClr val="00B050"/>
-                </a:solidFill>
-              </a:rPr>
-              <a:t>); </a:t>
-            </a:r>
-            <a:r>
-              <a:rPr lang="en-IN" dirty="0" err="1" smtClean="0">
-                <a:solidFill>
-                  <a:srgbClr val="00B050"/>
-                </a:solidFill>
-              </a:rPr>
-              <a:t>fopen</a:t>
-            </a:r>
-            <a:r>
-              <a:rPr lang="en-IN" dirty="0" smtClean="0">
-                <a:solidFill>
-                  <a:srgbClr val="00B050"/>
-                </a:solidFill>
-              </a:rPr>
-              <a:t>(“D:\\</a:t>
-            </a:r>
-            <a:r>
-              <a:rPr lang="en-IN" dirty="0" err="1">
-                <a:solidFill>
-                  <a:srgbClr val="00B050"/>
-                </a:solidFill>
-              </a:rPr>
-              <a:t>cprogram</a:t>
-            </a:r>
-            <a:r>
-              <a:rPr lang="en-IN" dirty="0" smtClean="0">
-                <a:solidFill>
-                  <a:srgbClr val="00B050"/>
-                </a:solidFill>
-              </a:rPr>
-              <a:t>\\file2.bin</a:t>
-            </a:r>
-            <a:r>
-              <a:rPr lang="en-IN" dirty="0">
-                <a:solidFill>
-                  <a:srgbClr val="00B050"/>
-                </a:solidFill>
-              </a:rPr>
-              <a:t>"</a:t>
-            </a:r>
-            <a:r>
-              <a:rPr lang="en-IN" dirty="0" smtClean="0">
-                <a:solidFill>
-                  <a:srgbClr val="00B050"/>
-                </a:solidFill>
-              </a:rPr>
-              <a:t>,</a:t>
-            </a:r>
-            <a:r>
-              <a:rPr lang="en-IN" dirty="0">
-                <a:solidFill>
-                  <a:srgbClr val="00B050"/>
-                </a:solidFill>
-              </a:rPr>
-              <a:t>"rb"</a:t>
-            </a:r>
-            <a:r>
-              <a:rPr lang="en-IN" dirty="0" smtClean="0">
-                <a:solidFill>
-                  <a:srgbClr val="00B050"/>
-                </a:solidFill>
-              </a:rPr>
-              <a:t>);</a:t>
-            </a:r>
-            <a:endParaRPr lang="en-IN" dirty="0">
-              <a:solidFill>
-                <a:srgbClr val="00B050"/>
-              </a:solidFill>
-            </a:endParaRPr>
+              <a:t>\\file2.bin","rb");</a:t>
+            </a:r>
           </a:p>
         </p:txBody>
       </p:sp>
@@ -5084,8 +4958,20 @@
             <a:tbl>
               <a:tblPr/>
               <a:tblGrid>
-                <a:gridCol w="1152131"/>
-                <a:gridCol w="6336703"/>
+                <a:gridCol w="1152131">
+                  <a:extLst>
+                    <a:ext uri="{9D8B030D-6E8A-4147-A177-3AD203B41FA5}">
+                      <a16:colId xmlns:a16="http://schemas.microsoft.com/office/drawing/2014/main" val="20000"/>
+                    </a:ext>
+                  </a:extLst>
+                </a:gridCol>
+                <a:gridCol w="6336703">
+                  <a:extLst>
+                    <a:ext uri="{9D8B030D-6E8A-4147-A177-3AD203B41FA5}">
+                      <a16:colId xmlns:a16="http://schemas.microsoft.com/office/drawing/2014/main" val="20001"/>
+                    </a:ext>
+                  </a:extLst>
+                </a:gridCol>
               </a:tblGrid>
               <a:tr h="391762">
                 <a:tc>
@@ -5208,6 +5094,11 @@
                     </a:solidFill>
                   </a:tcPr>
                 </a:tc>
+                <a:extLst>
+                  <a:ext uri="{0D108BD9-81ED-4DB2-BD59-A6C34878D82A}">
+                    <a16:rowId xmlns:a16="http://schemas.microsoft.com/office/drawing/2014/main" val="10000"/>
+                  </a:ext>
+                </a:extLst>
               </a:tr>
               <a:tr h="333001">
                 <a:tc>
@@ -5330,6 +5221,11 @@
                     </a:solidFill>
                   </a:tcPr>
                 </a:tc>
+                <a:extLst>
+                  <a:ext uri="{0D108BD9-81ED-4DB2-BD59-A6C34878D82A}">
+                    <a16:rowId xmlns:a16="http://schemas.microsoft.com/office/drawing/2014/main" val="10001"/>
+                  </a:ext>
+                </a:extLst>
               </a:tr>
               <a:tr h="333001">
                 <a:tc>
@@ -5452,6 +5348,11 @@
                     </a:solidFill>
                   </a:tcPr>
                 </a:tc>
+                <a:extLst>
+                  <a:ext uri="{0D108BD9-81ED-4DB2-BD59-A6C34878D82A}">
+                    <a16:rowId xmlns:a16="http://schemas.microsoft.com/office/drawing/2014/main" val="10002"/>
+                  </a:ext>
+                </a:extLst>
               </a:tr>
               <a:tr h="333001">
                 <a:tc>
@@ -5574,6 +5475,11 @@
                     </a:solidFill>
                   </a:tcPr>
                 </a:tc>
+                <a:extLst>
+                  <a:ext uri="{0D108BD9-81ED-4DB2-BD59-A6C34878D82A}">
+                    <a16:rowId xmlns:a16="http://schemas.microsoft.com/office/drawing/2014/main" val="10003"/>
+                  </a:ext>
+                </a:extLst>
               </a:tr>
               <a:tr h="548478">
                 <a:tc>
@@ -5696,6 +5602,11 @@
                     </a:solidFill>
                   </a:tcPr>
                 </a:tc>
+                <a:extLst>
+                  <a:ext uri="{0D108BD9-81ED-4DB2-BD59-A6C34878D82A}">
+                    <a16:rowId xmlns:a16="http://schemas.microsoft.com/office/drawing/2014/main" val="10004"/>
+                  </a:ext>
+                </a:extLst>
               </a:tr>
               <a:tr h="548478">
                 <a:tc>
@@ -5818,6 +5729,11 @@
                     </a:solidFill>
                   </a:tcPr>
                 </a:tc>
+                <a:extLst>
+                  <a:ext uri="{0D108BD9-81ED-4DB2-BD59-A6C34878D82A}">
+                    <a16:rowId xmlns:a16="http://schemas.microsoft.com/office/drawing/2014/main" val="10005"/>
+                  </a:ext>
+                </a:extLst>
               </a:tr>
               <a:tr h="548478">
                 <a:tc>
@@ -5894,27 +5810,7 @@
                           <a:effectLst/>
                           <a:latin typeface="verdana"/>
                         </a:rPr>
-                        <a:t>opens a text file in read and </a:t>
-                      </a:r>
-                      <a:r>
-                        <a:rPr lang="en-US" sz="1800" dirty="0" smtClean="0">
-                          <a:solidFill>
-                            <a:srgbClr val="000000"/>
-                          </a:solidFill>
-                          <a:effectLst/>
-                          <a:latin typeface="verdana"/>
-                        </a:rPr>
-                        <a:t>append </a:t>
-                      </a:r>
-                      <a:r>
-                        <a:rPr lang="en-US" sz="1800" dirty="0">
-                          <a:solidFill>
-                            <a:srgbClr val="000000"/>
-                          </a:solidFill>
-                          <a:effectLst/>
-                          <a:latin typeface="verdana"/>
-                        </a:rPr>
-                        <a:t>mode</a:t>
+                        <a:t>opens a text file in read and append mode</a:t>
                       </a:r>
                     </a:p>
                   </a:txBody>
@@ -5960,6 +5856,11 @@
                     </a:solidFill>
                   </a:tcPr>
                 </a:tc>
+                <a:extLst>
+                  <a:ext uri="{0D108BD9-81ED-4DB2-BD59-A6C34878D82A}">
+                    <a16:rowId xmlns:a16="http://schemas.microsoft.com/office/drawing/2014/main" val="10006"/>
+                  </a:ext>
+                </a:extLst>
               </a:tr>
               <a:tr h="333001">
                 <a:tc>
@@ -6082,6 +5983,11 @@
                     </a:solidFill>
                   </a:tcPr>
                 </a:tc>
+                <a:extLst>
+                  <a:ext uri="{0D108BD9-81ED-4DB2-BD59-A6C34878D82A}">
+                    <a16:rowId xmlns:a16="http://schemas.microsoft.com/office/drawing/2014/main" val="10007"/>
+                  </a:ext>
+                </a:extLst>
               </a:tr>
               <a:tr h="333001">
                 <a:tc>
@@ -6204,6 +6110,11 @@
                     </a:solidFill>
                   </a:tcPr>
                 </a:tc>
+                <a:extLst>
+                  <a:ext uri="{0D108BD9-81ED-4DB2-BD59-A6C34878D82A}">
+                    <a16:rowId xmlns:a16="http://schemas.microsoft.com/office/drawing/2014/main" val="10008"/>
+                  </a:ext>
+                </a:extLst>
               </a:tr>
               <a:tr h="548478">
                 <a:tc>
@@ -6326,6 +6237,11 @@
                     </a:solidFill>
                   </a:tcPr>
                 </a:tc>
+                <a:extLst>
+                  <a:ext uri="{0D108BD9-81ED-4DB2-BD59-A6C34878D82A}">
+                    <a16:rowId xmlns:a16="http://schemas.microsoft.com/office/drawing/2014/main" val="10009"/>
+                  </a:ext>
+                </a:extLst>
               </a:tr>
               <a:tr h="548478">
                 <a:tc>
@@ -6448,6 +6364,11 @@
                     </a:solidFill>
                   </a:tcPr>
                 </a:tc>
+                <a:extLst>
+                  <a:ext uri="{0D108BD9-81ED-4DB2-BD59-A6C34878D82A}">
+                    <a16:rowId xmlns:a16="http://schemas.microsoft.com/office/drawing/2014/main" val="10010"/>
+                  </a:ext>
+                </a:extLst>
               </a:tr>
               <a:tr h="548478">
                 <a:tc>
@@ -6570,6 +6491,11 @@
                     </a:solidFill>
                   </a:tcPr>
                 </a:tc>
+                <a:extLst>
+                  <a:ext uri="{0D108BD9-81ED-4DB2-BD59-A6C34878D82A}">
+                    <a16:rowId xmlns:a16="http://schemas.microsoft.com/office/drawing/2014/main" val="10011"/>
+                  </a:ext>
+                </a:extLst>
               </a:tr>
               <a:tr h="548478">
                 <a:tc>
@@ -6646,27 +6572,7 @@
                           <a:effectLst/>
                           <a:latin typeface="verdana"/>
                         </a:rPr>
-                        <a:t>opens a binary file in read and </a:t>
-                      </a:r>
-                      <a:r>
-                        <a:rPr lang="en-US" sz="1800" dirty="0" smtClean="0">
-                          <a:solidFill>
-                            <a:srgbClr val="000000"/>
-                          </a:solidFill>
-                          <a:effectLst/>
-                          <a:latin typeface="verdana"/>
-                        </a:rPr>
-                        <a:t>append </a:t>
-                      </a:r>
-                      <a:r>
-                        <a:rPr lang="en-US" sz="1800" dirty="0">
-                          <a:solidFill>
-                            <a:srgbClr val="000000"/>
-                          </a:solidFill>
-                          <a:effectLst/>
-                          <a:latin typeface="verdana"/>
-                        </a:rPr>
-                        <a:t>mode</a:t>
+                        <a:t>opens a binary file in read and append mode</a:t>
                       </a:r>
                     </a:p>
                   </a:txBody>
@@ -6712,6 +6618,11 @@
                     </a:solidFill>
                   </a:tcPr>
                 </a:tc>
+                <a:extLst>
+                  <a:ext uri="{0D108BD9-81ED-4DB2-BD59-A6C34878D82A}">
+                    <a16:rowId xmlns:a16="http://schemas.microsoft.com/office/drawing/2014/main" val="10012"/>
+                  </a:ext>
+                </a:extLst>
               </a:tr>
             </a:tbl>
           </a:graphicData>
@@ -6763,7 +6674,7 @@
           <a:lstStyle/>
           <a:p>
             <a:r>
-              <a:rPr lang="en-US" dirty="0" smtClean="0"/>
+              <a:rPr lang="en-US" dirty="0"/>
               <a:t>Example</a:t>
             </a:r>
             <a:endParaRPr lang="en-IN" dirty="0"/>
@@ -6796,15 +6707,15 @@
               <a:buNone/>
             </a:pPr>
             <a:r>
-              <a:rPr lang="en-IN" dirty="0" smtClean="0"/>
+              <a:rPr lang="en-IN" dirty="0"/>
               <a:t>#include&lt;</a:t>
             </a:r>
             <a:r>
-              <a:rPr lang="en-IN" dirty="0" err="1" smtClean="0"/>
+              <a:rPr lang="en-IN" dirty="0" err="1"/>
               <a:t>stdio.h</a:t>
             </a:r>
             <a:r>
-              <a:rPr lang="en-IN" dirty="0" smtClean="0"/>
+              <a:rPr lang="en-IN" dirty="0"/>
               <a:t>&gt;</a:t>
             </a:r>
           </a:p>
@@ -6813,7 +6724,7 @@
               <a:buNone/>
             </a:pPr>
             <a:r>
-              <a:rPr lang="en-IN" dirty="0" smtClean="0"/>
+              <a:rPr lang="en-IN" dirty="0"/>
               <a:t>void main( )</a:t>
             </a:r>
           </a:p>
@@ -6822,7 +6733,7 @@
               <a:buNone/>
             </a:pPr>
             <a:r>
-              <a:rPr lang="en-IN" dirty="0" smtClean="0"/>
+              <a:rPr lang="en-IN" dirty="0"/>
               <a:t>{</a:t>
             </a:r>
           </a:p>
@@ -6831,15 +6742,15 @@
               <a:buNone/>
             </a:pPr>
             <a:r>
-              <a:rPr lang="en-IN" dirty="0" smtClean="0"/>
+              <a:rPr lang="en-IN" dirty="0"/>
               <a:t>FILE *</a:t>
             </a:r>
             <a:r>
-              <a:rPr lang="en-IN" dirty="0" err="1" smtClean="0"/>
+              <a:rPr lang="en-IN" dirty="0" err="1"/>
               <a:t>fp</a:t>
             </a:r>
             <a:r>
-              <a:rPr lang="en-IN" dirty="0" smtClean="0"/>
+              <a:rPr lang="en-IN" dirty="0"/>
               <a:t> ;</a:t>
             </a:r>
           </a:p>
@@ -6848,15 +6759,15 @@
               <a:buNone/>
             </a:pPr>
             <a:r>
-              <a:rPr lang="en-IN" dirty="0" smtClean="0"/>
+              <a:rPr lang="en-IN" dirty="0"/>
               <a:t>char </a:t>
             </a:r>
             <a:r>
-              <a:rPr lang="en-IN" dirty="0" err="1" smtClean="0"/>
+              <a:rPr lang="en-IN" dirty="0" err="1"/>
               <a:t>ch</a:t>
             </a:r>
             <a:r>
-              <a:rPr lang="en-IN" dirty="0" smtClean="0"/>
+              <a:rPr lang="en-IN" dirty="0"/>
               <a:t> ;</a:t>
             </a:r>
           </a:p>
@@ -6865,27 +6776,27 @@
               <a:buNone/>
             </a:pPr>
             <a:r>
-              <a:rPr lang="en-IN" dirty="0" err="1" smtClean="0"/>
+              <a:rPr lang="en-IN" dirty="0" err="1"/>
               <a:t>fp</a:t>
             </a:r>
             <a:r>
-              <a:rPr lang="en-IN" dirty="0" smtClean="0"/>
+              <a:rPr lang="en-IN" dirty="0"/>
               <a:t> = </a:t>
             </a:r>
             <a:r>
-              <a:rPr lang="en-IN" dirty="0" err="1" smtClean="0"/>
+              <a:rPr lang="en-IN" dirty="0" err="1"/>
               <a:t>fopen</a:t>
             </a:r>
             <a:r>
-              <a:rPr lang="en-IN" dirty="0" smtClean="0"/>
+              <a:rPr lang="en-IN" dirty="0"/>
               <a:t>("</a:t>
             </a:r>
             <a:r>
-              <a:rPr lang="en-IN" dirty="0" err="1" smtClean="0"/>
+              <a:rPr lang="en-IN" dirty="0" err="1"/>
               <a:t>file_handle.c","r</a:t>
             </a:r>
             <a:r>
-              <a:rPr lang="en-IN" dirty="0" smtClean="0"/>
+              <a:rPr lang="en-IN" dirty="0"/>
               <a:t>") ;</a:t>
             </a:r>
           </a:p>
@@ -6894,7 +6805,7 @@
               <a:buNone/>
             </a:pPr>
             <a:r>
-              <a:rPr lang="en-IN" dirty="0" smtClean="0"/>
+              <a:rPr lang="en-IN" dirty="0"/>
               <a:t>while ( 1 )</a:t>
             </a:r>
           </a:p>
@@ -6903,7 +6814,7 @@
               <a:buNone/>
             </a:pPr>
             <a:r>
-              <a:rPr lang="en-IN" dirty="0" smtClean="0"/>
+              <a:rPr lang="en-IN" dirty="0"/>
               <a:t>{</a:t>
             </a:r>
           </a:p>
@@ -6912,31 +6823,31 @@
               <a:buNone/>
             </a:pPr>
             <a:r>
-              <a:rPr lang="en-IN" dirty="0" smtClean="0"/>
+              <a:rPr lang="en-IN" dirty="0"/>
               <a:t>    </a:t>
             </a:r>
             <a:r>
-              <a:rPr lang="en-IN" dirty="0" err="1" smtClean="0"/>
+              <a:rPr lang="en-IN" dirty="0" err="1"/>
               <a:t>ch</a:t>
             </a:r>
             <a:r>
-              <a:rPr lang="en-IN" dirty="0" smtClean="0"/>
+              <a:rPr lang="en-IN" dirty="0"/>
               <a:t> = </a:t>
             </a:r>
             <a:r>
-              <a:rPr lang="en-IN" dirty="0" err="1" smtClean="0"/>
+              <a:rPr lang="en-IN" dirty="0" err="1"/>
               <a:t>fgetc</a:t>
             </a:r>
             <a:r>
-              <a:rPr lang="en-IN" dirty="0" smtClean="0"/>
+              <a:rPr lang="en-IN" dirty="0"/>
               <a:t> ( </a:t>
             </a:r>
             <a:r>
-              <a:rPr lang="en-IN" dirty="0" err="1" smtClean="0"/>
+              <a:rPr lang="en-IN" dirty="0" err="1"/>
               <a:t>fp</a:t>
             </a:r>
             <a:r>
-              <a:rPr lang="en-IN" dirty="0" smtClean="0"/>
+              <a:rPr lang="en-IN" dirty="0"/>
               <a:t> ) ;</a:t>
             </a:r>
           </a:p>
@@ -6945,15 +6856,15 @@
               <a:buNone/>
             </a:pPr>
             <a:r>
-              <a:rPr lang="en-IN" dirty="0" smtClean="0"/>
+              <a:rPr lang="en-IN" dirty="0"/>
               <a:t>    if ( </a:t>
             </a:r>
             <a:r>
-              <a:rPr lang="en-IN" dirty="0" err="1" smtClean="0"/>
+              <a:rPr lang="en-IN" dirty="0" err="1"/>
               <a:t>ch</a:t>
             </a:r>
             <a:r>
-              <a:rPr lang="en-IN" dirty="0" smtClean="0"/>
+              <a:rPr lang="en-IN" dirty="0"/>
               <a:t> == EOF )</a:t>
             </a:r>
           </a:p>
@@ -6962,7 +6873,7 @@
               <a:buNone/>
             </a:pPr>
             <a:r>
-              <a:rPr lang="en-IN" dirty="0" smtClean="0"/>
+              <a:rPr lang="en-IN" dirty="0"/>
               <a:t>        break ;</a:t>
             </a:r>
           </a:p>
@@ -6971,23 +6882,23 @@
               <a:buNone/>
             </a:pPr>
             <a:r>
-              <a:rPr lang="en-IN" dirty="0" smtClean="0"/>
+              <a:rPr lang="en-IN" dirty="0"/>
               <a:t>    </a:t>
             </a:r>
             <a:r>
-              <a:rPr lang="en-IN" dirty="0" err="1" smtClean="0"/>
+              <a:rPr lang="en-IN" dirty="0" err="1"/>
               <a:t>printf</a:t>
             </a:r>
             <a:r>
-              <a:rPr lang="en-IN" dirty="0" smtClean="0"/>
+              <a:rPr lang="en-IN" dirty="0"/>
               <a:t>("%c",</a:t>
             </a:r>
             <a:r>
-              <a:rPr lang="en-IN" dirty="0" err="1" smtClean="0"/>
+              <a:rPr lang="en-IN" dirty="0" err="1"/>
               <a:t>ch</a:t>
             </a:r>
             <a:r>
-              <a:rPr lang="en-IN" dirty="0" smtClean="0"/>
+              <a:rPr lang="en-IN" dirty="0"/>
               <a:t>) ;</a:t>
             </a:r>
           </a:p>
@@ -6996,7 +6907,7 @@
               <a:buNone/>
             </a:pPr>
             <a:r>
-              <a:rPr lang="en-IN" dirty="0" smtClean="0"/>
+              <a:rPr lang="en-IN" dirty="0"/>
               <a:t>}</a:t>
             </a:r>
           </a:p>
@@ -7005,19 +6916,19 @@
               <a:buNone/>
             </a:pPr>
             <a:r>
-              <a:rPr lang="en-IN" dirty="0" err="1" smtClean="0"/>
+              <a:rPr lang="en-IN" dirty="0" err="1"/>
               <a:t>fclose</a:t>
             </a:r>
             <a:r>
-              <a:rPr lang="en-IN" dirty="0" smtClean="0"/>
+              <a:rPr lang="en-IN" dirty="0"/>
               <a:t> (</a:t>
             </a:r>
             <a:r>
-              <a:rPr lang="en-IN" dirty="0" err="1" smtClean="0"/>
+              <a:rPr lang="en-IN" dirty="0" err="1"/>
               <a:t>fp</a:t>
             </a:r>
             <a:r>
-              <a:rPr lang="en-IN" dirty="0" smtClean="0"/>
+              <a:rPr lang="en-IN" dirty="0"/>
               <a:t> ) ;</a:t>
             </a:r>
           </a:p>
@@ -7026,10 +6937,9 @@
               <a:buNone/>
             </a:pPr>
             <a:r>
-              <a:rPr lang="en-IN" dirty="0" smtClean="0"/>
+              <a:rPr lang="en-IN" dirty="0"/>
               <a:t>}</a:t>
             </a:r>
-            <a:endParaRPr lang="en-IN" dirty="0"/>
           </a:p>
         </p:txBody>
       </p:sp>
@@ -7081,7 +6991,7 @@
           <a:lstStyle/>
           <a:p>
             <a:r>
-              <a:rPr lang="en-US" dirty="0" smtClean="0"/>
+              <a:rPr lang="en-US" dirty="0"/>
               <a:t>Standard I/O</a:t>
             </a:r>
             <a:endParaRPr lang="en-IN" dirty="0"/>
@@ -7106,70 +7016,70 @@
           <a:lstStyle/>
           <a:p>
             <a:r>
-              <a:rPr lang="en-US" dirty="0" smtClean="0"/>
+              <a:rPr lang="en-US" dirty="0"/>
               <a:t> library implements a simple model of text input and output .</a:t>
             </a:r>
           </a:p>
           <a:p>
             <a:r>
-              <a:rPr lang="en-US" dirty="0" smtClean="0"/>
+              <a:rPr lang="en-US" dirty="0"/>
               <a:t>Streams: is a logical interface to the devices that are connected to the computer.</a:t>
             </a:r>
           </a:p>
           <a:p>
             <a:r>
-              <a:rPr lang="en-US" dirty="0" smtClean="0"/>
+              <a:rPr lang="en-US" dirty="0"/>
               <a:t>Three standard Streams :</a:t>
             </a:r>
           </a:p>
           <a:p>
             <a:pPr lvl="1"/>
             <a:r>
-              <a:rPr lang="en-US" dirty="0" smtClean="0"/>
+              <a:rPr lang="en-US" dirty="0"/>
               <a:t>Standard input (</a:t>
             </a:r>
             <a:r>
-              <a:rPr lang="en-US" dirty="0" err="1" smtClean="0"/>
+              <a:rPr lang="en-US" dirty="0" err="1"/>
               <a:t>stdin</a:t>
             </a:r>
             <a:r>
-              <a:rPr lang="en-US" dirty="0" smtClean="0"/>
+              <a:rPr lang="en-US" dirty="0"/>
               <a:t>)</a:t>
             </a:r>
           </a:p>
           <a:p>
             <a:pPr lvl="1"/>
             <a:r>
-              <a:rPr lang="en-US" dirty="0" smtClean="0"/>
+              <a:rPr lang="en-US" dirty="0"/>
               <a:t>Standard output (</a:t>
             </a:r>
             <a:r>
-              <a:rPr lang="en-US" dirty="0" err="1" smtClean="0"/>
+              <a:rPr lang="en-US" dirty="0" err="1"/>
               <a:t>stdout</a:t>
             </a:r>
             <a:r>
-              <a:rPr lang="en-US" dirty="0" smtClean="0"/>
+              <a:rPr lang="en-US" dirty="0"/>
               <a:t>)</a:t>
             </a:r>
           </a:p>
           <a:p>
             <a:pPr lvl="1"/>
             <a:r>
-              <a:rPr lang="en-US" dirty="0" smtClean="0"/>
+              <a:rPr lang="en-US" dirty="0"/>
               <a:t>Standard error (</a:t>
             </a:r>
             <a:r>
-              <a:rPr lang="en-US" dirty="0" err="1" smtClean="0"/>
+              <a:rPr lang="en-US" dirty="0" err="1"/>
               <a:t>stderr</a:t>
             </a:r>
             <a:r>
-              <a:rPr lang="en-US" dirty="0" smtClean="0"/>
+              <a:rPr lang="en-US" dirty="0"/>
               <a:t>)</a:t>
             </a:r>
           </a:p>
           <a:p>
             <a:r>
-              <a:rPr lang="en-US" dirty="0" smtClean="0"/>
+              <a:rPr lang="en-US" dirty="0"/>
               <a:t> Buffer associated with file stream</a:t>
             </a:r>
             <a:endParaRPr lang="en-IN" dirty="0"/>
@@ -7222,7 +7132,7 @@
           <a:lstStyle/>
           <a:p>
             <a:r>
-              <a:rPr lang="en-US" dirty="0" smtClean="0"/>
+              <a:rPr lang="en-US" dirty="0"/>
               <a:t>Closing File</a:t>
             </a:r>
             <a:endParaRPr lang="en-IN" dirty="0"/>
@@ -7248,7 +7158,7 @@
               <a:buNone/>
             </a:pPr>
             <a:r>
-              <a:rPr lang="en-US" dirty="0" err="1" smtClean="0">
+              <a:rPr lang="en-US" dirty="0" err="1">
                 <a:solidFill>
                   <a:srgbClr val="FF0000"/>
                 </a:solidFill>
@@ -7277,16 +7187,11 @@
               <a:rPr lang="en-US" dirty="0"/>
               <a:t>() function is used to close a file. The file must be closed after performing all the operations on it. </a:t>
             </a:r>
-            <a:endParaRPr lang="en-US" dirty="0" smtClean="0"/>
-          </a:p>
-          <a:p>
-            <a:r>
-              <a:rPr lang="en-US" dirty="0" smtClean="0"/>
-              <a:t>The </a:t>
-            </a:r>
+          </a:p>
+          <a:p>
             <a:r>
               <a:rPr lang="en-US" dirty="0"/>
-              <a:t>syntax of </a:t>
+              <a:t>The syntax of </a:t>
             </a:r>
             <a:r>
               <a:rPr lang="en-US" dirty="0" err="1"/>
@@ -7417,12 +7322,8 @@
           <a:lstStyle/>
           <a:p>
             <a:r>
-              <a:rPr lang="en-US" dirty="0" smtClean="0"/>
-              <a:t>Basic  File </a:t>
-            </a:r>
-            <a:r>
-              <a:rPr lang="en-US" dirty="0" smtClean="0"/>
-              <a:t>functions</a:t>
+              <a:rPr lang="en-US" dirty="0"/>
+              <a:t>Basic  File functions</a:t>
             </a:r>
             <a:endParaRPr lang="en-IN" dirty="0"/>
           </a:p>
@@ -7447,135 +7348,107 @@
           <a:p>
             <a:r>
               <a:rPr lang="en-US" dirty="0" err="1"/>
-              <a:t>f</a:t>
-            </a:r>
-            <a:r>
-              <a:rPr lang="en-US" dirty="0" err="1" smtClean="0"/>
-              <a:t>open</a:t>
-            </a:r>
-            <a:r>
-              <a:rPr lang="en-US" dirty="0" smtClean="0"/>
+              <a:t>fopen</a:t>
+            </a:r>
+            <a:r>
+              <a:rPr lang="en-US" dirty="0"/>
               <a:t>()</a:t>
             </a:r>
           </a:p>
           <a:p>
             <a:r>
               <a:rPr lang="en-US" dirty="0" err="1"/>
-              <a:t>f</a:t>
-            </a:r>
-            <a:r>
-              <a:rPr lang="en-US" dirty="0" err="1" smtClean="0"/>
-              <a:t>close</a:t>
-            </a:r>
-            <a:r>
-              <a:rPr lang="en-US" dirty="0" smtClean="0"/>
+              <a:t>fclose</a:t>
+            </a:r>
+            <a:r>
+              <a:rPr lang="en-US" dirty="0"/>
               <a:t>()</a:t>
             </a:r>
           </a:p>
           <a:p>
             <a:r>
               <a:rPr lang="en-US" dirty="0" err="1"/>
-              <a:t>f</a:t>
-            </a:r>
-            <a:r>
-              <a:rPr lang="en-US" dirty="0" err="1" smtClean="0"/>
-              <a:t>printf</a:t>
-            </a:r>
-            <a:r>
-              <a:rPr lang="en-US" dirty="0" smtClean="0"/>
+              <a:t>fprintf</a:t>
+            </a:r>
+            <a:r>
+              <a:rPr lang="en-US" dirty="0"/>
               <a:t>()</a:t>
             </a:r>
           </a:p>
           <a:p>
             <a:r>
               <a:rPr lang="en-US" dirty="0" err="1"/>
-              <a:t>f</a:t>
-            </a:r>
-            <a:r>
-              <a:rPr lang="en-US" dirty="0" err="1" smtClean="0"/>
-              <a:t>scanf</a:t>
-            </a:r>
-            <a:r>
-              <a:rPr lang="en-US" dirty="0" smtClean="0"/>
+              <a:t>fscanf</a:t>
+            </a:r>
+            <a:r>
+              <a:rPr lang="en-US" dirty="0"/>
               <a:t>()</a:t>
             </a:r>
           </a:p>
           <a:p>
             <a:r>
-              <a:rPr lang="en-US" dirty="0" err="1" smtClean="0"/>
+              <a:rPr lang="en-US" dirty="0" err="1"/>
               <a:t>fputc</a:t>
             </a:r>
             <a:r>
-              <a:rPr lang="en-US" dirty="0" smtClean="0"/>
+              <a:rPr lang="en-US" dirty="0"/>
               <a:t>()</a:t>
             </a:r>
           </a:p>
           <a:p>
             <a:r>
-              <a:rPr lang="en-US" dirty="0" err="1" smtClean="0"/>
+              <a:rPr lang="en-US" dirty="0" err="1"/>
               <a:t>fgetc</a:t>
             </a:r>
             <a:r>
-              <a:rPr lang="en-US" dirty="0" smtClean="0"/>
+              <a:rPr lang="en-US" dirty="0"/>
               <a:t>()</a:t>
             </a:r>
           </a:p>
           <a:p>
             <a:r>
-              <a:rPr lang="en-US" dirty="0" err="1" smtClean="0"/>
+              <a:rPr lang="en-US" dirty="0" err="1"/>
               <a:t>fputs</a:t>
             </a:r>
             <a:r>
-              <a:rPr lang="en-US" dirty="0" smtClean="0"/>
+              <a:rPr lang="en-US" dirty="0"/>
               <a:t>()</a:t>
             </a:r>
           </a:p>
           <a:p>
             <a:r>
-              <a:rPr lang="en-US" dirty="0" err="1" smtClean="0"/>
+              <a:rPr lang="en-US" dirty="0" err="1"/>
               <a:t>fgets</a:t>
             </a:r>
             <a:r>
-              <a:rPr lang="en-US" dirty="0" smtClean="0"/>
+              <a:rPr lang="en-US" dirty="0"/>
               <a:t>()</a:t>
             </a:r>
           </a:p>
           <a:p>
             <a:r>
               <a:rPr lang="en-US" dirty="0" err="1"/>
-              <a:t>f</a:t>
-            </a:r>
-            <a:r>
-              <a:rPr lang="en-US" dirty="0" err="1" smtClean="0"/>
-              <a:t>seek</a:t>
-            </a:r>
-            <a:r>
-              <a:rPr lang="en-US" dirty="0" smtClean="0"/>
+              <a:t>fseek</a:t>
+            </a:r>
+            <a:r>
+              <a:rPr lang="en-US" dirty="0"/>
               <a:t>()</a:t>
             </a:r>
           </a:p>
           <a:p>
             <a:r>
               <a:rPr lang="en-US" dirty="0" err="1"/>
-              <a:t>f</a:t>
-            </a:r>
-            <a:r>
-              <a:rPr lang="en-US" dirty="0" err="1" smtClean="0"/>
-              <a:t>tell</a:t>
-            </a:r>
-            <a:r>
-              <a:rPr lang="en-US" dirty="0" smtClean="0"/>
+              <a:t>ftell</a:t>
+            </a:r>
+            <a:r>
+              <a:rPr lang="en-US" dirty="0"/>
               <a:t>()</a:t>
             </a:r>
           </a:p>
           <a:p>
             <a:r>
               <a:rPr lang="en-US" dirty="0"/>
-              <a:t>r</a:t>
-            </a:r>
-            <a:r>
-              <a:rPr lang="en-US" dirty="0" smtClean="0"/>
-              <a:t>ewind()</a:t>
+              <a:t>rewind()</a:t>
             </a:r>
             <a:endParaRPr lang="en-IN" dirty="0"/>
           </a:p>
@@ -7627,15 +7500,15 @@
           <a:lstStyle/>
           <a:p>
             <a:r>
-              <a:rPr lang="en-US" dirty="0" smtClean="0"/>
+              <a:rPr lang="en-US" dirty="0"/>
               <a:t>Writing to the File : </a:t>
             </a:r>
             <a:r>
-              <a:rPr lang="en-US" dirty="0" err="1" smtClean="0"/>
+              <a:rPr lang="en-US" dirty="0" err="1"/>
               <a:t>fprintf</a:t>
             </a:r>
             <a:r>
-              <a:rPr lang="en-US" dirty="0" smtClean="0"/>
+              <a:rPr lang="en-US" dirty="0"/>
               <a:t>()</a:t>
             </a:r>
             <a:endParaRPr lang="en-IN" dirty="0"/>
@@ -7660,7 +7533,7 @@
           <a:lstStyle/>
           <a:p>
             <a:r>
-              <a:rPr lang="en-US" dirty="0" smtClean="0"/>
+              <a:rPr lang="en-US" dirty="0"/>
               <a:t>The </a:t>
             </a:r>
             <a:r>
@@ -7684,7 +7557,7 @@
               <a:buNone/>
             </a:pPr>
             <a:r>
-              <a:rPr lang="en-US" b="1" dirty="0" smtClean="0">
+              <a:rPr lang="en-US" b="1" dirty="0">
                 <a:solidFill>
                   <a:srgbClr val="FF0000"/>
                 </a:solidFill>
@@ -7692,7 +7565,7 @@
               <a:t>      </a:t>
             </a:r>
             <a:r>
-              <a:rPr lang="en-US" b="1" dirty="0" err="1" smtClean="0">
+              <a:rPr lang="en-US" b="1" dirty="0" err="1">
                 <a:solidFill>
                   <a:srgbClr val="FF0000"/>
                 </a:solidFill>
@@ -7737,15 +7610,15 @@
                   <a:srgbClr val="FF0000"/>
                 </a:solidFill>
               </a:rPr>
-              <a:t> </a:t>
-            </a:r>
-            <a:r>
-              <a:rPr lang="en-US" dirty="0" smtClean="0">
-                <a:solidFill>
-                  <a:srgbClr val="FF0000"/>
-                </a:solidFill>
-              </a:rPr>
-              <a:t>*stream,</a:t>
+              <a:t> *stream, </a:t>
+            </a:r>
+            <a:r>
+              <a:rPr lang="en-US" b="1" dirty="0">
+                <a:solidFill>
+                  <a:srgbClr val="FF0000"/>
+                </a:solidFill>
+              </a:rPr>
+              <a:t>char</a:t>
             </a:r>
             <a:r>
               <a:rPr lang="en-US" dirty="0">
@@ -7753,22 +7626,6 @@
                   <a:srgbClr val="FF0000"/>
                 </a:solidFill>
               </a:rPr>
-              <a:t> </a:t>
-            </a:r>
-            <a:r>
-              <a:rPr lang="en-US" b="1" dirty="0" smtClean="0">
-                <a:solidFill>
-                  <a:srgbClr val="FF0000"/>
-                </a:solidFill>
-              </a:rPr>
-              <a:t>char</a:t>
-            </a:r>
-            <a:r>
-              <a:rPr lang="en-US" dirty="0">
-                <a:solidFill>
-                  <a:srgbClr val="FF0000"/>
-                </a:solidFill>
-              </a:rPr>
               <a:t> *format [, argument, ...])  </a:t>
             </a:r>
           </a:p>
@@ -7776,14 +7633,14 @@
             <a:pPr marL="0" indent="0">
               <a:buNone/>
             </a:pPr>
-            <a:endParaRPr lang="en-IN" dirty="0" smtClean="0"/>
-          </a:p>
-          <a:p>
-            <a:pPr marL="0" indent="0">
-              <a:buNone/>
-            </a:pPr>
-            <a:r>
-              <a:rPr lang="en-US" dirty="0" smtClean="0"/>
+            <a:endParaRPr lang="en-IN" dirty="0"/>
+          </a:p>
+          <a:p>
+            <a:pPr marL="0" indent="0">
+              <a:buNone/>
+            </a:pPr>
+            <a:r>
+              <a:rPr lang="en-US" dirty="0"/>
               <a:t>Example</a:t>
             </a:r>
             <a:endParaRPr lang="en-IN" dirty="0"/>
@@ -7793,7 +7650,7 @@
               <a:buNone/>
             </a:pPr>
             <a:r>
-              <a:rPr lang="en-IN" dirty="0" smtClean="0">
+              <a:rPr lang="en-IN" dirty="0">
                 <a:solidFill>
                   <a:srgbClr val="00B050"/>
                 </a:solidFill>
@@ -7801,7 +7658,7 @@
               <a:t>#include &lt;</a:t>
             </a:r>
             <a:r>
-              <a:rPr lang="en-IN" dirty="0" err="1" smtClean="0">
+              <a:rPr lang="en-IN" dirty="0" err="1">
                 <a:solidFill>
                   <a:srgbClr val="00B050"/>
                 </a:solidFill>
@@ -7809,7 +7666,7 @@
               <a:t>stdio.h</a:t>
             </a:r>
             <a:r>
-              <a:rPr lang="en-IN" dirty="0" smtClean="0">
+              <a:rPr lang="en-IN" dirty="0">
                 <a:solidFill>
                   <a:srgbClr val="00B050"/>
                 </a:solidFill>
@@ -7822,7 +7679,7 @@
               <a:buNone/>
             </a:pPr>
             <a:r>
-              <a:rPr lang="en-IN" dirty="0" smtClean="0">
+              <a:rPr lang="en-IN" dirty="0">
                 <a:solidFill>
                   <a:srgbClr val="00B050"/>
                 </a:solidFill>
@@ -7835,7 +7692,7 @@
               <a:buNone/>
             </a:pPr>
             <a:r>
-              <a:rPr lang="en-IN" dirty="0" smtClean="0">
+              <a:rPr lang="en-IN" dirty="0">
                 <a:solidFill>
                   <a:srgbClr val="00B050"/>
                 </a:solidFill>
@@ -7843,7 +7700,7 @@
               <a:t>   FILE *</a:t>
             </a:r>
             <a:r>
-              <a:rPr lang="en-IN" dirty="0" err="1" smtClean="0">
+              <a:rPr lang="en-IN" dirty="0" err="1">
                 <a:solidFill>
                   <a:srgbClr val="00B050"/>
                 </a:solidFill>
@@ -7851,7 +7708,7 @@
               <a:t>fp</a:t>
             </a:r>
             <a:r>
-              <a:rPr lang="en-IN" dirty="0" smtClean="0">
+              <a:rPr lang="en-IN" dirty="0">
                 <a:solidFill>
                   <a:srgbClr val="00B050"/>
                 </a:solidFill>
@@ -7864,7 +7721,7 @@
               <a:buNone/>
             </a:pPr>
             <a:r>
-              <a:rPr lang="en-IN" dirty="0" smtClean="0">
+              <a:rPr lang="en-IN" dirty="0">
                 <a:solidFill>
                   <a:srgbClr val="00B050"/>
                 </a:solidFill>
@@ -7872,7 +7729,7 @@
               <a:t>   </a:t>
             </a:r>
             <a:r>
-              <a:rPr lang="en-IN" dirty="0" err="1" smtClean="0">
+              <a:rPr lang="en-IN" dirty="0" err="1">
                 <a:solidFill>
                   <a:srgbClr val="00B050"/>
                 </a:solidFill>
@@ -7880,7 +7737,7 @@
               <a:t>fp</a:t>
             </a:r>
             <a:r>
-              <a:rPr lang="en-IN" dirty="0" smtClean="0">
+              <a:rPr lang="en-IN" dirty="0">
                 <a:solidFill>
                   <a:srgbClr val="00B050"/>
                 </a:solidFill>
@@ -7888,7 +7745,7 @@
               <a:t> = </a:t>
             </a:r>
             <a:r>
-              <a:rPr lang="en-IN" dirty="0" err="1" smtClean="0">
+              <a:rPr lang="en-IN" dirty="0" err="1">
                 <a:solidFill>
                   <a:srgbClr val="00B050"/>
                 </a:solidFill>
@@ -7896,7 +7753,7 @@
               <a:t>fopen</a:t>
             </a:r>
             <a:r>
-              <a:rPr lang="en-IN" dirty="0" smtClean="0">
+              <a:rPr lang="en-IN" dirty="0">
                 <a:solidFill>
                   <a:srgbClr val="00B050"/>
                 </a:solidFill>
@@ -7909,7 +7766,7 @@
               <a:buNone/>
             </a:pPr>
             <a:r>
-              <a:rPr lang="en-IN" dirty="0" smtClean="0">
+              <a:rPr lang="en-IN" dirty="0">
                 <a:solidFill>
                   <a:srgbClr val="00B050"/>
                 </a:solidFill>
@@ -7917,7 +7774,7 @@
               <a:t>   </a:t>
             </a:r>
             <a:r>
-              <a:rPr lang="en-IN" dirty="0" err="1" smtClean="0">
+              <a:rPr lang="en-IN" dirty="0" err="1">
                 <a:solidFill>
                   <a:srgbClr val="00B050"/>
                 </a:solidFill>
@@ -7925,7 +7782,7 @@
               <a:t>fprintf</a:t>
             </a:r>
             <a:r>
-              <a:rPr lang="en-IN" dirty="0" smtClean="0">
+              <a:rPr lang="en-IN" dirty="0">
                 <a:solidFill>
                   <a:srgbClr val="00B050"/>
                 </a:solidFill>
@@ -7933,7 +7790,7 @@
               <a:t>(</a:t>
             </a:r>
             <a:r>
-              <a:rPr lang="en-IN" dirty="0" err="1" smtClean="0">
+              <a:rPr lang="en-IN" dirty="0" err="1">
                 <a:solidFill>
                   <a:srgbClr val="00B050"/>
                 </a:solidFill>
@@ -7941,7 +7798,7 @@
               <a:t>fp</a:t>
             </a:r>
             <a:r>
-              <a:rPr lang="en-IN" dirty="0" smtClean="0">
+              <a:rPr lang="en-IN" dirty="0">
                 <a:solidFill>
                   <a:srgbClr val="00B050"/>
                 </a:solidFill>
@@ -7954,7 +7811,7 @@
               <a:buNone/>
             </a:pPr>
             <a:r>
-              <a:rPr lang="en-IN" dirty="0" smtClean="0">
+              <a:rPr lang="en-IN" dirty="0">
                 <a:solidFill>
                   <a:srgbClr val="00B050"/>
                 </a:solidFill>
@@ -7962,7 +7819,7 @@
               <a:t>   </a:t>
             </a:r>
             <a:r>
-              <a:rPr lang="en-IN" dirty="0" err="1" smtClean="0">
+              <a:rPr lang="en-IN" dirty="0" err="1">
                 <a:solidFill>
                   <a:srgbClr val="00B050"/>
                 </a:solidFill>
@@ -7970,7 +7827,7 @@
               <a:t>fclose</a:t>
             </a:r>
             <a:r>
-              <a:rPr lang="en-IN" dirty="0" smtClean="0">
+              <a:rPr lang="en-IN" dirty="0">
                 <a:solidFill>
                   <a:srgbClr val="00B050"/>
                 </a:solidFill>
@@ -7978,7 +7835,7 @@
               <a:t>(</a:t>
             </a:r>
             <a:r>
-              <a:rPr lang="en-IN" dirty="0" err="1" smtClean="0">
+              <a:rPr lang="en-IN" dirty="0" err="1">
                 <a:solidFill>
                   <a:srgbClr val="00B050"/>
                 </a:solidFill>
@@ -7986,7 +7843,7 @@
               <a:t>fp</a:t>
             </a:r>
             <a:r>
-              <a:rPr lang="en-IN" dirty="0" smtClean="0">
+              <a:rPr lang="en-IN" dirty="0">
                 <a:solidFill>
                   <a:srgbClr val="00B050"/>
                 </a:solidFill>
@@ -7999,7 +7856,7 @@
               <a:buNone/>
             </a:pPr>
             <a:r>
-              <a:rPr lang="en-IN" dirty="0" smtClean="0">
+              <a:rPr lang="en-IN" dirty="0">
                 <a:solidFill>
                   <a:srgbClr val="00B050"/>
                 </a:solidFill>
@@ -8062,15 +7919,15 @@
           <a:lstStyle/>
           <a:p>
             <a:r>
-              <a:rPr lang="en-US" dirty="0" smtClean="0"/>
+              <a:rPr lang="en-US" dirty="0"/>
               <a:t>Reading from  the File : </a:t>
             </a:r>
             <a:r>
-              <a:rPr lang="en-US" dirty="0" err="1" smtClean="0"/>
+              <a:rPr lang="en-US" dirty="0" err="1"/>
               <a:t>fscanf</a:t>
             </a:r>
             <a:r>
-              <a:rPr lang="en-US" dirty="0" smtClean="0"/>
+              <a:rPr lang="en-US" dirty="0"/>
               <a:t>()</a:t>
             </a:r>
             <a:endParaRPr lang="en-IN" dirty="0"/>
@@ -8100,7 +7957,7 @@
           <a:lstStyle/>
           <a:p>
             <a:r>
-              <a:rPr lang="en-US" dirty="0" smtClean="0"/>
+              <a:rPr lang="en-US" dirty="0"/>
               <a:t>The </a:t>
             </a:r>
             <a:r>
@@ -8216,7 +8073,7 @@
               <a:buNone/>
             </a:pPr>
             <a:r>
-              <a:rPr lang="en-US" dirty="0" smtClean="0">
+              <a:rPr lang="en-US" dirty="0">
                 <a:solidFill>
                   <a:srgbClr val="00B050"/>
                 </a:solidFill>
@@ -8224,7 +8081,7 @@
               <a:t>#include &lt;</a:t>
             </a:r>
             <a:r>
-              <a:rPr lang="en-US" dirty="0" err="1" smtClean="0">
+              <a:rPr lang="en-US" dirty="0" err="1">
                 <a:solidFill>
                   <a:srgbClr val="00B050"/>
                 </a:solidFill>
@@ -8232,7 +8089,7 @@
               <a:t>stdio.h</a:t>
             </a:r>
             <a:r>
-              <a:rPr lang="en-US" dirty="0" smtClean="0">
+              <a:rPr lang="en-US" dirty="0">
                 <a:solidFill>
                   <a:srgbClr val="00B050"/>
                 </a:solidFill>
@@ -8245,7 +8102,7 @@
               <a:buNone/>
             </a:pPr>
             <a:r>
-              <a:rPr lang="en-US" dirty="0" err="1" smtClean="0">
+              <a:rPr lang="en-US" dirty="0" err="1">
                 <a:solidFill>
                   <a:srgbClr val="00B050"/>
                 </a:solidFill>
@@ -8253,7 +8110,7 @@
               <a:t>int</a:t>
             </a:r>
             <a:r>
-              <a:rPr lang="en-US" dirty="0" smtClean="0">
+              <a:rPr lang="en-US" dirty="0">
                 <a:solidFill>
                   <a:srgbClr val="00B050"/>
                 </a:solidFill>
@@ -8266,7 +8123,7 @@
               <a:buNone/>
             </a:pPr>
             <a:r>
-              <a:rPr lang="en-US" dirty="0" smtClean="0">
+              <a:rPr lang="en-US" dirty="0">
                 <a:solidFill>
                   <a:srgbClr val="00B050"/>
                 </a:solidFill>
@@ -8279,7 +8136,7 @@
               <a:buNone/>
             </a:pPr>
             <a:r>
-              <a:rPr lang="en-US" dirty="0" smtClean="0">
+              <a:rPr lang="en-US" dirty="0">
                 <a:solidFill>
                   <a:srgbClr val="00B050"/>
                 </a:solidFill>
@@ -8292,7 +8149,7 @@
               <a:buNone/>
             </a:pPr>
             <a:r>
-              <a:rPr lang="en-US" dirty="0" smtClean="0">
+              <a:rPr lang="en-US" dirty="0">
                 <a:solidFill>
                   <a:srgbClr val="00B050"/>
                 </a:solidFill>
@@ -8300,7 +8157,7 @@
               <a:t>   FILE *</a:t>
             </a:r>
             <a:r>
-              <a:rPr lang="en-US" dirty="0" err="1" smtClean="0">
+              <a:rPr lang="en-US" dirty="0" err="1">
                 <a:solidFill>
                   <a:srgbClr val="00B050"/>
                 </a:solidFill>
@@ -8308,7 +8165,7 @@
               <a:t>fp</a:t>
             </a:r>
             <a:r>
-              <a:rPr lang="en-US" dirty="0" smtClean="0">
+              <a:rPr lang="en-US" dirty="0">
                 <a:solidFill>
                   <a:srgbClr val="00B050"/>
                 </a:solidFill>
@@ -8321,7 +8178,7 @@
               <a:buNone/>
             </a:pPr>
             <a:r>
-              <a:rPr lang="en-US" dirty="0" smtClean="0">
+              <a:rPr lang="en-US" dirty="0">
                 <a:solidFill>
                   <a:srgbClr val="00B050"/>
                 </a:solidFill>
@@ -8329,7 +8186,7 @@
               <a:t>   if ((</a:t>
             </a:r>
             <a:r>
-              <a:rPr lang="en-US" dirty="0" err="1" smtClean="0">
+              <a:rPr lang="en-US" dirty="0" err="1">
                 <a:solidFill>
                   <a:srgbClr val="00B050"/>
                 </a:solidFill>
@@ -8337,7 +8194,7 @@
               <a:t>fp</a:t>
             </a:r>
             <a:r>
-              <a:rPr lang="en-US" dirty="0" smtClean="0">
+              <a:rPr lang="en-US" dirty="0">
                 <a:solidFill>
                   <a:srgbClr val="00B050"/>
                 </a:solidFill>
@@ -8345,7 +8202,7 @@
               <a:t> = </a:t>
             </a:r>
             <a:r>
-              <a:rPr lang="en-US" dirty="0" err="1" smtClean="0">
+              <a:rPr lang="en-US" dirty="0" err="1">
                 <a:solidFill>
                   <a:srgbClr val="00B050"/>
                 </a:solidFill>
@@ -8353,7 +8210,7 @@
               <a:t>fopen</a:t>
             </a:r>
             <a:r>
-              <a:rPr lang="en-US" dirty="0" smtClean="0">
+              <a:rPr lang="en-US" dirty="0">
                 <a:solidFill>
                   <a:srgbClr val="00B050"/>
                 </a:solidFill>
@@ -8366,7 +8223,7 @@
               <a:buNone/>
             </a:pPr>
             <a:r>
-              <a:rPr lang="en-US" dirty="0" smtClean="0">
+              <a:rPr lang="en-US" dirty="0">
                 <a:solidFill>
                   <a:srgbClr val="00B050"/>
                 </a:solidFill>
@@ -8379,7 +8236,7 @@
               <a:buNone/>
             </a:pPr>
             <a:r>
-              <a:rPr lang="en-US" dirty="0" smtClean="0">
+              <a:rPr lang="en-US" dirty="0">
                 <a:solidFill>
                   <a:srgbClr val="00B050"/>
                 </a:solidFill>
@@ -8387,7 +8244,7 @@
               <a:t>       </a:t>
             </a:r>
             <a:r>
-              <a:rPr lang="en-US" dirty="0" err="1" smtClean="0">
+              <a:rPr lang="en-US" dirty="0" err="1">
                 <a:solidFill>
                   <a:srgbClr val="00B050"/>
                 </a:solidFill>
@@ -8395,7 +8252,7 @@
               <a:t>printf</a:t>
             </a:r>
             <a:r>
-              <a:rPr lang="en-US" dirty="0" smtClean="0">
+              <a:rPr lang="en-US" dirty="0">
                 <a:solidFill>
                   <a:srgbClr val="00B050"/>
                 </a:solidFill>
@@ -8408,7 +8265,7 @@
               <a:buNone/>
             </a:pPr>
             <a:r>
-              <a:rPr lang="en-US" dirty="0" smtClean="0">
+              <a:rPr lang="en-US" dirty="0">
                 <a:solidFill>
                   <a:srgbClr val="00B050"/>
                 </a:solidFill>
@@ -8421,7 +8278,7 @@
               <a:buNone/>
             </a:pPr>
             <a:r>
-              <a:rPr lang="en-US" dirty="0" smtClean="0">
+              <a:rPr lang="en-US" dirty="0">
                 <a:solidFill>
                   <a:srgbClr val="00B050"/>
                 </a:solidFill>
@@ -8434,7 +8291,7 @@
               <a:buNone/>
             </a:pPr>
             <a:r>
-              <a:rPr lang="en-US" dirty="0" smtClean="0">
+              <a:rPr lang="en-US" dirty="0">
                 <a:solidFill>
                   <a:srgbClr val="00B050"/>
                 </a:solidFill>
@@ -8442,7 +8299,7 @@
               <a:t>   while(</a:t>
             </a:r>
             <a:r>
-              <a:rPr lang="en-US" dirty="0" err="1" smtClean="0">
+              <a:rPr lang="en-US" dirty="0" err="1">
                 <a:solidFill>
                   <a:srgbClr val="00B050"/>
                 </a:solidFill>
@@ -8450,7 +8307,7 @@
               <a:t>fscanf</a:t>
             </a:r>
             <a:r>
-              <a:rPr lang="en-US" dirty="0" smtClean="0">
+              <a:rPr lang="en-US" dirty="0">
                 <a:solidFill>
                   <a:srgbClr val="00B050"/>
                 </a:solidFill>
@@ -8458,7 +8315,7 @@
               <a:t>(</a:t>
             </a:r>
             <a:r>
-              <a:rPr lang="en-US" dirty="0" err="1" smtClean="0">
+              <a:rPr lang="en-US" dirty="0" err="1">
                 <a:solidFill>
                   <a:srgbClr val="00B050"/>
                 </a:solidFill>
@@ -8466,7 +8323,7 @@
               <a:t>fp</a:t>
             </a:r>
             <a:r>
-              <a:rPr lang="en-US" dirty="0" smtClean="0">
+              <a:rPr lang="en-US" dirty="0">
                 <a:solidFill>
                   <a:srgbClr val="00B050"/>
                 </a:solidFill>
@@ -8479,7 +8336,7 @@
               <a:buNone/>
             </a:pPr>
             <a:r>
-              <a:rPr lang="en-US" dirty="0" smtClean="0">
+              <a:rPr lang="en-US" dirty="0">
                 <a:solidFill>
                   <a:srgbClr val="00B050"/>
                 </a:solidFill>
@@ -8487,7 +8344,7 @@
               <a:t>   </a:t>
             </a:r>
             <a:r>
-              <a:rPr lang="en-US" dirty="0" err="1" smtClean="0">
+              <a:rPr lang="en-US" dirty="0" err="1">
                 <a:solidFill>
                   <a:srgbClr val="00B050"/>
                 </a:solidFill>
@@ -8495,7 +8352,7 @@
               <a:t>printf</a:t>
             </a:r>
             <a:r>
-              <a:rPr lang="en-US" dirty="0" smtClean="0">
+              <a:rPr lang="en-US" dirty="0">
                 <a:solidFill>
                   <a:srgbClr val="00B050"/>
                 </a:solidFill>
@@ -8503,7 +8360,7 @@
               <a:t>("%</a:t>
             </a:r>
             <a:r>
-              <a:rPr lang="en-US" dirty="0" err="1" smtClean="0">
+              <a:rPr lang="en-US" dirty="0" err="1">
                 <a:solidFill>
                   <a:srgbClr val="00B050"/>
                 </a:solidFill>
@@ -8511,7 +8368,7 @@
               <a:t>s",b</a:t>
             </a:r>
             <a:r>
-              <a:rPr lang="en-US" dirty="0" smtClean="0">
+              <a:rPr lang="en-US" dirty="0">
                 <a:solidFill>
                   <a:srgbClr val="00B050"/>
                 </a:solidFill>
@@ -8524,7 +8381,7 @@
               <a:buNone/>
             </a:pPr>
             <a:r>
-              <a:rPr lang="en-US" dirty="0" smtClean="0">
+              <a:rPr lang="en-US" dirty="0">
                 <a:solidFill>
                   <a:srgbClr val="00B050"/>
                 </a:solidFill>
@@ -8532,7 +8389,7 @@
               <a:t>   </a:t>
             </a:r>
             <a:r>
-              <a:rPr lang="en-US" dirty="0" err="1" smtClean="0">
+              <a:rPr lang="en-US" dirty="0" err="1">
                 <a:solidFill>
                   <a:srgbClr val="00B050"/>
                 </a:solidFill>
@@ -8540,7 +8397,7 @@
               <a:t>fclose</a:t>
             </a:r>
             <a:r>
-              <a:rPr lang="en-US" dirty="0" smtClean="0">
+              <a:rPr lang="en-US" dirty="0">
                 <a:solidFill>
                   <a:srgbClr val="00B050"/>
                 </a:solidFill>
@@ -8548,7 +8405,7 @@
               <a:t>(</a:t>
             </a:r>
             <a:r>
-              <a:rPr lang="en-US" dirty="0" err="1" smtClean="0">
+              <a:rPr lang="en-US" dirty="0" err="1">
                 <a:solidFill>
                   <a:srgbClr val="00B050"/>
                 </a:solidFill>
@@ -8556,7 +8413,7 @@
               <a:t>fp</a:t>
             </a:r>
             <a:r>
-              <a:rPr lang="en-US" dirty="0" smtClean="0">
+              <a:rPr lang="en-US" dirty="0">
                 <a:solidFill>
                   <a:srgbClr val="00B050"/>
                 </a:solidFill>
@@ -8569,7 +8426,7 @@
               <a:buNone/>
             </a:pPr>
             <a:r>
-              <a:rPr lang="en-US" dirty="0" smtClean="0">
+              <a:rPr lang="en-US" dirty="0">
                 <a:solidFill>
                   <a:srgbClr val="00B050"/>
                 </a:solidFill>
@@ -8582,7 +8439,7 @@
               <a:buNone/>
             </a:pPr>
             <a:r>
-              <a:rPr lang="en-US" dirty="0" smtClean="0">
+              <a:rPr lang="en-US" dirty="0">
                 <a:solidFill>
                   <a:srgbClr val="00B050"/>
                 </a:solidFill>
@@ -8646,15 +8503,7 @@
           <a:p>
             <a:r>
               <a:rPr lang="en-IN" dirty="0"/>
-              <a:t>Writing </a:t>
-            </a:r>
-            <a:r>
-              <a:rPr lang="en-IN" dirty="0" smtClean="0"/>
-              <a:t>to the File </a:t>
-            </a:r>
-            <a:r>
-              <a:rPr lang="en-IN" dirty="0"/>
-              <a:t>: </a:t>
+              <a:t>Writing to the File : </a:t>
             </a:r>
             <a:r>
               <a:rPr lang="en-IN" dirty="0" err="1"/>
@@ -8690,36 +8539,36 @@
           <a:lstStyle/>
           <a:p>
             <a:r>
-              <a:rPr lang="en-IN" dirty="0" smtClean="0"/>
+              <a:rPr lang="en-IN" dirty="0"/>
               <a:t>The </a:t>
             </a:r>
             <a:r>
-              <a:rPr lang="en-IN" dirty="0" err="1" smtClean="0"/>
+              <a:rPr lang="en-IN" dirty="0" err="1"/>
               <a:t>fputc</a:t>
             </a:r>
             <a:r>
-              <a:rPr lang="en-IN" dirty="0" smtClean="0"/>
+              <a:rPr lang="en-IN" dirty="0"/>
               <a:t>() function is used to write a single character into file. It outputs a character to a stream.</a:t>
             </a:r>
           </a:p>
           <a:p>
-            <a:endParaRPr lang="en-IN" dirty="0" smtClean="0"/>
-          </a:p>
-          <a:p>
-            <a:r>
-              <a:rPr lang="en-IN" dirty="0" smtClean="0"/>
+            <a:endParaRPr lang="en-IN" dirty="0"/>
+          </a:p>
+          <a:p>
+            <a:r>
+              <a:rPr lang="en-IN" dirty="0"/>
               <a:t>Syntax:</a:t>
             </a:r>
           </a:p>
           <a:p>
-            <a:endParaRPr lang="en-IN" dirty="0" smtClean="0"/>
-          </a:p>
-          <a:p>
-            <a:pPr marL="0" indent="0">
-              <a:buNone/>
-            </a:pPr>
-            <a:r>
-              <a:rPr lang="en-IN" dirty="0" err="1" smtClean="0">
+            <a:endParaRPr lang="en-IN" dirty="0"/>
+          </a:p>
+          <a:p>
+            <a:pPr marL="0" indent="0">
+              <a:buNone/>
+            </a:pPr>
+            <a:r>
+              <a:rPr lang="en-IN" dirty="0" err="1">
                 <a:solidFill>
                   <a:srgbClr val="FF0000"/>
                 </a:solidFill>
@@ -8727,7 +8576,7 @@
               <a:t>int</a:t>
             </a:r>
             <a:r>
-              <a:rPr lang="en-IN" dirty="0" smtClean="0">
+              <a:rPr lang="en-IN" dirty="0">
                 <a:solidFill>
                   <a:srgbClr val="FF0000"/>
                 </a:solidFill>
@@ -8735,7 +8584,7 @@
               <a:t> </a:t>
             </a:r>
             <a:r>
-              <a:rPr lang="en-IN" dirty="0" err="1" smtClean="0">
+              <a:rPr lang="en-IN" dirty="0" err="1">
                 <a:solidFill>
                   <a:srgbClr val="FF0000"/>
                 </a:solidFill>
@@ -8743,7 +8592,7 @@
               <a:t>fputc</a:t>
             </a:r>
             <a:r>
-              <a:rPr lang="en-IN" dirty="0" smtClean="0">
+              <a:rPr lang="en-IN" dirty="0">
                 <a:solidFill>
                   <a:srgbClr val="FF0000"/>
                 </a:solidFill>
@@ -8751,7 +8600,7 @@
               <a:t>(</a:t>
             </a:r>
             <a:r>
-              <a:rPr lang="en-IN" dirty="0" err="1" smtClean="0">
+              <a:rPr lang="en-IN" dirty="0" err="1">
                 <a:solidFill>
                   <a:srgbClr val="FF0000"/>
                 </a:solidFill>
@@ -8759,7 +8608,7 @@
               <a:t>int</a:t>
             </a:r>
             <a:r>
-              <a:rPr lang="en-IN" dirty="0" smtClean="0">
+              <a:rPr lang="en-IN" dirty="0">
                 <a:solidFill>
                   <a:srgbClr val="FF0000"/>
                 </a:solidFill>
@@ -8771,7 +8620,7 @@
             <a:pPr marL="0" indent="0">
               <a:buNone/>
             </a:pPr>
-            <a:endParaRPr lang="en-IN" dirty="0" smtClean="0">
+            <a:endParaRPr lang="en-IN" dirty="0">
               <a:solidFill>
                 <a:srgbClr val="FF0000"/>
               </a:solidFill>
@@ -8779,19 +8628,19 @@
           </a:p>
           <a:p>
             <a:r>
-              <a:rPr lang="en-IN" dirty="0" smtClean="0"/>
+              <a:rPr lang="en-IN" dirty="0"/>
               <a:t>Example:</a:t>
             </a:r>
           </a:p>
           <a:p>
-            <a:endParaRPr lang="en-IN" dirty="0" smtClean="0"/>
-          </a:p>
-          <a:p>
-            <a:pPr marL="0" indent="0">
-              <a:buNone/>
-            </a:pPr>
-            <a:r>
-              <a:rPr lang="en-IN" dirty="0" smtClean="0">
+            <a:endParaRPr lang="en-IN" dirty="0"/>
+          </a:p>
+          <a:p>
+            <a:pPr marL="0" indent="0">
+              <a:buNone/>
+            </a:pPr>
+            <a:r>
+              <a:rPr lang="en-IN" dirty="0">
                 <a:solidFill>
                   <a:srgbClr val="00B050"/>
                 </a:solidFill>
@@ -8799,7 +8648,7 @@
               <a:t>#include &lt;</a:t>
             </a:r>
             <a:r>
-              <a:rPr lang="en-IN" dirty="0" err="1" smtClean="0">
+              <a:rPr lang="en-IN" dirty="0" err="1">
                 <a:solidFill>
                   <a:srgbClr val="00B050"/>
                 </a:solidFill>
@@ -8807,7 +8656,7 @@
               <a:t>stdio.h</a:t>
             </a:r>
             <a:r>
-              <a:rPr lang="en-IN" dirty="0" smtClean="0">
+              <a:rPr lang="en-IN" dirty="0">
                 <a:solidFill>
                   <a:srgbClr val="00B050"/>
                 </a:solidFill>
@@ -8820,7 +8669,7 @@
               <a:buNone/>
             </a:pPr>
             <a:r>
-              <a:rPr lang="en-IN" dirty="0" smtClean="0">
+              <a:rPr lang="en-IN" dirty="0">
                 <a:solidFill>
                   <a:srgbClr val="00B050"/>
                 </a:solidFill>
@@ -8833,7 +8682,7 @@
               <a:buNone/>
             </a:pPr>
             <a:r>
-              <a:rPr lang="en-IN" dirty="0" smtClean="0">
+              <a:rPr lang="en-IN" dirty="0">
                 <a:solidFill>
                   <a:srgbClr val="00B050"/>
                 </a:solidFill>
@@ -8841,7 +8690,7 @@
               <a:t>   FILE *</a:t>
             </a:r>
             <a:r>
-              <a:rPr lang="en-IN" dirty="0" err="1" smtClean="0">
+              <a:rPr lang="en-IN" dirty="0" err="1">
                 <a:solidFill>
                   <a:srgbClr val="00B050"/>
                 </a:solidFill>
@@ -8849,7 +8698,7 @@
               <a:t>fp</a:t>
             </a:r>
             <a:r>
-              <a:rPr lang="en-IN" dirty="0" smtClean="0">
+              <a:rPr lang="en-IN" dirty="0">
                 <a:solidFill>
                   <a:srgbClr val="00B050"/>
                 </a:solidFill>
@@ -8862,7 +8711,7 @@
               <a:buNone/>
             </a:pPr>
             <a:r>
-              <a:rPr lang="en-IN" dirty="0" smtClean="0">
+              <a:rPr lang="en-IN" dirty="0">
                 <a:solidFill>
                   <a:srgbClr val="00B050"/>
                 </a:solidFill>
@@ -8870,7 +8719,7 @@
               <a:t>   </a:t>
             </a:r>
             <a:r>
-              <a:rPr lang="en-IN" dirty="0" err="1" smtClean="0">
+              <a:rPr lang="en-IN" dirty="0" err="1">
                 <a:solidFill>
                   <a:srgbClr val="00B050"/>
                 </a:solidFill>
@@ -8878,7 +8727,7 @@
               <a:t>fp</a:t>
             </a:r>
             <a:r>
-              <a:rPr lang="en-IN" dirty="0" smtClean="0">
+              <a:rPr lang="en-IN" dirty="0">
                 <a:solidFill>
                   <a:srgbClr val="00B050"/>
                 </a:solidFill>
@@ -8886,7 +8735,7 @@
               <a:t> = </a:t>
             </a:r>
             <a:r>
-              <a:rPr lang="en-IN" dirty="0" err="1" smtClean="0">
+              <a:rPr lang="en-IN" dirty="0" err="1">
                 <a:solidFill>
                   <a:srgbClr val="00B050"/>
                 </a:solidFill>
@@ -8894,7 +8743,7 @@
               <a:t>fopen</a:t>
             </a:r>
             <a:r>
-              <a:rPr lang="en-IN" dirty="0" smtClean="0">
+              <a:rPr lang="en-IN" dirty="0">
                 <a:solidFill>
                   <a:srgbClr val="00B050"/>
                 </a:solidFill>
@@ -8907,7 +8756,7 @@
               <a:buNone/>
             </a:pPr>
             <a:r>
-              <a:rPr lang="en-IN" dirty="0" smtClean="0">
+              <a:rPr lang="en-IN" dirty="0">
                 <a:solidFill>
                   <a:srgbClr val="00B050"/>
                 </a:solidFill>
@@ -8915,7 +8764,7 @@
               <a:t>   </a:t>
             </a:r>
             <a:r>
-              <a:rPr lang="en-IN" dirty="0" err="1" smtClean="0">
+              <a:rPr lang="en-IN" dirty="0" err="1">
                 <a:solidFill>
                   <a:srgbClr val="00B050"/>
                 </a:solidFill>
@@ -8923,7 +8772,7 @@
               <a:t>fputc</a:t>
             </a:r>
             <a:r>
-              <a:rPr lang="en-IN" dirty="0" smtClean="0">
+              <a:rPr lang="en-IN" dirty="0">
                 <a:solidFill>
                   <a:srgbClr val="00B050"/>
                 </a:solidFill>
@@ -8931,7 +8780,7 @@
               <a:t>('a',</a:t>
             </a:r>
             <a:r>
-              <a:rPr lang="en-IN" dirty="0" err="1" smtClean="0">
+              <a:rPr lang="en-IN" dirty="0" err="1">
                 <a:solidFill>
                   <a:srgbClr val="00B050"/>
                 </a:solidFill>
@@ -8939,7 +8788,7 @@
               <a:t>fp</a:t>
             </a:r>
             <a:r>
-              <a:rPr lang="en-IN" dirty="0" smtClean="0">
+              <a:rPr lang="en-IN" dirty="0">
                 <a:solidFill>
                   <a:srgbClr val="00B050"/>
                 </a:solidFill>
@@ -8952,7 +8801,7 @@
               <a:buNone/>
             </a:pPr>
             <a:r>
-              <a:rPr lang="en-IN" dirty="0" smtClean="0">
+              <a:rPr lang="en-IN" dirty="0">
                 <a:solidFill>
                   <a:srgbClr val="00B050"/>
                 </a:solidFill>
@@ -8960,7 +8809,7 @@
               <a:t>   </a:t>
             </a:r>
             <a:r>
-              <a:rPr lang="en-IN" dirty="0" err="1" smtClean="0">
+              <a:rPr lang="en-IN" dirty="0" err="1">
                 <a:solidFill>
                   <a:srgbClr val="00B050"/>
                 </a:solidFill>
@@ -8968,7 +8817,7 @@
               <a:t>fclose</a:t>
             </a:r>
             <a:r>
-              <a:rPr lang="en-IN" dirty="0" smtClean="0">
+              <a:rPr lang="en-IN" dirty="0">
                 <a:solidFill>
                   <a:srgbClr val="00B050"/>
                 </a:solidFill>
@@ -8976,7 +8825,7 @@
               <a:t>(</a:t>
             </a:r>
             <a:r>
-              <a:rPr lang="en-IN" dirty="0" err="1" smtClean="0">
+              <a:rPr lang="en-IN" dirty="0" err="1">
                 <a:solidFill>
                   <a:srgbClr val="00B050"/>
                 </a:solidFill>
@@ -8984,7 +8833,7 @@
               <a:t>fp</a:t>
             </a:r>
             <a:r>
-              <a:rPr lang="en-IN" dirty="0" smtClean="0">
+              <a:rPr lang="en-IN" dirty="0">
                 <a:solidFill>
                   <a:srgbClr val="00B050"/>
                 </a:solidFill>
@@ -8997,18 +8846,13 @@
               <a:buNone/>
             </a:pPr>
             <a:r>
-              <a:rPr lang="en-IN" dirty="0" smtClean="0">
+              <a:rPr lang="en-IN" dirty="0">
                 <a:solidFill>
                   <a:srgbClr val="00B050"/>
                 </a:solidFill>
               </a:rPr>
               <a:t>} </a:t>
             </a:r>
-            <a:endParaRPr lang="en-IN" dirty="0">
-              <a:solidFill>
-                <a:srgbClr val="00B050"/>
-              </a:solidFill>
-            </a:endParaRPr>
           </a:p>
         </p:txBody>
       </p:sp>
@@ -9060,15 +8904,15 @@
           <a:lstStyle/>
           <a:p>
             <a:r>
-              <a:rPr lang="en-US" dirty="0" smtClean="0"/>
+              <a:rPr lang="en-US" dirty="0"/>
               <a:t>Reading from the File : </a:t>
             </a:r>
             <a:r>
-              <a:rPr lang="en-US" dirty="0" err="1" smtClean="0"/>
+              <a:rPr lang="en-US" dirty="0" err="1"/>
               <a:t>fgetc</a:t>
             </a:r>
             <a:r>
-              <a:rPr lang="en-US" dirty="0" smtClean="0"/>
+              <a:rPr lang="en-US" dirty="0"/>
               <a:t>()</a:t>
             </a:r>
             <a:endParaRPr lang="en-IN" dirty="0"/>
@@ -9098,7 +8942,7 @@
           <a:lstStyle/>
           <a:p>
             <a:r>
-              <a:rPr lang="en-US" dirty="0" smtClean="0"/>
+              <a:rPr lang="en-US" dirty="0"/>
               <a:t>The </a:t>
             </a:r>
             <a:r>
@@ -9107,11 +8951,7 @@
             </a:r>
             <a:r>
               <a:rPr lang="en-US" dirty="0"/>
-              <a:t>() function returns a single character from the file. It gets a character from the stream. It returns EOF at the end of file</a:t>
-            </a:r>
-            <a:r>
-              <a:rPr lang="en-US" dirty="0" smtClean="0"/>
-              <a:t>.</a:t>
+              <a:t>() function returns a single character from the file. It gets a character from the stream. It returns EOF at the end of file.</a:t>
             </a:r>
           </a:p>
           <a:p>
@@ -9213,7 +9053,7 @@
               <a:buNone/>
             </a:pPr>
             <a:r>
-              <a:rPr lang="en-IN" dirty="0" smtClean="0">
+              <a:rPr lang="en-IN" dirty="0">
                 <a:solidFill>
                   <a:srgbClr val="FF0000"/>
                 </a:solidFill>
@@ -9221,7 +9061,7 @@
               <a:t>#include &lt;</a:t>
             </a:r>
             <a:r>
-              <a:rPr lang="en-IN" dirty="0" err="1" smtClean="0">
+              <a:rPr lang="en-IN" dirty="0" err="1">
                 <a:solidFill>
                   <a:srgbClr val="FF0000"/>
                 </a:solidFill>
@@ -9229,7 +9069,7 @@
               <a:t>stdio.h</a:t>
             </a:r>
             <a:r>
-              <a:rPr lang="en-IN" dirty="0" smtClean="0">
+              <a:rPr lang="en-IN" dirty="0">
                 <a:solidFill>
                   <a:srgbClr val="FF0000"/>
                 </a:solidFill>
@@ -9242,7 +9082,7 @@
               <a:buNone/>
             </a:pPr>
             <a:r>
-              <a:rPr lang="en-IN" dirty="0" err="1" smtClean="0">
+              <a:rPr lang="en-IN" dirty="0" err="1">
                 <a:solidFill>
                   <a:srgbClr val="FF0000"/>
                 </a:solidFill>
@@ -9250,7 +9090,7 @@
               <a:t>int</a:t>
             </a:r>
             <a:r>
-              <a:rPr lang="en-IN" dirty="0" smtClean="0">
+              <a:rPr lang="en-IN" dirty="0">
                 <a:solidFill>
                   <a:srgbClr val="FF0000"/>
                 </a:solidFill>
@@ -9263,7 +9103,7 @@
               <a:buNone/>
             </a:pPr>
             <a:r>
-              <a:rPr lang="en-IN" dirty="0" smtClean="0">
+              <a:rPr lang="en-IN" dirty="0">
                 <a:solidFill>
                   <a:srgbClr val="FF0000"/>
                 </a:solidFill>
@@ -9271,7 +9111,7 @@
               <a:t>   FILE *</a:t>
             </a:r>
             <a:r>
-              <a:rPr lang="en-IN" dirty="0" err="1" smtClean="0">
+              <a:rPr lang="en-IN" dirty="0" err="1">
                 <a:solidFill>
                   <a:srgbClr val="FF0000"/>
                 </a:solidFill>
@@ -9279,7 +9119,7 @@
               <a:t>fp</a:t>
             </a:r>
             <a:r>
-              <a:rPr lang="en-IN" dirty="0" smtClean="0">
+              <a:rPr lang="en-IN" dirty="0">
                 <a:solidFill>
                   <a:srgbClr val="FF0000"/>
                 </a:solidFill>
@@ -9292,7 +9132,7 @@
               <a:buNone/>
             </a:pPr>
             <a:r>
-              <a:rPr lang="en-IN" dirty="0" smtClean="0">
+              <a:rPr lang="en-IN" dirty="0">
                 <a:solidFill>
                   <a:srgbClr val="FF0000"/>
                 </a:solidFill>
@@ -9300,7 +9140,7 @@
               <a:t>   </a:t>
             </a:r>
             <a:r>
-              <a:rPr lang="en-IN" dirty="0" err="1" smtClean="0">
+              <a:rPr lang="en-IN" dirty="0" err="1">
                 <a:solidFill>
                   <a:srgbClr val="FF0000"/>
                 </a:solidFill>
@@ -9308,7 +9148,7 @@
               <a:t>int</a:t>
             </a:r>
             <a:r>
-              <a:rPr lang="en-IN" dirty="0" smtClean="0">
+              <a:rPr lang="en-IN" dirty="0">
                 <a:solidFill>
                   <a:srgbClr val="FF0000"/>
                 </a:solidFill>
@@ -9321,7 +9161,7 @@
               <a:buNone/>
             </a:pPr>
             <a:r>
-              <a:rPr lang="en-IN" dirty="0" smtClean="0">
+              <a:rPr lang="en-IN" dirty="0">
                 <a:solidFill>
                   <a:srgbClr val="FF0000"/>
                 </a:solidFill>
@@ -9329,7 +9169,7 @@
               <a:t>   </a:t>
             </a:r>
             <a:r>
-              <a:rPr lang="en-IN" dirty="0" err="1" smtClean="0">
+              <a:rPr lang="en-IN" dirty="0" err="1">
                 <a:solidFill>
                   <a:srgbClr val="FF0000"/>
                 </a:solidFill>
@@ -9337,7 +9177,7 @@
               <a:t>fp</a:t>
             </a:r>
             <a:r>
-              <a:rPr lang="en-IN" dirty="0" smtClean="0">
+              <a:rPr lang="en-IN" dirty="0">
                 <a:solidFill>
                   <a:srgbClr val="FF0000"/>
                 </a:solidFill>
@@ -9345,7 +9185,7 @@
               <a:t> = </a:t>
             </a:r>
             <a:r>
-              <a:rPr lang="en-IN" dirty="0" err="1" smtClean="0">
+              <a:rPr lang="en-IN" dirty="0" err="1">
                 <a:solidFill>
                   <a:srgbClr val="FF0000"/>
                 </a:solidFill>
@@ -9353,7 +9193,7 @@
               <a:t>fopen</a:t>
             </a:r>
             <a:r>
-              <a:rPr lang="en-IN" dirty="0" smtClean="0">
+              <a:rPr lang="en-IN" dirty="0">
                 <a:solidFill>
                   <a:srgbClr val="FF0000"/>
                 </a:solidFill>
@@ -9366,7 +9206,7 @@
               <a:buNone/>
             </a:pPr>
             <a:r>
-              <a:rPr lang="en-IN" dirty="0" smtClean="0">
+              <a:rPr lang="en-IN" dirty="0">
                 <a:solidFill>
                   <a:srgbClr val="FF0000"/>
                 </a:solidFill>
@@ -9379,7 +9219,7 @@
               <a:buNone/>
             </a:pPr>
             <a:r>
-              <a:rPr lang="en-IN" dirty="0" smtClean="0">
+              <a:rPr lang="en-IN" dirty="0">
                 <a:solidFill>
                   <a:srgbClr val="FF0000"/>
                 </a:solidFill>
@@ -9387,7 +9227,7 @@
               <a:t>      c = </a:t>
             </a:r>
             <a:r>
-              <a:rPr lang="en-IN" dirty="0" err="1" smtClean="0">
+              <a:rPr lang="en-IN" dirty="0" err="1">
                 <a:solidFill>
                   <a:srgbClr val="FF0000"/>
                 </a:solidFill>
@@ -9395,7 +9235,7 @@
               <a:t>fgetc</a:t>
             </a:r>
             <a:r>
-              <a:rPr lang="en-IN" dirty="0" smtClean="0">
+              <a:rPr lang="en-IN" dirty="0">
                 <a:solidFill>
                   <a:srgbClr val="FF0000"/>
                 </a:solidFill>
@@ -9403,7 +9243,7 @@
               <a:t>(</a:t>
             </a:r>
             <a:r>
-              <a:rPr lang="en-IN" dirty="0" err="1" smtClean="0">
+              <a:rPr lang="en-IN" dirty="0" err="1">
                 <a:solidFill>
                   <a:srgbClr val="FF0000"/>
                 </a:solidFill>
@@ -9411,7 +9251,7 @@
               <a:t>fp</a:t>
             </a:r>
             <a:r>
-              <a:rPr lang="en-IN" dirty="0" smtClean="0">
+              <a:rPr lang="en-IN" dirty="0">
                 <a:solidFill>
                   <a:srgbClr val="FF0000"/>
                 </a:solidFill>
@@ -9424,7 +9264,7 @@
               <a:buNone/>
             </a:pPr>
             <a:r>
-              <a:rPr lang="en-IN" dirty="0" smtClean="0">
+              <a:rPr lang="en-IN" dirty="0">
                 <a:solidFill>
                   <a:srgbClr val="FF0000"/>
                 </a:solidFill>
@@ -9432,7 +9272,7 @@
               <a:t>      if( </a:t>
             </a:r>
             <a:r>
-              <a:rPr lang="en-IN" dirty="0" err="1" smtClean="0">
+              <a:rPr lang="en-IN" dirty="0" err="1">
                 <a:solidFill>
                   <a:srgbClr val="FF0000"/>
                 </a:solidFill>
@@ -9440,7 +9280,7 @@
               <a:t>feof</a:t>
             </a:r>
             <a:r>
-              <a:rPr lang="en-IN" dirty="0" smtClean="0">
+              <a:rPr lang="en-IN" dirty="0">
                 <a:solidFill>
                   <a:srgbClr val="FF0000"/>
                 </a:solidFill>
@@ -9448,7 +9288,7 @@
               <a:t>(</a:t>
             </a:r>
             <a:r>
-              <a:rPr lang="en-IN" dirty="0" err="1" smtClean="0">
+              <a:rPr lang="en-IN" dirty="0" err="1">
                 <a:solidFill>
                   <a:srgbClr val="FF0000"/>
                 </a:solidFill>
@@ -9456,7 +9296,7 @@
               <a:t>fp</a:t>
             </a:r>
             <a:r>
-              <a:rPr lang="en-IN" dirty="0" smtClean="0">
+              <a:rPr lang="en-IN" dirty="0">
                 <a:solidFill>
                   <a:srgbClr val="FF0000"/>
                 </a:solidFill>
@@ -9469,7 +9309,7 @@
               <a:buNone/>
             </a:pPr>
             <a:r>
-              <a:rPr lang="en-IN" dirty="0" smtClean="0">
+              <a:rPr lang="en-IN" dirty="0">
                 <a:solidFill>
                   <a:srgbClr val="FF0000"/>
                 </a:solidFill>
@@ -9482,7 +9322,7 @@
               <a:buNone/>
             </a:pPr>
             <a:r>
-              <a:rPr lang="en-IN" dirty="0" smtClean="0">
+              <a:rPr lang="en-IN" dirty="0">
                 <a:solidFill>
                   <a:srgbClr val="FF0000"/>
                 </a:solidFill>
@@ -9495,7 +9335,7 @@
               <a:buNone/>
             </a:pPr>
             <a:r>
-              <a:rPr lang="en-IN" dirty="0" smtClean="0">
+              <a:rPr lang="en-IN" dirty="0">
                 <a:solidFill>
                   <a:srgbClr val="FF0000"/>
                 </a:solidFill>
@@ -9503,7 +9343,7 @@
               <a:t>      </a:t>
             </a:r>
             <a:r>
-              <a:rPr lang="en-IN" dirty="0" err="1" smtClean="0">
+              <a:rPr lang="en-IN" dirty="0" err="1">
                 <a:solidFill>
                   <a:srgbClr val="FF0000"/>
                 </a:solidFill>
@@ -9511,7 +9351,7 @@
               <a:t>printf</a:t>
             </a:r>
             <a:r>
-              <a:rPr lang="en-IN" dirty="0" smtClean="0">
+              <a:rPr lang="en-IN" dirty="0">
                 <a:solidFill>
                   <a:srgbClr val="FF0000"/>
                 </a:solidFill>
@@ -9524,7 +9364,7 @@
               <a:buNone/>
             </a:pPr>
             <a:r>
-              <a:rPr lang="en-IN" dirty="0" smtClean="0">
+              <a:rPr lang="en-IN" dirty="0">
                 <a:solidFill>
                   <a:srgbClr val="FF0000"/>
                 </a:solidFill>
@@ -9537,7 +9377,7 @@
               <a:buNone/>
             </a:pPr>
             <a:r>
-              <a:rPr lang="en-IN" dirty="0" smtClean="0">
+              <a:rPr lang="en-IN" dirty="0">
                 <a:solidFill>
                   <a:srgbClr val="FF0000"/>
                 </a:solidFill>
@@ -9545,7 +9385,7 @@
               <a:t>   </a:t>
             </a:r>
             <a:r>
-              <a:rPr lang="en-IN" dirty="0" err="1" smtClean="0">
+              <a:rPr lang="en-IN" dirty="0" err="1">
                 <a:solidFill>
                   <a:srgbClr val="FF0000"/>
                 </a:solidFill>
@@ -9553,7 +9393,7 @@
               <a:t>fclose</a:t>
             </a:r>
             <a:r>
-              <a:rPr lang="en-IN" dirty="0" smtClean="0">
+              <a:rPr lang="en-IN" dirty="0">
                 <a:solidFill>
                   <a:srgbClr val="FF0000"/>
                 </a:solidFill>
@@ -9561,7 +9401,7 @@
               <a:t>(</a:t>
             </a:r>
             <a:r>
-              <a:rPr lang="en-IN" dirty="0" err="1" smtClean="0">
+              <a:rPr lang="en-IN" dirty="0" err="1">
                 <a:solidFill>
                   <a:srgbClr val="FF0000"/>
                 </a:solidFill>
@@ -9569,7 +9409,7 @@
               <a:t>fp</a:t>
             </a:r>
             <a:r>
-              <a:rPr lang="en-IN" dirty="0" smtClean="0">
+              <a:rPr lang="en-IN" dirty="0">
                 <a:solidFill>
                   <a:srgbClr val="FF0000"/>
                 </a:solidFill>
@@ -9582,7 +9422,7 @@
               <a:buNone/>
             </a:pPr>
             <a:r>
-              <a:rPr lang="en-IN" dirty="0" smtClean="0">
+              <a:rPr lang="en-IN" dirty="0">
                 <a:solidFill>
                   <a:srgbClr val="FF0000"/>
                 </a:solidFill>
@@ -9595,18 +9435,13 @@
               <a:buNone/>
             </a:pPr>
             <a:r>
-              <a:rPr lang="en-IN" dirty="0" smtClean="0">
+              <a:rPr lang="en-IN" dirty="0">
                 <a:solidFill>
                   <a:srgbClr val="FF0000"/>
                 </a:solidFill>
               </a:rPr>
               <a:t>}</a:t>
             </a:r>
-            <a:endParaRPr lang="en-IN" dirty="0">
-              <a:solidFill>
-                <a:srgbClr val="FF0000"/>
-              </a:solidFill>
-            </a:endParaRPr>
           </a:p>
         </p:txBody>
       </p:sp>
@@ -9740,7 +9575,6 @@
               <a:rPr lang="en-IN" dirty="0"/>
               <a:t> *stream)  </a:t>
             </a:r>
-            <a:endParaRPr lang="en-IN" dirty="0" smtClean="0"/>
           </a:p>
           <a:p>
             <a:pPr marL="0" indent="0">
@@ -9794,12 +9628,8 @@
               <a:buNone/>
             </a:pPr>
             <a:r>
-              <a:rPr lang="en-IN" dirty="0" smtClean="0"/>
-              <a:t>main</a:t>
-            </a:r>
-            <a:r>
-              <a:rPr lang="en-IN" dirty="0"/>
-              <a:t>(){  </a:t>
+              <a:rPr lang="en-IN" dirty="0"/>
+              <a:t>main(){  </a:t>
             </a:r>
           </a:p>
           <a:p>
@@ -9828,24 +9658,20 @@
               <a:buNone/>
             </a:pPr>
             <a:r>
-              <a:rPr lang="en-IN" dirty="0" err="1" smtClean="0"/>
+              <a:rPr lang="en-IN" dirty="0" err="1"/>
               <a:t>fp</a:t>
             </a:r>
             <a:r>
-              <a:rPr lang="en-IN" dirty="0" smtClean="0"/>
+              <a:rPr lang="en-IN" dirty="0"/>
               <a:t>=</a:t>
             </a:r>
             <a:r>
-              <a:rPr lang="en-IN" dirty="0" err="1" smtClean="0"/>
+              <a:rPr lang="en-IN" dirty="0" err="1"/>
               <a:t>fopen</a:t>
             </a:r>
             <a:r>
-              <a:rPr lang="en-IN" dirty="0" smtClean="0"/>
-              <a:t>("file2.txt</a:t>
-            </a:r>
-            <a:r>
-              <a:rPr lang="en-IN" dirty="0"/>
-              <a:t>","w");  </a:t>
+              <a:rPr lang="en-IN" dirty="0"/>
+              <a:t>("file2.txt","w");  </a:t>
             </a:r>
           </a:p>
           <a:p>
@@ -9857,7 +9683,7 @@
               <a:t>fputs</a:t>
             </a:r>
             <a:r>
-              <a:rPr lang="en-IN" dirty="0" smtClean="0"/>
+              <a:rPr lang="en-IN" dirty="0"/>
               <a:t>(“VIT UNIVERSITY",</a:t>
             </a:r>
             <a:r>
@@ -9878,15 +9704,15 @@
               <a:t> </a:t>
             </a:r>
             <a:r>
-              <a:rPr lang="en-IN" dirty="0" err="1" smtClean="0"/>
+              <a:rPr lang="en-IN" dirty="0" err="1"/>
               <a:t>fclose</a:t>
             </a:r>
             <a:r>
-              <a:rPr lang="en-IN" dirty="0" smtClean="0"/>
+              <a:rPr lang="en-IN" dirty="0"/>
               <a:t>(</a:t>
             </a:r>
             <a:r>
-              <a:rPr lang="en-IN" dirty="0" err="1" smtClean="0"/>
+              <a:rPr lang="en-IN" dirty="0" err="1"/>
               <a:t>fp</a:t>
             </a:r>
             <a:r>
@@ -9998,7 +9824,6 @@
               <a:rPr lang="en-IN" dirty="0"/>
               <a:t> *stream)  </a:t>
             </a:r>
-            <a:endParaRPr lang="en-IN" dirty="0" smtClean="0"/>
           </a:p>
           <a:p>
             <a:pPr marL="0" indent="0">
@@ -10035,12 +9860,8 @@
               <a:buNone/>
             </a:pPr>
             <a:r>
-              <a:rPr lang="en-IN" dirty="0" smtClean="0"/>
-              <a:t>main</a:t>
-            </a:r>
-            <a:r>
-              <a:rPr lang="en-IN" dirty="0"/>
-              <a:t>(){  </a:t>
+              <a:rPr lang="en-IN" dirty="0"/>
+              <a:t>main(){  </a:t>
             </a:r>
           </a:p>
           <a:p>
@@ -10070,44 +9891,32 @@
             </a:pPr>
             <a:r>
               <a:rPr lang="en-IN" b="1" dirty="0"/>
-              <a:t>c</a:t>
-            </a:r>
-            <a:r>
-              <a:rPr lang="en-IN" b="1" dirty="0" smtClean="0"/>
-              <a:t>har </a:t>
-            </a:r>
-            <a:r>
-              <a:rPr lang="en-IN" dirty="0" smtClean="0"/>
-              <a:t>text[ 300</a:t>
-            </a:r>
-            <a:r>
-              <a:rPr lang="en-IN" dirty="0"/>
-              <a:t>];  </a:t>
-            </a:r>
-          </a:p>
-          <a:p>
-            <a:pPr marL="0" indent="0">
-              <a:buNone/>
-            </a:pPr>
-            <a:r>
-              <a:rPr lang="en-IN" dirty="0" err="1" smtClean="0"/>
+              <a:t>char </a:t>
+            </a:r>
+            <a:r>
+              <a:rPr lang="en-IN" dirty="0"/>
+              <a:t>text[ 300];  </a:t>
+            </a:r>
+          </a:p>
+          <a:p>
+            <a:pPr marL="0" indent="0">
+              <a:buNone/>
+            </a:pPr>
+            <a:r>
+              <a:rPr lang="en-IN" dirty="0" err="1"/>
               <a:t>fp</a:t>
             </a:r>
             <a:r>
-              <a:rPr lang="en-IN" dirty="0" smtClean="0"/>
+              <a:rPr lang="en-IN" dirty="0"/>
               <a:t>=</a:t>
             </a:r>
             <a:r>
-              <a:rPr lang="en-IN" dirty="0" err="1" smtClean="0"/>
+              <a:rPr lang="en-IN" dirty="0" err="1"/>
               <a:t>fopen</a:t>
             </a:r>
             <a:r>
-              <a:rPr lang="en-IN" dirty="0" smtClean="0"/>
-              <a:t>(“file2.txt</a:t>
-            </a:r>
-            <a:r>
-              <a:rPr lang="en-IN" dirty="0"/>
-              <a:t>","r");  </a:t>
+              <a:rPr lang="en-IN" dirty="0"/>
+              <a:t>(“file2.txt","r");  </a:t>
             </a:r>
           </a:p>
           <a:p>
@@ -10123,16 +9932,12 @@
               <a:t>("%s",</a:t>
             </a:r>
             <a:r>
-              <a:rPr lang="en-IN" dirty="0" err="1" smtClean="0"/>
+              <a:rPr lang="en-IN" dirty="0" err="1"/>
               <a:t>fgets</a:t>
             </a:r>
             <a:r>
-              <a:rPr lang="en-IN" dirty="0" smtClean="0"/>
-              <a:t>(text,300,fp</a:t>
-            </a:r>
-            <a:r>
-              <a:rPr lang="en-IN" dirty="0"/>
-              <a:t>));  </a:t>
+              <a:rPr lang="en-IN" dirty="0"/>
+              <a:t>(text,300,fp));  </a:t>
             </a:r>
           </a:p>
           <a:p>
@@ -10144,15 +9949,15 @@
               <a:t> </a:t>
             </a:r>
             <a:r>
-              <a:rPr lang="en-IN" dirty="0" err="1" smtClean="0"/>
+              <a:rPr lang="en-IN" dirty="0" err="1"/>
               <a:t>fclose</a:t>
             </a:r>
             <a:r>
-              <a:rPr lang="en-IN" dirty="0" smtClean="0"/>
+              <a:rPr lang="en-IN" dirty="0"/>
               <a:t>(</a:t>
             </a:r>
             <a:r>
-              <a:rPr lang="en-IN" dirty="0" err="1" smtClean="0"/>
+              <a:rPr lang="en-IN" dirty="0" err="1"/>
               <a:t>fp</a:t>
             </a:r>
             <a:r>
@@ -10233,7 +10038,7 @@
           <a:lstStyle/>
           <a:p>
             <a:r>
-              <a:rPr lang="en-US" dirty="0" smtClean="0"/>
+              <a:rPr lang="en-US" dirty="0"/>
               <a:t>Error handling</a:t>
             </a:r>
             <a:endParaRPr lang="en-IN" dirty="0"/>
@@ -10268,12 +10073,8 @@
           </a:p>
           <a:p>
             <a:r>
-              <a:rPr lang="en-US" dirty="0" smtClean="0"/>
-              <a:t>Some </a:t>
-            </a:r>
-            <a:r>
               <a:rPr lang="en-US" dirty="0"/>
-              <a:t>of the errors that occurs in the files are listed below −</a:t>
+              <a:t>Some of the errors that occurs in the files are listed below −</a:t>
             </a:r>
           </a:p>
           <a:p>
@@ -10361,24 +10162,16 @@
           </a:bodyPr>
           <a:lstStyle/>
           <a:p>
-            <a:r>
-              <a:rPr lang="en-US" dirty="0" smtClean="0"/>
-              <a:t/>
-            </a:r>
             <a:br>
-              <a:rPr lang="en-US" dirty="0" smtClean="0"/>
+              <a:rPr lang="en-US" dirty="0"/>
             </a:br>
             <a:r>
-              <a:rPr lang="en-US" dirty="0" smtClean="0"/>
+              <a:rPr lang="en-US" dirty="0"/>
               <a:t>File handling : </a:t>
             </a:r>
             <a:r>
               <a:rPr lang="en-US" dirty="0" err="1"/>
-              <a:t>e</a:t>
-            </a:r>
-            <a:r>
-              <a:rPr lang="en-US" dirty="0" err="1" smtClean="0"/>
-              <a:t>rror.h</a:t>
+              <a:t>error.h</a:t>
             </a:r>
             <a:endParaRPr lang="en-IN" dirty="0"/>
           </a:p>
@@ -10409,15 +10202,7 @@
             <a:pPr algn="just"/>
             <a:r>
               <a:rPr lang="en-US" sz="2400" dirty="0"/>
-              <a:t> </a:t>
-            </a:r>
-            <a:r>
-              <a:rPr lang="en-US" sz="2400" dirty="0" smtClean="0"/>
-              <a:t>Few </a:t>
-            </a:r>
-            <a:r>
-              <a:rPr lang="en-US" sz="2400" dirty="0"/>
-              <a:t>methods and variables defined in </a:t>
+              <a:t> Few methods and variables defined in </a:t>
             </a:r>
             <a:r>
               <a:rPr lang="en-US" sz="2400" b="1" dirty="0" err="1"/>
@@ -10427,21 +10212,12 @@
               <a:rPr lang="en-US" sz="2400" dirty="0"/>
               <a:t> header file can be used to point out error using the return statement in a function. </a:t>
             </a:r>
-            <a:endParaRPr lang="en-US" sz="2400" dirty="0" smtClean="0"/>
           </a:p>
           <a:p>
             <a:pPr algn="just"/>
             <a:r>
               <a:rPr lang="en-US" sz="2400" dirty="0"/>
-              <a:t>in case of any error and a global </a:t>
-            </a:r>
-            <a:r>
-              <a:rPr lang="en-US" sz="2400" dirty="0" smtClean="0"/>
-              <a:t>variable</a:t>
-            </a:r>
-            <a:r>
-              <a:rPr lang="en-US" sz="2400" dirty="0"/>
-              <a:t> </a:t>
+              <a:t>in case of any error and a global variable </a:t>
             </a:r>
             <a:r>
               <a:rPr lang="en-US" sz="2400" b="1" dirty="0" err="1"/>
@@ -10449,11 +10225,7 @@
             </a:r>
             <a:r>
               <a:rPr lang="en-US" sz="2400" dirty="0"/>
-              <a:t> is set with the error </a:t>
-            </a:r>
-            <a:r>
-              <a:rPr lang="en-US" sz="2400" dirty="0" smtClean="0"/>
-              <a:t>code</a:t>
+              <a:t> is set with the error code</a:t>
             </a:r>
           </a:p>
           <a:p>
@@ -10486,8 +10258,20 @@
             <a:tbl>
               <a:tblPr/>
               <a:tblGrid>
-                <a:gridCol w="790450"/>
-                <a:gridCol w="3248149"/>
+                <a:gridCol w="790450">
+                  <a:extLst>
+                    <a:ext uri="{9D8B030D-6E8A-4147-A177-3AD203B41FA5}">
+                      <a16:colId xmlns:a16="http://schemas.microsoft.com/office/drawing/2014/main" val="20000"/>
+                    </a:ext>
+                  </a:extLst>
+                </a:gridCol>
+                <a:gridCol w="3248149">
+                  <a:extLst>
+                    <a:ext uri="{9D8B030D-6E8A-4147-A177-3AD203B41FA5}">
+                      <a16:colId xmlns:a16="http://schemas.microsoft.com/office/drawing/2014/main" val="20001"/>
+                    </a:ext>
+                  </a:extLst>
+                </a:gridCol>
               </a:tblGrid>
               <a:tr h="164892">
                 <a:tc>
@@ -10602,6 +10386,11 @@
                     </a:solidFill>
                   </a:tcPr>
                 </a:tc>
+                <a:extLst>
+                  <a:ext uri="{0D108BD9-81ED-4DB2-BD59-A6C34878D82A}">
+                    <a16:rowId xmlns:a16="http://schemas.microsoft.com/office/drawing/2014/main" val="10000"/>
+                  </a:ext>
+                </a:extLst>
               </a:tr>
               <a:tr h="164892">
                 <a:tc>
@@ -10714,6 +10503,11 @@
                     </a:solidFill>
                   </a:tcPr>
                 </a:tc>
+                <a:extLst>
+                  <a:ext uri="{0D108BD9-81ED-4DB2-BD59-A6C34878D82A}">
+                    <a16:rowId xmlns:a16="http://schemas.microsoft.com/office/drawing/2014/main" val="10001"/>
+                  </a:ext>
+                </a:extLst>
               </a:tr>
               <a:tr h="164892">
                 <a:tc>
@@ -10826,6 +10620,11 @@
                     </a:solidFill>
                   </a:tcPr>
                 </a:tc>
+                <a:extLst>
+                  <a:ext uri="{0D108BD9-81ED-4DB2-BD59-A6C34878D82A}">
+                    <a16:rowId xmlns:a16="http://schemas.microsoft.com/office/drawing/2014/main" val="10002"/>
+                  </a:ext>
+                </a:extLst>
               </a:tr>
               <a:tr h="164892">
                 <a:tc>
@@ -10938,6 +10737,11 @@
                     </a:solidFill>
                   </a:tcPr>
                 </a:tc>
+                <a:extLst>
+                  <a:ext uri="{0D108BD9-81ED-4DB2-BD59-A6C34878D82A}">
+                    <a16:rowId xmlns:a16="http://schemas.microsoft.com/office/drawing/2014/main" val="10003"/>
+                  </a:ext>
+                </a:extLst>
               </a:tr>
               <a:tr h="164892">
                 <a:tc>
@@ -11050,6 +10854,11 @@
                     </a:solidFill>
                   </a:tcPr>
                 </a:tc>
+                <a:extLst>
+                  <a:ext uri="{0D108BD9-81ED-4DB2-BD59-A6C34878D82A}">
+                    <a16:rowId xmlns:a16="http://schemas.microsoft.com/office/drawing/2014/main" val="10004"/>
+                  </a:ext>
+                </a:extLst>
               </a:tr>
               <a:tr h="164892">
                 <a:tc>
@@ -11162,6 +10971,11 @@
                     </a:solidFill>
                   </a:tcPr>
                 </a:tc>
+                <a:extLst>
+                  <a:ext uri="{0D108BD9-81ED-4DB2-BD59-A6C34878D82A}">
+                    <a16:rowId xmlns:a16="http://schemas.microsoft.com/office/drawing/2014/main" val="10005"/>
+                  </a:ext>
+                </a:extLst>
               </a:tr>
               <a:tr h="164892">
                 <a:tc>
@@ -11274,6 +11088,11 @@
                     </a:solidFill>
                   </a:tcPr>
                 </a:tc>
+                <a:extLst>
+                  <a:ext uri="{0D108BD9-81ED-4DB2-BD59-A6C34878D82A}">
+                    <a16:rowId xmlns:a16="http://schemas.microsoft.com/office/drawing/2014/main" val="10006"/>
+                  </a:ext>
+                </a:extLst>
               </a:tr>
               <a:tr h="164892">
                 <a:tc>
@@ -11386,6 +11205,11 @@
                     </a:solidFill>
                   </a:tcPr>
                 </a:tc>
+                <a:extLst>
+                  <a:ext uri="{0D108BD9-81ED-4DB2-BD59-A6C34878D82A}">
+                    <a16:rowId xmlns:a16="http://schemas.microsoft.com/office/drawing/2014/main" val="10007"/>
+                  </a:ext>
+                </a:extLst>
               </a:tr>
               <a:tr h="164892">
                 <a:tc>
@@ -11498,6 +11322,11 @@
                     </a:solidFill>
                   </a:tcPr>
                 </a:tc>
+                <a:extLst>
+                  <a:ext uri="{0D108BD9-81ED-4DB2-BD59-A6C34878D82A}">
+                    <a16:rowId xmlns:a16="http://schemas.microsoft.com/office/drawing/2014/main" val="10008"/>
+                  </a:ext>
+                </a:extLst>
               </a:tr>
               <a:tr h="164892">
                 <a:tc>
@@ -11610,6 +11439,11 @@
                     </a:solidFill>
                   </a:tcPr>
                 </a:tc>
+                <a:extLst>
+                  <a:ext uri="{0D108BD9-81ED-4DB2-BD59-A6C34878D82A}">
+                    <a16:rowId xmlns:a16="http://schemas.microsoft.com/office/drawing/2014/main" val="10009"/>
+                  </a:ext>
+                </a:extLst>
               </a:tr>
               <a:tr h="164892">
                 <a:tc>
@@ -11722,6 +11556,11 @@
                     </a:solidFill>
                   </a:tcPr>
                 </a:tc>
+                <a:extLst>
+                  <a:ext uri="{0D108BD9-81ED-4DB2-BD59-A6C34878D82A}">
+                    <a16:rowId xmlns:a16="http://schemas.microsoft.com/office/drawing/2014/main" val="10010"/>
+                  </a:ext>
+                </a:extLst>
               </a:tr>
               <a:tr h="164892">
                 <a:tc>
@@ -11834,6 +11673,11 @@
                     </a:solidFill>
                   </a:tcPr>
                 </a:tc>
+                <a:extLst>
+                  <a:ext uri="{0D108BD9-81ED-4DB2-BD59-A6C34878D82A}">
+                    <a16:rowId xmlns:a16="http://schemas.microsoft.com/office/drawing/2014/main" val="10011"/>
+                  </a:ext>
+                </a:extLst>
               </a:tr>
               <a:tr h="164892">
                 <a:tc>
@@ -11946,6 +11790,11 @@
                     </a:solidFill>
                   </a:tcPr>
                 </a:tc>
+                <a:extLst>
+                  <a:ext uri="{0D108BD9-81ED-4DB2-BD59-A6C34878D82A}">
+                    <a16:rowId xmlns:a16="http://schemas.microsoft.com/office/drawing/2014/main" val="10012"/>
+                  </a:ext>
+                </a:extLst>
               </a:tr>
               <a:tr h="164892">
                 <a:tc>
@@ -12058,6 +11907,11 @@
                     </a:solidFill>
                   </a:tcPr>
                 </a:tc>
+                <a:extLst>
+                  <a:ext uri="{0D108BD9-81ED-4DB2-BD59-A6C34878D82A}">
+                    <a16:rowId xmlns:a16="http://schemas.microsoft.com/office/drawing/2014/main" val="10013"/>
+                  </a:ext>
+                </a:extLst>
               </a:tr>
             </a:tbl>
           </a:graphicData>
@@ -12111,19 +11965,19 @@
           <a:lstStyle/>
           <a:p>
             <a:r>
-              <a:rPr lang="en-US" dirty="0" smtClean="0"/>
+              <a:rPr lang="en-US" dirty="0"/>
               <a:t>File handling : </a:t>
             </a:r>
             <a:r>
-              <a:rPr lang="en-US" dirty="0" err="1" smtClean="0"/>
+              <a:rPr lang="en-US" dirty="0" err="1"/>
               <a:t>stderr</a:t>
             </a:r>
             <a:r>
-              <a:rPr lang="en-US" dirty="0" smtClean="0"/>
+              <a:rPr lang="en-US" dirty="0"/>
               <a:t>, </a:t>
             </a:r>
             <a:r>
-              <a:rPr lang="en-US" dirty="0" err="1" smtClean="0"/>
+              <a:rPr lang="en-US" dirty="0" err="1"/>
               <a:t>perror,strerror</a:t>
             </a:r>
             <a:endParaRPr lang="en-IN" dirty="0"/>
@@ -12247,7 +12101,7 @@
           <a:lstStyle/>
           <a:p>
             <a:r>
-              <a:rPr lang="en-US" dirty="0" smtClean="0"/>
+              <a:rPr lang="en-US" dirty="0"/>
               <a:t>File types</a:t>
             </a:r>
             <a:endParaRPr lang="en-IN" dirty="0"/>
@@ -12280,7 +12134,7 @@
               <a:buNone/>
             </a:pPr>
             <a:r>
-              <a:rPr lang="en-US" dirty="0" smtClean="0">
+              <a:rPr lang="en-US" dirty="0">
                 <a:solidFill>
                   <a:srgbClr val="FF0000"/>
                 </a:solidFill>
@@ -12290,43 +12144,43 @@
           </a:p>
           <a:p>
             <a:r>
-              <a:rPr lang="en-US" dirty="0" smtClean="0"/>
+              <a:rPr lang="en-US" dirty="0"/>
               <a:t>Human readable</a:t>
             </a:r>
           </a:p>
           <a:p>
             <a:r>
-              <a:rPr lang="en-US" dirty="0" smtClean="0"/>
+              <a:rPr lang="en-US" dirty="0"/>
               <a:t>In a text file ,each line of data ends with a newline character.</a:t>
             </a:r>
           </a:p>
           <a:p>
             <a:r>
-              <a:rPr lang="en-US" dirty="0" smtClean="0"/>
+              <a:rPr lang="en-US" dirty="0"/>
               <a:t>Each file ends with a  special character called  the end-of-file (EOF).</a:t>
             </a:r>
           </a:p>
           <a:p>
             <a:r>
-              <a:rPr lang="en-US" dirty="0" smtClean="0"/>
+              <a:rPr lang="en-US" dirty="0"/>
               <a:t>Text file may be of internal or external representations.</a:t>
             </a:r>
           </a:p>
           <a:p>
             <a:r>
-              <a:rPr lang="en-US" dirty="0" err="1" smtClean="0"/>
+              <a:rPr lang="en-US" dirty="0" err="1"/>
               <a:t>Eg</a:t>
             </a:r>
             <a:r>
-              <a:rPr lang="en-US" dirty="0" smtClean="0"/>
+              <a:rPr lang="en-US" dirty="0"/>
               <a:t>: </a:t>
             </a:r>
             <a:r>
-              <a:rPr lang="en-US" dirty="0" err="1" smtClean="0"/>
+              <a:rPr lang="en-US" dirty="0" err="1"/>
               <a:t>Int</a:t>
             </a:r>
             <a:r>
-              <a:rPr lang="en-US" dirty="0" smtClean="0"/>
+              <a:rPr lang="en-US" dirty="0"/>
               <a:t> – internal 2 or 4 bytes</a:t>
             </a:r>
           </a:p>
@@ -12335,28 +12189,28 @@
               <a:buNone/>
             </a:pPr>
             <a:r>
-              <a:rPr lang="en-US" dirty="0" smtClean="0"/>
+              <a:rPr lang="en-US" dirty="0"/>
               <a:t>                    external  : string of characters as decimal or 			    hexadecimal (conversion by </a:t>
             </a:r>
             <a:r>
-              <a:rPr lang="en-US" dirty="0" err="1" smtClean="0"/>
+              <a:rPr lang="en-US" dirty="0" err="1"/>
               <a:t>printf</a:t>
             </a:r>
             <a:r>
-              <a:rPr lang="en-US" dirty="0" smtClean="0"/>
+              <a:rPr lang="en-US" dirty="0"/>
               <a:t> 			    and </a:t>
             </a:r>
             <a:r>
-              <a:rPr lang="en-US" dirty="0" err="1" smtClean="0"/>
+              <a:rPr lang="en-US" dirty="0" err="1"/>
               <a:t>scanf</a:t>
             </a:r>
             <a:r>
-              <a:rPr lang="en-US" dirty="0" smtClean="0"/>
+              <a:rPr lang="en-US" dirty="0"/>
               <a:t>)</a:t>
             </a:r>
           </a:p>
           <a:p>
-            <a:endParaRPr lang="en-US" dirty="0" smtClean="0"/>
+            <a:endParaRPr lang="en-US" dirty="0"/>
           </a:p>
           <a:p>
             <a:endParaRPr lang="en-IN" dirty="0"/>
@@ -12416,7 +12270,7 @@
           <a:lstStyle/>
           <a:p>
             <a:r>
-              <a:rPr lang="en-US" dirty="0" smtClean="0"/>
+              <a:rPr lang="en-US" dirty="0"/>
               <a:t>File handling: Example</a:t>
             </a:r>
             <a:endParaRPr lang="en-IN" dirty="0"/>
@@ -12449,15 +12303,15 @@
               <a:buNone/>
             </a:pPr>
             <a:r>
-              <a:rPr lang="en-IN" dirty="0" smtClean="0"/>
+              <a:rPr lang="en-IN" dirty="0"/>
               <a:t>#include &lt;</a:t>
             </a:r>
             <a:r>
-              <a:rPr lang="en-IN" dirty="0" err="1" smtClean="0"/>
+              <a:rPr lang="en-IN" dirty="0" err="1"/>
               <a:t>stdio.h</a:t>
             </a:r>
             <a:r>
-              <a:rPr lang="en-IN" dirty="0" smtClean="0"/>
+              <a:rPr lang="en-IN" dirty="0"/>
               <a:t>&gt;</a:t>
             </a:r>
           </a:p>
@@ -12466,15 +12320,15 @@
               <a:buNone/>
             </a:pPr>
             <a:r>
-              <a:rPr lang="en-IN" dirty="0" smtClean="0"/>
+              <a:rPr lang="en-IN" dirty="0"/>
               <a:t>#include &lt;</a:t>
             </a:r>
             <a:r>
-              <a:rPr lang="en-IN" dirty="0" err="1" smtClean="0"/>
+              <a:rPr lang="en-IN" dirty="0" err="1"/>
               <a:t>errno.h</a:t>
             </a:r>
             <a:r>
-              <a:rPr lang="en-IN" dirty="0" smtClean="0"/>
+              <a:rPr lang="en-IN" dirty="0"/>
               <a:t>&gt;</a:t>
             </a:r>
           </a:p>
@@ -12483,15 +12337,15 @@
               <a:buNone/>
             </a:pPr>
             <a:r>
-              <a:rPr lang="en-IN" dirty="0" smtClean="0"/>
+              <a:rPr lang="en-IN" dirty="0"/>
               <a:t>#include &lt;</a:t>
             </a:r>
             <a:r>
-              <a:rPr lang="en-IN" dirty="0" err="1" smtClean="0"/>
+              <a:rPr lang="en-IN" dirty="0" err="1"/>
               <a:t>string.h</a:t>
             </a:r>
             <a:r>
-              <a:rPr lang="en-IN" dirty="0" smtClean="0"/>
+              <a:rPr lang="en-IN" dirty="0"/>
               <a:t>&gt;</a:t>
             </a:r>
           </a:p>
@@ -12500,19 +12354,19 @@
               <a:buNone/>
             </a:pPr>
             <a:r>
-              <a:rPr lang="en-IN" dirty="0" err="1" smtClean="0"/>
+              <a:rPr lang="en-IN" dirty="0" err="1"/>
               <a:t>int</a:t>
             </a:r>
             <a:r>
-              <a:rPr lang="en-IN" dirty="0" smtClean="0"/>
+              <a:rPr lang="en-IN" dirty="0"/>
               <a:t> </a:t>
             </a:r>
             <a:r>
-              <a:rPr lang="en-IN" dirty="0" err="1" smtClean="0"/>
+              <a:rPr lang="en-IN" dirty="0" err="1"/>
               <a:t>errno</a:t>
             </a:r>
             <a:r>
-              <a:rPr lang="en-IN" dirty="0" smtClean="0"/>
+              <a:rPr lang="en-IN" dirty="0"/>
               <a:t> ;</a:t>
             </a:r>
           </a:p>
@@ -12521,11 +12375,11 @@
               <a:buNone/>
             </a:pPr>
             <a:r>
-              <a:rPr lang="en-IN" dirty="0" err="1" smtClean="0"/>
+              <a:rPr lang="en-IN" dirty="0" err="1"/>
               <a:t>int</a:t>
             </a:r>
             <a:r>
-              <a:rPr lang="en-IN" dirty="0" smtClean="0"/>
+              <a:rPr lang="en-IN" dirty="0"/>
               <a:t> main () {</a:t>
             </a:r>
           </a:p>
@@ -12534,7 +12388,7 @@
               <a:buNone/>
             </a:pPr>
             <a:r>
-              <a:rPr lang="en-IN" dirty="0" smtClean="0"/>
+              <a:rPr lang="en-IN" dirty="0"/>
               <a:t>   FILE * pf;</a:t>
             </a:r>
           </a:p>
@@ -12543,23 +12397,23 @@
               <a:buNone/>
             </a:pPr>
             <a:r>
-              <a:rPr lang="en-IN" dirty="0" smtClean="0"/>
+              <a:rPr lang="en-IN" dirty="0"/>
               <a:t>   </a:t>
             </a:r>
             <a:r>
-              <a:rPr lang="en-IN" dirty="0" err="1" smtClean="0"/>
+              <a:rPr lang="en-IN" dirty="0" err="1"/>
               <a:t>int</a:t>
             </a:r>
             <a:r>
-              <a:rPr lang="en-IN" dirty="0" smtClean="0"/>
+              <a:rPr lang="en-IN" dirty="0"/>
               <a:t> </a:t>
             </a:r>
             <a:r>
-              <a:rPr lang="en-IN" dirty="0" err="1" smtClean="0"/>
+              <a:rPr lang="en-IN" dirty="0" err="1"/>
               <a:t>errnum</a:t>
             </a:r>
             <a:r>
-              <a:rPr lang="en-IN" dirty="0" smtClean="0"/>
+              <a:rPr lang="en-IN" dirty="0"/>
               <a:t>;</a:t>
             </a:r>
           </a:p>
@@ -12568,15 +12422,15 @@
               <a:buNone/>
             </a:pPr>
             <a:r>
-              <a:rPr lang="en-IN" dirty="0" smtClean="0"/>
+              <a:rPr lang="en-IN" dirty="0"/>
               <a:t>   pf = </a:t>
             </a:r>
             <a:r>
-              <a:rPr lang="en-IN" dirty="0" err="1" smtClean="0"/>
+              <a:rPr lang="en-IN" dirty="0" err="1"/>
               <a:t>fopen</a:t>
             </a:r>
             <a:r>
-              <a:rPr lang="en-IN" dirty="0" smtClean="0"/>
+              <a:rPr lang="en-IN" dirty="0"/>
               <a:t> ("file3.txt", "r");</a:t>
             </a:r>
           </a:p>
@@ -12585,7 +12439,7 @@
               <a:buNone/>
             </a:pPr>
             <a:r>
-              <a:rPr lang="en-IN" dirty="0" smtClean="0"/>
+              <a:rPr lang="en-IN" dirty="0"/>
               <a:t>   if (pf == NULL) {</a:t>
             </a:r>
           </a:p>
@@ -12594,23 +12448,23 @@
               <a:buNone/>
             </a:pPr>
             <a:r>
-              <a:rPr lang="en-IN" dirty="0" smtClean="0"/>
+              <a:rPr lang="en-IN" dirty="0"/>
               <a:t>      </a:t>
             </a:r>
             <a:r>
-              <a:rPr lang="en-IN" dirty="0" err="1" smtClean="0"/>
+              <a:rPr lang="en-IN" dirty="0" err="1"/>
               <a:t>errnum</a:t>
             </a:r>
             <a:r>
-              <a:rPr lang="en-IN" dirty="0" smtClean="0"/>
+              <a:rPr lang="en-IN" dirty="0"/>
               <a:t> = </a:t>
             </a:r>
             <a:r>
-              <a:rPr lang="en-IN" dirty="0" err="1" smtClean="0"/>
+              <a:rPr lang="en-IN" dirty="0" err="1"/>
               <a:t>errno</a:t>
             </a:r>
             <a:r>
-              <a:rPr lang="en-IN" dirty="0" smtClean="0"/>
+              <a:rPr lang="en-IN" dirty="0"/>
               <a:t>;</a:t>
             </a:r>
           </a:p>
@@ -12619,39 +12473,39 @@
               <a:buNone/>
             </a:pPr>
             <a:r>
-              <a:rPr lang="en-IN" dirty="0" smtClean="0"/>
+              <a:rPr lang="en-IN" dirty="0"/>
               <a:t>      </a:t>
             </a:r>
             <a:r>
-              <a:rPr lang="en-IN" dirty="0" err="1" smtClean="0"/>
+              <a:rPr lang="en-IN" dirty="0" err="1"/>
               <a:t>fprintf</a:t>
             </a:r>
             <a:r>
-              <a:rPr lang="en-IN" dirty="0" smtClean="0"/>
+              <a:rPr lang="en-IN" dirty="0"/>
               <a:t>(</a:t>
             </a:r>
             <a:r>
-              <a:rPr lang="en-IN" dirty="0" err="1" smtClean="0"/>
+              <a:rPr lang="en-IN" dirty="0" err="1"/>
               <a:t>stderr</a:t>
             </a:r>
             <a:r>
-              <a:rPr lang="en-IN" dirty="0" smtClean="0"/>
+              <a:rPr lang="en-IN" dirty="0"/>
               <a:t>, "Value of </a:t>
             </a:r>
             <a:r>
-              <a:rPr lang="en-IN" dirty="0" err="1" smtClean="0"/>
+              <a:rPr lang="en-IN" dirty="0" err="1"/>
               <a:t>errno</a:t>
             </a:r>
             <a:r>
-              <a:rPr lang="en-IN" dirty="0" smtClean="0"/>
+              <a:rPr lang="en-IN" dirty="0"/>
               <a:t>: %d\n", </a:t>
             </a:r>
             <a:r>
-              <a:rPr lang="en-IN" dirty="0" err="1" smtClean="0"/>
+              <a:rPr lang="en-IN" dirty="0" err="1"/>
               <a:t>errno</a:t>
             </a:r>
             <a:r>
-              <a:rPr lang="en-IN" dirty="0" smtClean="0"/>
+              <a:rPr lang="en-IN" dirty="0"/>
               <a:t>);</a:t>
             </a:r>
           </a:p>
@@ -12660,23 +12514,23 @@
               <a:buNone/>
             </a:pPr>
             <a:r>
-              <a:rPr lang="en-IN" dirty="0" smtClean="0"/>
+              <a:rPr lang="en-IN" dirty="0"/>
               <a:t>      </a:t>
             </a:r>
             <a:r>
-              <a:rPr lang="en-IN" dirty="0" err="1" smtClean="0"/>
+              <a:rPr lang="en-IN" dirty="0" err="1"/>
               <a:t>perror</a:t>
             </a:r>
             <a:r>
-              <a:rPr lang="en-IN" dirty="0" smtClean="0"/>
+              <a:rPr lang="en-IN" dirty="0"/>
               <a:t>("Error printed by </a:t>
             </a:r>
             <a:r>
-              <a:rPr lang="en-IN" dirty="0" err="1" smtClean="0"/>
+              <a:rPr lang="en-IN" dirty="0" err="1"/>
               <a:t>perror</a:t>
             </a:r>
             <a:r>
-              <a:rPr lang="en-IN" dirty="0" smtClean="0"/>
+              <a:rPr lang="en-IN" dirty="0"/>
               <a:t>");</a:t>
             </a:r>
           </a:p>
@@ -12685,39 +12539,39 @@
               <a:buNone/>
             </a:pPr>
             <a:r>
-              <a:rPr lang="en-IN" dirty="0" smtClean="0"/>
+              <a:rPr lang="en-IN" dirty="0"/>
               <a:t>      </a:t>
             </a:r>
             <a:r>
-              <a:rPr lang="en-IN" dirty="0" err="1" smtClean="0"/>
+              <a:rPr lang="en-IN" dirty="0" err="1"/>
               <a:t>fprintf</a:t>
             </a:r>
             <a:r>
-              <a:rPr lang="en-IN" dirty="0" smtClean="0"/>
+              <a:rPr lang="en-IN" dirty="0"/>
               <a:t>(</a:t>
             </a:r>
             <a:r>
-              <a:rPr lang="en-IN" dirty="0" err="1" smtClean="0"/>
+              <a:rPr lang="en-IN" dirty="0" err="1"/>
               <a:t>stderr</a:t>
             </a:r>
             <a:r>
-              <a:rPr lang="en-IN" dirty="0" smtClean="0"/>
+              <a:rPr lang="en-IN" dirty="0"/>
               <a:t>, "Error opening file: %s\n", </a:t>
             </a:r>
             <a:r>
-              <a:rPr lang="en-IN" dirty="0" err="1" smtClean="0"/>
+              <a:rPr lang="en-IN" dirty="0" err="1"/>
               <a:t>strerror</a:t>
             </a:r>
             <a:r>
-              <a:rPr lang="en-IN" dirty="0" smtClean="0"/>
+              <a:rPr lang="en-IN" dirty="0"/>
               <a:t>( </a:t>
             </a:r>
             <a:r>
-              <a:rPr lang="en-IN" dirty="0" err="1" smtClean="0"/>
+              <a:rPr lang="en-IN" dirty="0" err="1"/>
               <a:t>errnum</a:t>
             </a:r>
             <a:r>
-              <a:rPr lang="en-IN" dirty="0" smtClean="0"/>
+              <a:rPr lang="en-IN" dirty="0"/>
               <a:t> ));</a:t>
             </a:r>
           </a:p>
@@ -12726,7 +12580,7 @@
               <a:buNone/>
             </a:pPr>
             <a:r>
-              <a:rPr lang="en-IN" dirty="0" smtClean="0"/>
+              <a:rPr lang="en-IN" dirty="0"/>
               <a:t>   } else {</a:t>
             </a:r>
           </a:p>
@@ -12735,15 +12589,15 @@
               <a:buNone/>
             </a:pPr>
             <a:r>
-              <a:rPr lang="en-IN" dirty="0" smtClean="0"/>
+              <a:rPr lang="en-IN" dirty="0"/>
               <a:t>     </a:t>
             </a:r>
             <a:r>
-              <a:rPr lang="en-IN" dirty="0" err="1" smtClean="0"/>
+              <a:rPr lang="en-IN" dirty="0" err="1"/>
               <a:t>fclose</a:t>
             </a:r>
             <a:r>
-              <a:rPr lang="en-IN" dirty="0" smtClean="0"/>
+              <a:rPr lang="en-IN" dirty="0"/>
               <a:t> (pf);</a:t>
             </a:r>
           </a:p>
@@ -12752,7 +12606,7 @@
               <a:buNone/>
             </a:pPr>
             <a:r>
-              <a:rPr lang="en-IN" dirty="0" smtClean="0"/>
+              <a:rPr lang="en-IN" dirty="0"/>
               <a:t>   }</a:t>
             </a:r>
           </a:p>
@@ -12761,7 +12615,7 @@
               <a:buNone/>
             </a:pPr>
             <a:r>
-              <a:rPr lang="en-IN" dirty="0" smtClean="0"/>
+              <a:rPr lang="en-IN" dirty="0"/>
               <a:t>   return 0;</a:t>
             </a:r>
           </a:p>
@@ -12770,7 +12624,7 @@
               <a:buNone/>
             </a:pPr>
             <a:r>
-              <a:rPr lang="en-IN" dirty="0" smtClean="0"/>
+              <a:rPr lang="en-IN" dirty="0"/>
               <a:t>}</a:t>
             </a:r>
           </a:p>
@@ -12851,15 +12705,15 @@
               <a:buNone/>
             </a:pPr>
             <a:r>
-              <a:rPr lang="en-IN" dirty="0" smtClean="0"/>
+              <a:rPr lang="en-IN" dirty="0"/>
               <a:t>#include &lt;</a:t>
             </a:r>
             <a:r>
-              <a:rPr lang="en-IN" dirty="0" err="1" smtClean="0"/>
+              <a:rPr lang="en-IN" dirty="0" err="1"/>
               <a:t>stdio.h</a:t>
             </a:r>
             <a:r>
-              <a:rPr lang="en-IN" dirty="0" smtClean="0"/>
+              <a:rPr lang="en-IN" dirty="0"/>
               <a:t>&gt;</a:t>
             </a:r>
           </a:p>
@@ -12868,15 +12722,15 @@
               <a:buNone/>
             </a:pPr>
             <a:r>
-              <a:rPr lang="en-IN" dirty="0" smtClean="0"/>
+              <a:rPr lang="en-IN" dirty="0"/>
               <a:t>#include &lt;</a:t>
             </a:r>
             <a:r>
-              <a:rPr lang="en-IN" dirty="0" err="1" smtClean="0"/>
+              <a:rPr lang="en-IN" dirty="0" err="1"/>
               <a:t>stdlib.h</a:t>
             </a:r>
             <a:r>
-              <a:rPr lang="en-IN" dirty="0" smtClean="0"/>
+              <a:rPr lang="en-IN" dirty="0"/>
               <a:t>&gt;</a:t>
             </a:r>
           </a:p>
@@ -12885,7 +12739,7 @@
               <a:buNone/>
             </a:pPr>
             <a:r>
-              <a:rPr lang="en-IN" dirty="0" smtClean="0"/>
+              <a:rPr lang="en-IN" dirty="0"/>
               <a:t>main() {</a:t>
             </a:r>
           </a:p>
@@ -12894,15 +12748,15 @@
               <a:buNone/>
             </a:pPr>
             <a:r>
-              <a:rPr lang="en-IN" dirty="0" smtClean="0"/>
+              <a:rPr lang="en-IN" dirty="0"/>
               <a:t>   </a:t>
             </a:r>
             <a:r>
-              <a:rPr lang="en-IN" dirty="0" err="1" smtClean="0"/>
+              <a:rPr lang="en-IN" dirty="0" err="1"/>
               <a:t>int</a:t>
             </a:r>
             <a:r>
-              <a:rPr lang="en-IN" dirty="0" smtClean="0"/>
+              <a:rPr lang="en-IN" dirty="0"/>
               <a:t> a = 20;</a:t>
             </a:r>
           </a:p>
@@ -12911,15 +12765,15 @@
               <a:buNone/>
             </a:pPr>
             <a:r>
-              <a:rPr lang="en-IN" dirty="0" smtClean="0"/>
+              <a:rPr lang="en-IN" dirty="0"/>
               <a:t>   </a:t>
             </a:r>
             <a:r>
-              <a:rPr lang="en-IN" dirty="0" err="1" smtClean="0"/>
+              <a:rPr lang="en-IN" dirty="0" err="1"/>
               <a:t>int</a:t>
             </a:r>
             <a:r>
-              <a:rPr lang="en-IN" dirty="0" smtClean="0"/>
+              <a:rPr lang="en-IN" dirty="0"/>
               <a:t> b = 0;</a:t>
             </a:r>
           </a:p>
@@ -12928,15 +12782,15 @@
               <a:buNone/>
             </a:pPr>
             <a:r>
-              <a:rPr lang="en-IN" dirty="0" smtClean="0"/>
+              <a:rPr lang="en-IN" dirty="0"/>
               <a:t>   </a:t>
             </a:r>
             <a:r>
-              <a:rPr lang="en-IN" dirty="0" err="1" smtClean="0"/>
+              <a:rPr lang="en-IN" dirty="0" err="1"/>
               <a:t>int</a:t>
             </a:r>
             <a:r>
-              <a:rPr lang="en-IN" dirty="0" smtClean="0"/>
+              <a:rPr lang="en-IN" dirty="0"/>
               <a:t> c;</a:t>
             </a:r>
           </a:p>
@@ -12945,7 +12799,7 @@
               <a:buNone/>
             </a:pPr>
             <a:r>
-              <a:rPr lang="en-IN" dirty="0" smtClean="0"/>
+              <a:rPr lang="en-IN" dirty="0"/>
               <a:t>    if( b == 0){</a:t>
             </a:r>
           </a:p>
@@ -12954,23 +12808,23 @@
               <a:buNone/>
             </a:pPr>
             <a:r>
-              <a:rPr lang="en-IN" dirty="0" smtClean="0"/>
+              <a:rPr lang="en-IN" dirty="0"/>
               <a:t>      </a:t>
             </a:r>
             <a:r>
-              <a:rPr lang="en-IN" dirty="0" err="1" smtClean="0"/>
+              <a:rPr lang="en-IN" dirty="0" err="1"/>
               <a:t>fprintf</a:t>
             </a:r>
             <a:r>
-              <a:rPr lang="en-IN" dirty="0" smtClean="0"/>
+              <a:rPr lang="en-IN" dirty="0"/>
               <a:t>(</a:t>
             </a:r>
             <a:r>
-              <a:rPr lang="en-IN" dirty="0" err="1" smtClean="0"/>
+              <a:rPr lang="en-IN" dirty="0" err="1"/>
               <a:t>stderr</a:t>
             </a:r>
             <a:r>
-              <a:rPr lang="en-IN" dirty="0" smtClean="0"/>
+              <a:rPr lang="en-IN" dirty="0"/>
               <a:t>, "Division by zero! Exiting...\n");</a:t>
             </a:r>
           </a:p>
@@ -12979,7 +12833,7 @@
               <a:buNone/>
             </a:pPr>
             <a:r>
-              <a:rPr lang="en-IN" dirty="0" smtClean="0"/>
+              <a:rPr lang="en-IN" dirty="0"/>
               <a:t>      exit(-1);</a:t>
             </a:r>
           </a:p>
@@ -12988,7 +12842,7 @@
               <a:buNone/>
             </a:pPr>
             <a:r>
-              <a:rPr lang="en-IN" dirty="0" smtClean="0"/>
+              <a:rPr lang="en-IN" dirty="0"/>
               <a:t>   }</a:t>
             </a:r>
           </a:p>
@@ -12997,7 +12851,7 @@
               <a:buNone/>
             </a:pPr>
             <a:r>
-              <a:rPr lang="en-IN" dirty="0" smtClean="0"/>
+              <a:rPr lang="en-IN" dirty="0"/>
               <a:t>    c = a / b;</a:t>
             </a:r>
           </a:p>
@@ -13006,23 +12860,23 @@
               <a:buNone/>
             </a:pPr>
             <a:r>
-              <a:rPr lang="en-IN" dirty="0" smtClean="0"/>
+              <a:rPr lang="en-IN" dirty="0"/>
               <a:t>   </a:t>
             </a:r>
             <a:r>
-              <a:rPr lang="en-IN" dirty="0" err="1" smtClean="0"/>
+              <a:rPr lang="en-IN" dirty="0" err="1"/>
               <a:t>fprintf</a:t>
             </a:r>
             <a:r>
-              <a:rPr lang="en-IN" dirty="0" smtClean="0"/>
+              <a:rPr lang="en-IN" dirty="0"/>
               <a:t>(</a:t>
             </a:r>
             <a:r>
-              <a:rPr lang="en-IN" dirty="0" err="1" smtClean="0"/>
+              <a:rPr lang="en-IN" dirty="0" err="1"/>
               <a:t>stderr</a:t>
             </a:r>
             <a:r>
-              <a:rPr lang="en-IN" dirty="0" smtClean="0"/>
+              <a:rPr lang="en-IN" dirty="0"/>
               <a:t>, "Value of quotient : %d\n", c );</a:t>
             </a:r>
           </a:p>
@@ -13031,7 +12885,7 @@
               <a:buNone/>
             </a:pPr>
             <a:r>
-              <a:rPr lang="en-IN" dirty="0" smtClean="0"/>
+              <a:rPr lang="en-IN" dirty="0"/>
               <a:t>   exit(0);</a:t>
             </a:r>
           </a:p>
@@ -13040,7 +12894,7 @@
               <a:buNone/>
             </a:pPr>
             <a:r>
-              <a:rPr lang="en-IN" dirty="0" smtClean="0"/>
+              <a:rPr lang="en-IN" dirty="0"/>
               <a:t>}</a:t>
             </a:r>
           </a:p>
@@ -13100,15 +12954,15 @@
           <a:lstStyle/>
           <a:p>
             <a:r>
-              <a:rPr lang="en-US" dirty="0" smtClean="0"/>
+              <a:rPr lang="en-US" dirty="0"/>
               <a:t>File handling :</a:t>
             </a:r>
             <a:r>
-              <a:rPr lang="en-US" dirty="0" err="1" smtClean="0"/>
+              <a:rPr lang="en-US" dirty="0" err="1"/>
               <a:t>ferror</a:t>
             </a:r>
             <a:r>
-              <a:rPr lang="en-US" dirty="0" smtClean="0"/>
+              <a:rPr lang="en-US" dirty="0"/>
               <a:t>()</a:t>
             </a:r>
             <a:endParaRPr lang="en-IN" dirty="0"/>
@@ -13153,7 +13007,7 @@
               <a:buNone/>
             </a:pPr>
             <a:r>
-              <a:rPr lang="en-US" dirty="0" smtClean="0">
+              <a:rPr lang="en-US" dirty="0">
                 <a:solidFill>
                   <a:srgbClr val="FF0000"/>
                 </a:solidFill>
@@ -13161,7 +13015,7 @@
               <a:t>	</a:t>
             </a:r>
             <a:r>
-              <a:rPr lang="en-US" dirty="0" err="1" smtClean="0">
+              <a:rPr lang="en-US" dirty="0" err="1">
                 <a:solidFill>
                   <a:srgbClr val="FF0000"/>
                 </a:solidFill>
@@ -13169,7 +13023,7 @@
               <a:t>int</a:t>
             </a:r>
             <a:r>
-              <a:rPr lang="en-US" dirty="0" smtClean="0">
+              <a:rPr lang="en-US" dirty="0">
                 <a:solidFill>
                   <a:srgbClr val="FF0000"/>
                 </a:solidFill>
@@ -13177,7 +13031,7 @@
               <a:t> </a:t>
             </a:r>
             <a:r>
-              <a:rPr lang="en-US" dirty="0" err="1" smtClean="0">
+              <a:rPr lang="en-US" dirty="0" err="1">
                 <a:solidFill>
                   <a:srgbClr val="FF0000"/>
                 </a:solidFill>
@@ -13185,7 +13039,7 @@
               <a:t>ferror</a:t>
             </a:r>
             <a:r>
-              <a:rPr lang="en-US" dirty="0" smtClean="0">
+              <a:rPr lang="en-US" dirty="0">
                 <a:solidFill>
                   <a:srgbClr val="FF0000"/>
                 </a:solidFill>
@@ -13198,7 +13052,7 @@
               <a:rPr lang="en-US" dirty="0"/>
               <a:t>It returns zero, if it is a success and returns as non-zero in other cases.</a:t>
             </a:r>
-            <a:endParaRPr lang="en-US" dirty="0" smtClean="0">
+            <a:endParaRPr lang="en-US" dirty="0">
               <a:solidFill>
                 <a:srgbClr val="FF0000"/>
               </a:solidFill>
@@ -13208,7 +13062,7 @@
             <a:pPr marL="0" indent="0">
               <a:buNone/>
             </a:pPr>
-            <a:endParaRPr lang="en-US" dirty="0" smtClean="0">
+            <a:endParaRPr lang="en-US" dirty="0">
               <a:solidFill>
                 <a:srgbClr val="FF0000"/>
               </a:solidFill>
@@ -13219,15 +13073,15 @@
               <a:buNone/>
             </a:pPr>
             <a:r>
-              <a:rPr lang="en-IN" dirty="0" smtClean="0"/>
+              <a:rPr lang="en-IN" dirty="0"/>
               <a:t>#include &lt;</a:t>
             </a:r>
             <a:r>
-              <a:rPr lang="en-IN" dirty="0" err="1" smtClean="0"/>
+              <a:rPr lang="en-IN" dirty="0" err="1"/>
               <a:t>stdio.h</a:t>
             </a:r>
             <a:r>
-              <a:rPr lang="en-IN" dirty="0" smtClean="0"/>
+              <a:rPr lang="en-IN" dirty="0"/>
               <a:t>&gt;</a:t>
             </a:r>
           </a:p>
@@ -13236,11 +13090,11 @@
               <a:buNone/>
             </a:pPr>
             <a:r>
-              <a:rPr lang="en-IN" dirty="0" err="1" smtClean="0"/>
+              <a:rPr lang="en-IN" dirty="0" err="1"/>
               <a:t>int</a:t>
             </a:r>
             <a:r>
-              <a:rPr lang="en-IN" dirty="0" smtClean="0"/>
+              <a:rPr lang="en-IN" dirty="0"/>
               <a:t> main () {</a:t>
             </a:r>
           </a:p>
@@ -13249,15 +13103,15 @@
               <a:buNone/>
             </a:pPr>
             <a:r>
-              <a:rPr lang="en-IN" dirty="0" smtClean="0"/>
+              <a:rPr lang="en-IN" dirty="0"/>
               <a:t>   FILE *</a:t>
             </a:r>
             <a:r>
-              <a:rPr lang="en-IN" dirty="0" err="1" smtClean="0"/>
+              <a:rPr lang="en-IN" dirty="0" err="1"/>
               <a:t>fp</a:t>
             </a:r>
             <a:r>
-              <a:rPr lang="en-IN" dirty="0" smtClean="0"/>
+              <a:rPr lang="en-IN" dirty="0"/>
               <a:t>;</a:t>
             </a:r>
           </a:p>
@@ -13266,7 +13120,7 @@
               <a:buNone/>
             </a:pPr>
             <a:r>
-              <a:rPr lang="en-IN" dirty="0" smtClean="0"/>
+              <a:rPr lang="en-IN" dirty="0"/>
               <a:t>   char c;</a:t>
             </a:r>
           </a:p>
@@ -13275,23 +13129,23 @@
               <a:buNone/>
             </a:pPr>
             <a:r>
-              <a:rPr lang="en-IN" dirty="0" smtClean="0"/>
+              <a:rPr lang="en-IN" dirty="0"/>
               <a:t>   </a:t>
             </a:r>
             <a:r>
-              <a:rPr lang="en-IN" dirty="0" err="1" smtClean="0"/>
+              <a:rPr lang="en-IN" dirty="0" err="1"/>
               <a:t>fp</a:t>
             </a:r>
             <a:r>
-              <a:rPr lang="en-IN" dirty="0" smtClean="0"/>
+              <a:rPr lang="en-IN" dirty="0"/>
               <a:t> = </a:t>
             </a:r>
             <a:r>
-              <a:rPr lang="en-IN" dirty="0" err="1" smtClean="0"/>
+              <a:rPr lang="en-IN" dirty="0" err="1"/>
               <a:t>fopen</a:t>
             </a:r>
             <a:r>
-              <a:rPr lang="en-IN" dirty="0" smtClean="0"/>
+              <a:rPr lang="en-IN" dirty="0"/>
               <a:t>("file.txt", "w");</a:t>
             </a:r>
           </a:p>
@@ -13300,23 +13154,23 @@
               <a:buNone/>
             </a:pPr>
             <a:r>
-              <a:rPr lang="en-IN" dirty="0" smtClean="0"/>
+              <a:rPr lang="en-IN" dirty="0"/>
               <a:t>   c = </a:t>
             </a:r>
             <a:r>
-              <a:rPr lang="en-IN" dirty="0" err="1" smtClean="0"/>
+              <a:rPr lang="en-IN" dirty="0" err="1"/>
               <a:t>fgetc</a:t>
             </a:r>
             <a:r>
-              <a:rPr lang="en-IN" dirty="0" smtClean="0"/>
+              <a:rPr lang="en-IN" dirty="0"/>
               <a:t>(</a:t>
             </a:r>
             <a:r>
-              <a:rPr lang="en-IN" dirty="0" err="1" smtClean="0"/>
+              <a:rPr lang="en-IN" dirty="0" err="1"/>
               <a:t>fp</a:t>
             </a:r>
             <a:r>
-              <a:rPr lang="en-IN" dirty="0" smtClean="0"/>
+              <a:rPr lang="en-IN" dirty="0"/>
               <a:t>);</a:t>
             </a:r>
           </a:p>
@@ -13325,23 +13179,23 @@
               <a:buNone/>
             </a:pPr>
             <a:r>
-              <a:rPr lang="en-IN" dirty="0" smtClean="0"/>
+              <a:rPr lang="en-IN" dirty="0"/>
               <a:t>   if( </a:t>
             </a:r>
             <a:r>
-              <a:rPr lang="en-IN" dirty="0" err="1" smtClean="0"/>
+              <a:rPr lang="en-IN" dirty="0" err="1"/>
               <a:t>ferror</a:t>
             </a:r>
             <a:r>
-              <a:rPr lang="en-IN" dirty="0" smtClean="0"/>
+              <a:rPr lang="en-IN" dirty="0"/>
               <a:t>(</a:t>
             </a:r>
             <a:r>
-              <a:rPr lang="en-IN" dirty="0" err="1" smtClean="0"/>
+              <a:rPr lang="en-IN" dirty="0" err="1"/>
               <a:t>fp</a:t>
             </a:r>
             <a:r>
-              <a:rPr lang="en-IN" dirty="0" smtClean="0"/>
+              <a:rPr lang="en-IN" dirty="0"/>
               <a:t>) ) {</a:t>
             </a:r>
           </a:p>
@@ -13350,15 +13204,15 @@
               <a:buNone/>
             </a:pPr>
             <a:r>
-              <a:rPr lang="en-IN" dirty="0" smtClean="0"/>
+              <a:rPr lang="en-IN" dirty="0"/>
               <a:t>      </a:t>
             </a:r>
             <a:r>
-              <a:rPr lang="en-IN" dirty="0" err="1" smtClean="0"/>
+              <a:rPr lang="en-IN" dirty="0" err="1"/>
               <a:t>printf</a:t>
             </a:r>
             <a:r>
-              <a:rPr lang="en-IN" dirty="0" smtClean="0"/>
+              <a:rPr lang="en-IN" dirty="0"/>
               <a:t>("Error in reading from file : file.txt\n");</a:t>
             </a:r>
           </a:p>
@@ -13367,7 +13221,7 @@
               <a:buNone/>
             </a:pPr>
             <a:r>
-              <a:rPr lang="en-IN" dirty="0" smtClean="0"/>
+              <a:rPr lang="en-IN" dirty="0"/>
               <a:t>   }</a:t>
             </a:r>
           </a:p>
@@ -13376,23 +13230,23 @@
               <a:buNone/>
             </a:pPr>
             <a:r>
-              <a:rPr lang="en-IN" dirty="0" smtClean="0"/>
+              <a:rPr lang="en-IN" dirty="0"/>
               <a:t>   </a:t>
             </a:r>
             <a:r>
-              <a:rPr lang="en-IN" dirty="0" err="1" smtClean="0"/>
+              <a:rPr lang="en-IN" dirty="0" err="1"/>
               <a:t>clearerr</a:t>
             </a:r>
             <a:r>
-              <a:rPr lang="en-IN" dirty="0" smtClean="0"/>
+              <a:rPr lang="en-IN" dirty="0"/>
               <a:t>(</a:t>
             </a:r>
             <a:r>
-              <a:rPr lang="en-IN" dirty="0" err="1" smtClean="0"/>
+              <a:rPr lang="en-IN" dirty="0" err="1"/>
               <a:t>fp</a:t>
             </a:r>
             <a:r>
-              <a:rPr lang="en-IN" dirty="0" smtClean="0"/>
+              <a:rPr lang="en-IN" dirty="0"/>
               <a:t>);</a:t>
             </a:r>
           </a:p>
@@ -13401,23 +13255,23 @@
               <a:buNone/>
             </a:pPr>
             <a:r>
-              <a:rPr lang="en-IN" dirty="0" smtClean="0"/>
+              <a:rPr lang="en-IN" dirty="0"/>
               <a:t>   if( </a:t>
             </a:r>
             <a:r>
-              <a:rPr lang="en-IN" dirty="0" err="1" smtClean="0"/>
+              <a:rPr lang="en-IN" dirty="0" err="1"/>
               <a:t>ferror</a:t>
             </a:r>
             <a:r>
-              <a:rPr lang="en-IN" dirty="0" smtClean="0"/>
+              <a:rPr lang="en-IN" dirty="0"/>
               <a:t>(</a:t>
             </a:r>
             <a:r>
-              <a:rPr lang="en-IN" dirty="0" err="1" smtClean="0"/>
+              <a:rPr lang="en-IN" dirty="0" err="1"/>
               <a:t>fp</a:t>
             </a:r>
             <a:r>
-              <a:rPr lang="en-IN" dirty="0" smtClean="0"/>
+              <a:rPr lang="en-IN" dirty="0"/>
               <a:t>) ) {</a:t>
             </a:r>
           </a:p>
@@ -13426,15 +13280,15 @@
               <a:buNone/>
             </a:pPr>
             <a:r>
-              <a:rPr lang="en-IN" dirty="0" smtClean="0"/>
+              <a:rPr lang="en-IN" dirty="0"/>
               <a:t>      </a:t>
             </a:r>
             <a:r>
-              <a:rPr lang="en-IN" dirty="0" err="1" smtClean="0"/>
+              <a:rPr lang="en-IN" dirty="0" err="1"/>
               <a:t>printf</a:t>
             </a:r>
             <a:r>
-              <a:rPr lang="en-IN" dirty="0" smtClean="0"/>
+              <a:rPr lang="en-IN" dirty="0"/>
               <a:t>("Error in reading from file : file.txt\n");</a:t>
             </a:r>
           </a:p>
@@ -13443,7 +13297,7 @@
               <a:buNone/>
             </a:pPr>
             <a:r>
-              <a:rPr lang="en-IN" dirty="0" smtClean="0"/>
+              <a:rPr lang="en-IN" dirty="0"/>
               <a:t>   }</a:t>
             </a:r>
           </a:p>
@@ -13452,23 +13306,23 @@
               <a:buNone/>
             </a:pPr>
             <a:r>
-              <a:rPr lang="en-IN" dirty="0" smtClean="0"/>
+              <a:rPr lang="en-IN" dirty="0"/>
               <a:t>   </a:t>
             </a:r>
             <a:r>
-              <a:rPr lang="en-IN" dirty="0" err="1" smtClean="0"/>
+              <a:rPr lang="en-IN" dirty="0" err="1"/>
               <a:t>fclose</a:t>
             </a:r>
             <a:r>
-              <a:rPr lang="en-IN" dirty="0" smtClean="0"/>
+              <a:rPr lang="en-IN" dirty="0"/>
               <a:t>(</a:t>
             </a:r>
             <a:r>
-              <a:rPr lang="en-IN" dirty="0" err="1" smtClean="0"/>
+              <a:rPr lang="en-IN" dirty="0" err="1"/>
               <a:t>fp</a:t>
             </a:r>
             <a:r>
-              <a:rPr lang="en-IN" dirty="0" smtClean="0"/>
+              <a:rPr lang="en-IN" dirty="0"/>
               <a:t>);</a:t>
             </a:r>
           </a:p>
@@ -13477,7 +13331,7 @@
               <a:buNone/>
             </a:pPr>
             <a:r>
-              <a:rPr lang="en-IN" dirty="0" smtClean="0"/>
+              <a:rPr lang="en-IN" dirty="0"/>
               <a:t>   return(0);</a:t>
             </a:r>
           </a:p>
@@ -13486,10 +13340,9 @@
               <a:buNone/>
             </a:pPr>
             <a:r>
-              <a:rPr lang="en-IN" dirty="0" smtClean="0"/>
+              <a:rPr lang="en-IN" dirty="0"/>
               <a:t>}</a:t>
             </a:r>
-            <a:endParaRPr lang="en-IN" dirty="0"/>
           </a:p>
         </p:txBody>
       </p:sp>
@@ -13546,15 +13399,15 @@
           <a:lstStyle/>
           <a:p>
             <a:r>
-              <a:rPr lang="en-US" dirty="0" smtClean="0"/>
+              <a:rPr lang="en-US" dirty="0"/>
               <a:t>File handling :</a:t>
             </a:r>
             <a:r>
-              <a:rPr lang="en-US" dirty="0" err="1" smtClean="0"/>
+              <a:rPr lang="en-US" dirty="0" err="1"/>
               <a:t>feof</a:t>
             </a:r>
             <a:r>
-              <a:rPr lang="en-US" dirty="0" smtClean="0"/>
+              <a:rPr lang="en-US" dirty="0"/>
               <a:t>()</a:t>
             </a:r>
             <a:endParaRPr lang="en-IN" dirty="0"/>
@@ -13604,7 +13457,7 @@
               <a:buNone/>
             </a:pPr>
             <a:r>
-              <a:rPr lang="en-US" dirty="0" smtClean="0">
+              <a:rPr lang="en-US" dirty="0">
                 <a:solidFill>
                   <a:srgbClr val="FF0000"/>
                 </a:solidFill>
@@ -13612,7 +13465,7 @@
               <a:t>  	</a:t>
             </a:r>
             <a:r>
-              <a:rPr lang="en-US" dirty="0" err="1" smtClean="0">
+              <a:rPr lang="en-US" dirty="0" err="1">
                 <a:solidFill>
                   <a:srgbClr val="FF0000"/>
                 </a:solidFill>
@@ -13620,7 +13473,7 @@
               <a:t>int</a:t>
             </a:r>
             <a:r>
-              <a:rPr lang="en-US" dirty="0" smtClean="0">
+              <a:rPr lang="en-US" dirty="0">
                 <a:solidFill>
                   <a:srgbClr val="FF0000"/>
                 </a:solidFill>
@@ -13628,7 +13481,7 @@
               <a:t> </a:t>
             </a:r>
             <a:r>
-              <a:rPr lang="en-US" dirty="0" err="1" smtClean="0">
+              <a:rPr lang="en-US" dirty="0" err="1">
                 <a:solidFill>
                   <a:srgbClr val="FF0000"/>
                 </a:solidFill>
@@ -13636,7 +13489,7 @@
               <a:t>feof</a:t>
             </a:r>
             <a:r>
-              <a:rPr lang="en-US" dirty="0" smtClean="0">
+              <a:rPr lang="en-US" dirty="0">
                 <a:solidFill>
                   <a:srgbClr val="FF0000"/>
                 </a:solidFill>
@@ -13647,25 +13500,21 @@
           <a:p>
             <a:r>
               <a:rPr lang="en-US" dirty="0"/>
-              <a:t>If it returns a non-zero then, it is success. Otherwise, </a:t>
-            </a:r>
-            <a:r>
-              <a:rPr lang="en-US" dirty="0" smtClean="0"/>
-              <a:t>It is zero.</a:t>
+              <a:t>If it returns a non-zero then, it is success. Otherwise, It is zero.</a:t>
             </a:r>
           </a:p>
           <a:p>
             <a:endParaRPr lang="en-US" dirty="0"/>
           </a:p>
           <a:p>
-            <a:endParaRPr lang="en-IN" dirty="0" smtClean="0"/>
-          </a:p>
-          <a:p>
-            <a:pPr marL="0" indent="0">
-              <a:buNone/>
-            </a:pPr>
-            <a:r>
-              <a:rPr lang="en-US" dirty="0" smtClean="0">
+            <a:endParaRPr lang="en-IN" dirty="0"/>
+          </a:p>
+          <a:p>
+            <a:pPr marL="0" indent="0">
+              <a:buNone/>
+            </a:pPr>
+            <a:r>
+              <a:rPr lang="en-US" dirty="0">
                 <a:solidFill>
                   <a:srgbClr val="FF0000"/>
                 </a:solidFill>
@@ -13673,7 +13522,7 @@
               <a:t>#include&lt;</a:t>
             </a:r>
             <a:r>
-              <a:rPr lang="en-US" dirty="0" err="1" smtClean="0">
+              <a:rPr lang="en-US" dirty="0" err="1">
                 <a:solidFill>
                   <a:srgbClr val="FF0000"/>
                 </a:solidFill>
@@ -13681,7 +13530,7 @@
               <a:t>stdio.h</a:t>
             </a:r>
             <a:r>
-              <a:rPr lang="en-US" dirty="0" smtClean="0">
+              <a:rPr lang="en-US" dirty="0">
                 <a:solidFill>
                   <a:srgbClr val="FF0000"/>
                 </a:solidFill>
@@ -13694,7 +13543,7 @@
               <a:buNone/>
             </a:pPr>
             <a:r>
-              <a:rPr lang="en-US" dirty="0" smtClean="0">
+              <a:rPr lang="en-US" dirty="0">
                 <a:solidFill>
                   <a:srgbClr val="FF0000"/>
                 </a:solidFill>
@@ -13707,7 +13556,7 @@
               <a:buNone/>
             </a:pPr>
             <a:r>
-              <a:rPr lang="en-US" dirty="0" smtClean="0">
+              <a:rPr lang="en-US" dirty="0">
                 <a:solidFill>
                   <a:srgbClr val="FF0000"/>
                 </a:solidFill>
@@ -13715,7 +13564,7 @@
               <a:t>   FILE *</a:t>
             </a:r>
             <a:r>
-              <a:rPr lang="en-US" dirty="0" err="1" smtClean="0">
+              <a:rPr lang="en-US" dirty="0" err="1">
                 <a:solidFill>
                   <a:srgbClr val="FF0000"/>
                 </a:solidFill>
@@ -13723,7 +13572,7 @@
               <a:t>fp</a:t>
             </a:r>
             <a:r>
-              <a:rPr lang="en-US" dirty="0" smtClean="0">
+              <a:rPr lang="en-US" dirty="0">
                 <a:solidFill>
                   <a:srgbClr val="FF0000"/>
                 </a:solidFill>
@@ -13736,7 +13585,7 @@
               <a:buNone/>
             </a:pPr>
             <a:r>
-              <a:rPr lang="en-US" dirty="0" smtClean="0">
+              <a:rPr lang="en-US" dirty="0">
                 <a:solidFill>
                   <a:srgbClr val="FF0000"/>
                 </a:solidFill>
@@ -13744,7 +13593,7 @@
               <a:t>   </a:t>
             </a:r>
             <a:r>
-              <a:rPr lang="en-US" dirty="0" err="1" smtClean="0">
+              <a:rPr lang="en-US" dirty="0" err="1">
                 <a:solidFill>
                   <a:srgbClr val="FF0000"/>
                 </a:solidFill>
@@ -13752,7 +13601,7 @@
               <a:t>int</a:t>
             </a:r>
             <a:r>
-              <a:rPr lang="en-US" dirty="0" smtClean="0">
+              <a:rPr lang="en-US" dirty="0">
                 <a:solidFill>
                   <a:srgbClr val="FF0000"/>
                 </a:solidFill>
@@ -13760,7 +13609,7 @@
               <a:t> </a:t>
             </a:r>
             <a:r>
-              <a:rPr lang="en-US" dirty="0" err="1" smtClean="0">
+              <a:rPr lang="en-US" dirty="0" err="1">
                 <a:solidFill>
                   <a:srgbClr val="FF0000"/>
                 </a:solidFill>
@@ -13768,7 +13617,7 @@
               <a:t>i,n</a:t>
             </a:r>
             <a:r>
-              <a:rPr lang="en-US" dirty="0" smtClean="0">
+              <a:rPr lang="en-US" dirty="0">
                 <a:solidFill>
                   <a:srgbClr val="FF0000"/>
                 </a:solidFill>
@@ -13781,7 +13630,7 @@
               <a:buNone/>
             </a:pPr>
             <a:r>
-              <a:rPr lang="en-US" dirty="0" smtClean="0">
+              <a:rPr lang="en-US" dirty="0">
                 <a:solidFill>
                   <a:srgbClr val="FF0000"/>
                 </a:solidFill>
@@ -13789,7 +13638,7 @@
               <a:t>   </a:t>
             </a:r>
             <a:r>
-              <a:rPr lang="en-US" dirty="0" err="1" smtClean="0">
+              <a:rPr lang="en-US" dirty="0" err="1">
                 <a:solidFill>
                   <a:srgbClr val="FF0000"/>
                 </a:solidFill>
@@ -13797,7 +13646,7 @@
               <a:t>fp</a:t>
             </a:r>
             <a:r>
-              <a:rPr lang="en-US" dirty="0" smtClean="0">
+              <a:rPr lang="en-US" dirty="0">
                 <a:solidFill>
                   <a:srgbClr val="FF0000"/>
                 </a:solidFill>
@@ -13805,7 +13654,7 @@
               <a:t> = </a:t>
             </a:r>
             <a:r>
-              <a:rPr lang="en-US" dirty="0" err="1" smtClean="0">
+              <a:rPr lang="en-US" dirty="0" err="1">
                 <a:solidFill>
                   <a:srgbClr val="FF0000"/>
                 </a:solidFill>
@@ -13813,7 +13662,7 @@
               <a:t>fopen</a:t>
             </a:r>
             <a:r>
-              <a:rPr lang="en-US" dirty="0" smtClean="0">
+              <a:rPr lang="en-US" dirty="0">
                 <a:solidFill>
                   <a:srgbClr val="FF0000"/>
                 </a:solidFill>
@@ -13826,7 +13675,7 @@
               <a:buNone/>
             </a:pPr>
             <a:r>
-              <a:rPr lang="en-US" dirty="0" smtClean="0">
+              <a:rPr lang="en-US" dirty="0">
                 <a:solidFill>
                   <a:srgbClr val="FF0000"/>
                 </a:solidFill>
@@ -13834,7 +13683,7 @@
               <a:t>   for (</a:t>
             </a:r>
             <a:r>
-              <a:rPr lang="en-US" dirty="0" err="1" smtClean="0">
+              <a:rPr lang="en-US" dirty="0" err="1">
                 <a:solidFill>
                   <a:srgbClr val="FF0000"/>
                 </a:solidFill>
@@ -13842,7 +13691,7 @@
               <a:t>i</a:t>
             </a:r>
             <a:r>
-              <a:rPr lang="en-US" dirty="0" smtClean="0">
+              <a:rPr lang="en-US" dirty="0">
                 <a:solidFill>
                   <a:srgbClr val="FF0000"/>
                 </a:solidFill>
@@ -13850,7 +13699,7 @@
               <a:t>=0; </a:t>
             </a:r>
             <a:r>
-              <a:rPr lang="en-US" dirty="0" err="1" smtClean="0">
+              <a:rPr lang="en-US" dirty="0" err="1">
                 <a:solidFill>
                   <a:srgbClr val="FF0000"/>
                 </a:solidFill>
@@ -13858,7 +13707,7 @@
               <a:t>i</a:t>
             </a:r>
             <a:r>
-              <a:rPr lang="en-US" dirty="0" smtClean="0">
+              <a:rPr lang="en-US" dirty="0">
                 <a:solidFill>
                   <a:srgbClr val="FF0000"/>
                 </a:solidFill>
@@ -13871,7 +13720,7 @@
               <a:buNone/>
             </a:pPr>
             <a:r>
-              <a:rPr lang="en-US" dirty="0" smtClean="0">
+              <a:rPr lang="en-US" dirty="0">
                 <a:solidFill>
                   <a:srgbClr val="FF0000"/>
                 </a:solidFill>
@@ -13879,7 +13728,7 @@
               <a:t>      </a:t>
             </a:r>
             <a:r>
-              <a:rPr lang="en-US" dirty="0" err="1" smtClean="0">
+              <a:rPr lang="en-US" dirty="0" err="1">
                 <a:solidFill>
                   <a:srgbClr val="FF0000"/>
                 </a:solidFill>
@@ -13887,7 +13736,7 @@
               <a:t>putw</a:t>
             </a:r>
             <a:r>
-              <a:rPr lang="en-US" dirty="0" smtClean="0">
+              <a:rPr lang="en-US" dirty="0">
                 <a:solidFill>
                   <a:srgbClr val="FF0000"/>
                 </a:solidFill>
@@ -13895,7 +13744,7 @@
               <a:t> (</a:t>
             </a:r>
             <a:r>
-              <a:rPr lang="en-US" dirty="0" err="1" smtClean="0">
+              <a:rPr lang="en-US" dirty="0" err="1">
                 <a:solidFill>
                   <a:srgbClr val="FF0000"/>
                 </a:solidFill>
@@ -13903,7 +13752,7 @@
               <a:t>i</a:t>
             </a:r>
             <a:r>
-              <a:rPr lang="en-US" dirty="0" smtClean="0">
+              <a:rPr lang="en-US" dirty="0">
                 <a:solidFill>
                   <a:srgbClr val="FF0000"/>
                 </a:solidFill>
@@ -13911,7 +13760,7 @@
               <a:t>, </a:t>
             </a:r>
             <a:r>
-              <a:rPr lang="en-US" dirty="0" err="1" smtClean="0">
+              <a:rPr lang="en-US" dirty="0" err="1">
                 <a:solidFill>
                   <a:srgbClr val="FF0000"/>
                 </a:solidFill>
@@ -13919,7 +13768,7 @@
               <a:t>fp</a:t>
             </a:r>
             <a:r>
-              <a:rPr lang="en-US" dirty="0" smtClean="0">
+              <a:rPr lang="en-US" dirty="0">
                 <a:solidFill>
                   <a:srgbClr val="FF0000"/>
                 </a:solidFill>
@@ -13932,7 +13781,7 @@
               <a:buNone/>
             </a:pPr>
             <a:r>
-              <a:rPr lang="en-US" dirty="0" smtClean="0">
+              <a:rPr lang="en-US" dirty="0">
                 <a:solidFill>
                   <a:srgbClr val="FF0000"/>
                 </a:solidFill>
@@ -13941,7 +13790,7 @@
             </a:r>
           </a:p>
           <a:p>
-            <a:endParaRPr lang="en-US" dirty="0" smtClean="0"/>
+            <a:endParaRPr lang="en-US" dirty="0"/>
           </a:p>
         </p:txBody>
       </p:sp>
@@ -13976,7 +13825,7 @@
               <a:buNone/>
             </a:pPr>
             <a:r>
-              <a:rPr lang="en-US" dirty="0" err="1" smtClean="0">
+              <a:rPr lang="en-US" dirty="0" err="1">
                 <a:solidFill>
                   <a:srgbClr val="FF0000"/>
                 </a:solidFill>
@@ -13984,7 +13833,7 @@
               <a:t>fclose</a:t>
             </a:r>
             <a:r>
-              <a:rPr lang="en-US" dirty="0" smtClean="0">
+              <a:rPr lang="en-US" dirty="0">
                 <a:solidFill>
                   <a:srgbClr val="FF0000"/>
                 </a:solidFill>
@@ -13992,7 +13841,7 @@
               <a:t> (</a:t>
             </a:r>
             <a:r>
-              <a:rPr lang="en-US" dirty="0" err="1" smtClean="0">
+              <a:rPr lang="en-US" dirty="0" err="1">
                 <a:solidFill>
                   <a:srgbClr val="FF0000"/>
                 </a:solidFill>
@@ -14000,7 +13849,7 @@
               <a:t>fp</a:t>
             </a:r>
             <a:r>
-              <a:rPr lang="en-US" dirty="0" smtClean="0">
+              <a:rPr lang="en-US" dirty="0">
                 <a:solidFill>
                   <a:srgbClr val="FF0000"/>
                 </a:solidFill>
@@ -14013,7 +13862,7 @@
               <a:buNone/>
             </a:pPr>
             <a:r>
-              <a:rPr lang="en-US" dirty="0" smtClean="0">
+              <a:rPr lang="en-US" dirty="0">
                 <a:solidFill>
                   <a:srgbClr val="FF0000"/>
                 </a:solidFill>
@@ -14021,7 +13870,7 @@
               <a:t>   </a:t>
             </a:r>
             <a:r>
-              <a:rPr lang="en-US" dirty="0" err="1" smtClean="0">
+              <a:rPr lang="en-US" dirty="0" err="1">
                 <a:solidFill>
                   <a:srgbClr val="FF0000"/>
                 </a:solidFill>
@@ -14029,7 +13878,7 @@
               <a:t>fp</a:t>
             </a:r>
             <a:r>
-              <a:rPr lang="en-US" dirty="0" smtClean="0">
+              <a:rPr lang="en-US" dirty="0">
                 <a:solidFill>
                   <a:srgbClr val="FF0000"/>
                 </a:solidFill>
@@ -14037,7 +13886,7 @@
               <a:t> = </a:t>
             </a:r>
             <a:r>
-              <a:rPr lang="en-US" dirty="0" err="1" smtClean="0">
+              <a:rPr lang="en-US" dirty="0" err="1">
                 <a:solidFill>
                   <a:srgbClr val="FF0000"/>
                 </a:solidFill>
@@ -14045,7 +13894,7 @@
               <a:t>fopen</a:t>
             </a:r>
             <a:r>
-              <a:rPr lang="en-US" dirty="0" smtClean="0">
+              <a:rPr lang="en-US" dirty="0">
                 <a:solidFill>
                   <a:srgbClr val="FF0000"/>
                 </a:solidFill>
@@ -14058,7 +13907,7 @@
               <a:buNone/>
             </a:pPr>
             <a:r>
-              <a:rPr lang="en-US" dirty="0" smtClean="0">
+              <a:rPr lang="en-US" dirty="0">
                 <a:solidFill>
                   <a:srgbClr val="FF0000"/>
                 </a:solidFill>
@@ -14066,7 +13915,7 @@
               <a:t>   for (</a:t>
             </a:r>
             <a:r>
-              <a:rPr lang="en-US" dirty="0" err="1" smtClean="0">
+              <a:rPr lang="en-US" dirty="0" err="1">
                 <a:solidFill>
                   <a:srgbClr val="FF0000"/>
                 </a:solidFill>
@@ -14074,7 +13923,7 @@
               <a:t>i</a:t>
             </a:r>
             <a:r>
-              <a:rPr lang="en-US" dirty="0" smtClean="0">
+              <a:rPr lang="en-US" dirty="0">
                 <a:solidFill>
                   <a:srgbClr val="FF0000"/>
                 </a:solidFill>
@@ -14082,7 +13931,7 @@
               <a:t>=0; </a:t>
             </a:r>
             <a:r>
-              <a:rPr lang="en-US" dirty="0" err="1" smtClean="0">
+              <a:rPr lang="en-US" dirty="0" err="1">
                 <a:solidFill>
                   <a:srgbClr val="FF0000"/>
                 </a:solidFill>
@@ -14090,7 +13939,7 @@
               <a:t>i</a:t>
             </a:r>
             <a:r>
-              <a:rPr lang="en-US" dirty="0" smtClean="0">
+              <a:rPr lang="en-US" dirty="0">
                 <a:solidFill>
                   <a:srgbClr val="FF0000"/>
                 </a:solidFill>
@@ -14098,7 +13947,7 @@
               <a:t>&lt;=100; </a:t>
             </a:r>
             <a:r>
-              <a:rPr lang="en-US" dirty="0" err="1" smtClean="0">
+              <a:rPr lang="en-US" dirty="0" err="1">
                 <a:solidFill>
                   <a:srgbClr val="FF0000"/>
                 </a:solidFill>
@@ -14106,7 +13955,7 @@
               <a:t>i</a:t>
             </a:r>
             <a:r>
-              <a:rPr lang="en-US" dirty="0" smtClean="0">
+              <a:rPr lang="en-US" dirty="0">
                 <a:solidFill>
                   <a:srgbClr val="FF0000"/>
                 </a:solidFill>
@@ -14119,7 +13968,7 @@
               <a:buNone/>
             </a:pPr>
             <a:r>
-              <a:rPr lang="en-US" dirty="0" smtClean="0">
+              <a:rPr lang="en-US" dirty="0">
                 <a:solidFill>
                   <a:srgbClr val="FF0000"/>
                 </a:solidFill>
@@ -14127,7 +13976,7 @@
               <a:t>      n = </a:t>
             </a:r>
             <a:r>
-              <a:rPr lang="en-US" dirty="0" err="1" smtClean="0">
+              <a:rPr lang="en-US" dirty="0" err="1">
                 <a:solidFill>
                   <a:srgbClr val="FF0000"/>
                 </a:solidFill>
@@ -14135,7 +13984,7 @@
               <a:t>getw</a:t>
             </a:r>
             <a:r>
-              <a:rPr lang="en-US" dirty="0" smtClean="0">
+              <a:rPr lang="en-US" dirty="0">
                 <a:solidFill>
                   <a:srgbClr val="FF0000"/>
                 </a:solidFill>
@@ -14143,7 +13992,7 @@
               <a:t> (</a:t>
             </a:r>
             <a:r>
-              <a:rPr lang="en-US" dirty="0" err="1" smtClean="0">
+              <a:rPr lang="en-US" dirty="0" err="1">
                 <a:solidFill>
                   <a:srgbClr val="FF0000"/>
                 </a:solidFill>
@@ -14151,7 +14000,7 @@
               <a:t>fp</a:t>
             </a:r>
             <a:r>
-              <a:rPr lang="en-US" dirty="0" smtClean="0">
+              <a:rPr lang="en-US" dirty="0">
                 <a:solidFill>
                   <a:srgbClr val="FF0000"/>
                 </a:solidFill>
@@ -14164,7 +14013,7 @@
               <a:buNone/>
             </a:pPr>
             <a:r>
-              <a:rPr lang="en-US" dirty="0" smtClean="0">
+              <a:rPr lang="en-US" dirty="0">
                 <a:solidFill>
                   <a:srgbClr val="FF0000"/>
                 </a:solidFill>
@@ -14172,7 +14021,7 @@
               <a:t>      if (</a:t>
             </a:r>
             <a:r>
-              <a:rPr lang="en-US" dirty="0" err="1" smtClean="0">
+              <a:rPr lang="en-US" dirty="0" err="1">
                 <a:solidFill>
                   <a:srgbClr val="FF0000"/>
                 </a:solidFill>
@@ -14180,7 +14029,7 @@
               <a:t>feof</a:t>
             </a:r>
             <a:r>
-              <a:rPr lang="en-US" dirty="0" smtClean="0">
+              <a:rPr lang="en-US" dirty="0">
                 <a:solidFill>
                   <a:srgbClr val="FF0000"/>
                 </a:solidFill>
@@ -14188,7 +14037,7 @@
               <a:t> (</a:t>
             </a:r>
             <a:r>
-              <a:rPr lang="en-US" dirty="0" err="1" smtClean="0">
+              <a:rPr lang="en-US" dirty="0" err="1">
                 <a:solidFill>
                   <a:srgbClr val="FF0000"/>
                 </a:solidFill>
@@ -14196,7 +14045,7 @@
               <a:t>fp</a:t>
             </a:r>
             <a:r>
-              <a:rPr lang="en-US" dirty="0" smtClean="0">
+              <a:rPr lang="en-US" dirty="0">
                 <a:solidFill>
                   <a:srgbClr val="FF0000"/>
                 </a:solidFill>
@@ -14209,7 +14058,7 @@
               <a:buNone/>
             </a:pPr>
             <a:r>
-              <a:rPr lang="en-US" dirty="0" smtClean="0">
+              <a:rPr lang="en-US" dirty="0">
                 <a:solidFill>
                   <a:srgbClr val="FF0000"/>
                 </a:solidFill>
@@ -14217,7 +14066,7 @@
               <a:t>         </a:t>
             </a:r>
             <a:r>
-              <a:rPr lang="en-US" dirty="0" err="1" smtClean="0">
+              <a:rPr lang="en-US" dirty="0" err="1">
                 <a:solidFill>
                   <a:srgbClr val="FF0000"/>
                 </a:solidFill>
@@ -14225,7 +14074,7 @@
               <a:t>printf</a:t>
             </a:r>
             <a:r>
-              <a:rPr lang="en-US" dirty="0" smtClean="0">
+              <a:rPr lang="en-US" dirty="0">
                 <a:solidFill>
                   <a:srgbClr val="FF0000"/>
                 </a:solidFill>
@@ -14238,7 +14087,7 @@
               <a:buNone/>
             </a:pPr>
             <a:r>
-              <a:rPr lang="en-US" dirty="0" smtClean="0">
+              <a:rPr lang="en-US" dirty="0">
                 <a:solidFill>
                   <a:srgbClr val="FF0000"/>
                 </a:solidFill>
@@ -14251,7 +14100,7 @@
               <a:buNone/>
             </a:pPr>
             <a:r>
-              <a:rPr lang="en-US" dirty="0" smtClean="0">
+              <a:rPr lang="en-US" dirty="0">
                 <a:solidFill>
                   <a:srgbClr val="FF0000"/>
                 </a:solidFill>
@@ -14264,7 +14113,7 @@
               <a:buNone/>
             </a:pPr>
             <a:r>
-              <a:rPr lang="en-US" dirty="0" smtClean="0">
+              <a:rPr lang="en-US" dirty="0">
                 <a:solidFill>
                   <a:srgbClr val="FF0000"/>
                 </a:solidFill>
@@ -14277,7 +14126,7 @@
               <a:buNone/>
             </a:pPr>
             <a:r>
-              <a:rPr lang="en-US" dirty="0" smtClean="0">
+              <a:rPr lang="en-US" dirty="0">
                 <a:solidFill>
                   <a:srgbClr val="FF0000"/>
                 </a:solidFill>
@@ -14285,7 +14134,7 @@
               <a:t>         </a:t>
             </a:r>
             <a:r>
-              <a:rPr lang="en-US" dirty="0" err="1" smtClean="0">
+              <a:rPr lang="en-US" dirty="0" err="1">
                 <a:solidFill>
                   <a:srgbClr val="FF0000"/>
                 </a:solidFill>
@@ -14293,7 +14142,7 @@
               <a:t>printf</a:t>
             </a:r>
             <a:r>
-              <a:rPr lang="en-US" dirty="0" smtClean="0">
+              <a:rPr lang="en-US" dirty="0">
                 <a:solidFill>
                   <a:srgbClr val="FF0000"/>
                 </a:solidFill>
@@ -14306,7 +14155,7 @@
               <a:buNone/>
             </a:pPr>
             <a:r>
-              <a:rPr lang="en-US" dirty="0" smtClean="0">
+              <a:rPr lang="en-US" dirty="0">
                 <a:solidFill>
                   <a:srgbClr val="FF0000"/>
                 </a:solidFill>
@@ -14319,7 +14168,7 @@
               <a:buNone/>
             </a:pPr>
             <a:r>
-              <a:rPr lang="en-US" dirty="0" smtClean="0">
+              <a:rPr lang="en-US" dirty="0">
                 <a:solidFill>
                   <a:srgbClr val="FF0000"/>
                 </a:solidFill>
@@ -14332,7 +14181,7 @@
               <a:buNone/>
             </a:pPr>
             <a:r>
-              <a:rPr lang="en-US" dirty="0" smtClean="0">
+              <a:rPr lang="en-US" dirty="0">
                 <a:solidFill>
                   <a:srgbClr val="FF0000"/>
                 </a:solidFill>
@@ -14340,7 +14189,7 @@
               <a:t>   </a:t>
             </a:r>
             <a:r>
-              <a:rPr lang="en-US" dirty="0" err="1" smtClean="0">
+              <a:rPr lang="en-US" dirty="0" err="1">
                 <a:solidFill>
                   <a:srgbClr val="FF0000"/>
                 </a:solidFill>
@@ -14348,7 +14197,7 @@
               <a:t>fclose</a:t>
             </a:r>
             <a:r>
-              <a:rPr lang="en-US" dirty="0" smtClean="0">
+              <a:rPr lang="en-US" dirty="0">
                 <a:solidFill>
                   <a:srgbClr val="FF0000"/>
                 </a:solidFill>
@@ -14356,7 +14205,7 @@
               <a:t> (</a:t>
             </a:r>
             <a:r>
-              <a:rPr lang="en-US" dirty="0" err="1" smtClean="0">
+              <a:rPr lang="en-US" dirty="0" err="1">
                 <a:solidFill>
                   <a:srgbClr val="FF0000"/>
                 </a:solidFill>
@@ -14364,7 +14213,7 @@
               <a:t>fp</a:t>
             </a:r>
             <a:r>
-              <a:rPr lang="en-US" dirty="0" smtClean="0">
+              <a:rPr lang="en-US" dirty="0">
                 <a:solidFill>
                   <a:srgbClr val="FF0000"/>
                 </a:solidFill>
@@ -14377,7 +14226,7 @@
               <a:buNone/>
             </a:pPr>
             <a:r>
-              <a:rPr lang="en-US" dirty="0" smtClean="0">
+              <a:rPr lang="en-US" dirty="0">
                 <a:solidFill>
                   <a:srgbClr val="FF0000"/>
                 </a:solidFill>
@@ -14390,14 +14239,14 @@
               <a:buNone/>
             </a:pPr>
             <a:r>
-              <a:rPr lang="en-US" dirty="0" smtClean="0">
+              <a:rPr lang="en-US" dirty="0">
                 <a:solidFill>
                   <a:srgbClr val="FF0000"/>
                 </a:solidFill>
               </a:rPr>
               <a:t>}</a:t>
             </a:r>
-            <a:endParaRPr lang="en-IN" dirty="0" smtClean="0">
+            <a:endParaRPr lang="en-IN" dirty="0">
               <a:solidFill>
                 <a:srgbClr val="FF0000"/>
               </a:solidFill>
@@ -14458,7 +14307,7 @@
           <a:lstStyle/>
           <a:p>
             <a:r>
-              <a:rPr lang="en-US" dirty="0" smtClean="0"/>
+              <a:rPr lang="en-US" dirty="0"/>
               <a:t>Working with binary file </a:t>
             </a:r>
             <a:endParaRPr lang="en-IN" dirty="0"/>
@@ -14516,12 +14365,12 @@
           </a:p>
           <a:p>
             <a:pPr algn="just"/>
-            <a:endParaRPr lang="en-US" dirty="0" smtClean="0"/>
+            <a:endParaRPr lang="en-US" dirty="0"/>
           </a:p>
           <a:p>
             <a:pPr algn="just"/>
             <a:r>
-              <a:rPr lang="en-US" dirty="0" smtClean="0"/>
+              <a:rPr lang="en-US" dirty="0"/>
               <a:t>The </a:t>
             </a:r>
             <a:r>
@@ -14566,16 +14415,12 @@
             <a:pPr lvl="1" algn="just"/>
             <a:r>
               <a:rPr lang="en-US" dirty="0"/>
-              <a:t>A file </a:t>
-            </a:r>
-            <a:r>
-              <a:rPr lang="en-US" dirty="0" smtClean="0"/>
-              <a:t>variable</a:t>
+              <a:t>A file variable</a:t>
             </a:r>
           </a:p>
           <a:p>
             <a:pPr lvl="1" algn="just"/>
-            <a:endParaRPr lang="en-US" dirty="0" smtClean="0"/>
+            <a:endParaRPr lang="en-US" dirty="0"/>
           </a:p>
           <a:p>
             <a:pPr marL="57150" indent="0" algn="just">
@@ -14691,15 +14536,15 @@
           <a:lstStyle/>
           <a:p>
             <a:r>
-              <a:rPr lang="en-US" dirty="0" smtClean="0"/>
+              <a:rPr lang="en-US" dirty="0"/>
               <a:t>Binary file : </a:t>
             </a:r>
             <a:r>
-              <a:rPr lang="en-US" dirty="0" err="1" smtClean="0"/>
+              <a:rPr lang="en-US" dirty="0" err="1"/>
               <a:t>fwrite</a:t>
             </a:r>
             <a:r>
-              <a:rPr lang="en-US" dirty="0" smtClean="0"/>
+              <a:rPr lang="en-US" dirty="0"/>
               <a:t>()</a:t>
             </a:r>
             <a:endParaRPr lang="en-IN" dirty="0"/>
@@ -14732,12 +14577,8 @@
               <a:buNone/>
             </a:pPr>
             <a:r>
-              <a:rPr lang="en-IN" dirty="0" smtClean="0"/>
-              <a:t>#</a:t>
-            </a:r>
-            <a:r>
-              <a:rPr lang="en-IN" dirty="0"/>
-              <a:t>include&lt;</a:t>
+              <a:rPr lang="en-IN" dirty="0"/>
+              <a:t>#include&lt;</a:t>
             </a:r>
             <a:r>
               <a:rPr lang="en-IN" dirty="0" err="1"/>
@@ -15152,15 +14993,15 @@
           <a:lstStyle/>
           <a:p>
             <a:r>
-              <a:rPr lang="en-US" dirty="0" smtClean="0"/>
+              <a:rPr lang="en-US" dirty="0"/>
               <a:t>Binary file : </a:t>
             </a:r>
             <a:r>
-              <a:rPr lang="en-US" dirty="0" err="1" smtClean="0"/>
+              <a:rPr lang="en-US" dirty="0" err="1"/>
               <a:t>fread</a:t>
             </a:r>
             <a:r>
-              <a:rPr lang="en-US" dirty="0" smtClean="0"/>
+              <a:rPr lang="en-US" dirty="0"/>
               <a:t>()</a:t>
             </a:r>
             <a:endParaRPr lang="en-IN" dirty="0"/>
@@ -15459,11 +15300,11 @@
               <a:buNone/>
             </a:pPr>
             <a:r>
-              <a:rPr lang="en-IN" dirty="0" smtClean="0"/>
+              <a:rPr lang="en-IN" dirty="0"/>
               <a:t>         </a:t>
             </a:r>
             <a:r>
-              <a:rPr lang="en-IN" dirty="0" err="1" smtClean="0"/>
+              <a:rPr lang="en-IN" dirty="0" err="1"/>
               <a:t>fread</a:t>
             </a:r>
             <a:r>
@@ -15615,13 +15456,8 @@
           <a:p>
             <a:r>
               <a:rPr lang="en-IN" dirty="0"/>
-              <a:t>Random Access To </a:t>
-            </a:r>
-            <a:r>
-              <a:rPr lang="en-IN" dirty="0" smtClean="0"/>
-              <a:t>File</a:t>
-            </a:r>
-            <a:endParaRPr lang="en-IN" dirty="0"/>
+              <a:t>Random Access To File</a:t>
+            </a:r>
           </a:p>
         </p:txBody>
       </p:sp>
@@ -15642,23 +15478,7 @@
           <a:p>
             <a:r>
               <a:rPr lang="en-US" dirty="0"/>
-              <a:t>There is no need to read each record sequentially, if we want to access a particular record</a:t>
-            </a:r>
-            <a:r>
-              <a:rPr lang="en-US" dirty="0" smtClean="0"/>
-              <a:t>. C </a:t>
-            </a:r>
-            <a:r>
-              <a:rPr lang="en-US" dirty="0"/>
-              <a:t>supports these functions for random </a:t>
-            </a:r>
-            <a:r>
-              <a:rPr lang="en-US" dirty="0" smtClean="0"/>
-              <a:t>access file processing</a:t>
-            </a:r>
-            <a:r>
-              <a:rPr lang="en-US" dirty="0"/>
-              <a:t>.</a:t>
+              <a:t>There is no need to read each record sequentially, if we want to access a particular record. C supports these functions for random access file processing.</a:t>
             </a:r>
             <a:br>
               <a:rPr lang="en-US" dirty="0"/>
@@ -15752,11 +15572,11 @@
           <a:lstStyle/>
           <a:p>
             <a:r>
-              <a:rPr lang="en-US" dirty="0" err="1" smtClean="0"/>
+              <a:rPr lang="en-US" dirty="0" err="1"/>
               <a:t>fseek</a:t>
             </a:r>
             <a:r>
-              <a:rPr lang="en-US" dirty="0" smtClean="0"/>
+              <a:rPr lang="en-US" dirty="0"/>
               <a:t>()</a:t>
             </a:r>
             <a:endParaRPr lang="en-IN" dirty="0"/>
@@ -15786,12 +15606,8 @@
           <a:lstStyle/>
           <a:p>
             <a:r>
-              <a:rPr lang="en-US" dirty="0" smtClean="0"/>
-              <a:t>This </a:t>
-            </a:r>
-            <a:r>
               <a:rPr lang="en-US" dirty="0"/>
-              <a:t>function is used for seeking the pointer position in the file at the specified byte.</a:t>
+              <a:t>This function is used for seeking the pointer position in the file at the specified byte.</a:t>
             </a:r>
             <a:br>
               <a:rPr lang="en-US" dirty="0"/>
@@ -15828,17 +15644,9 @@
               </a:rPr>
               <a:t>( file pointer, displacement, pointer position);</a:t>
             </a:r>
-            <a:r>
-              <a:rPr lang="en-US" dirty="0"/>
-              <a:t/>
-            </a:r>
             <a:br>
               <a:rPr lang="en-US" dirty="0"/>
             </a:br>
-            <a:r>
-              <a:rPr lang="en-US" dirty="0"/>
-              <a:t/>
-            </a:r>
             <a:br>
               <a:rPr lang="en-US" dirty="0"/>
             </a:br>
@@ -15859,31 +15667,11 @@
             </a:r>
             <a:r>
               <a:rPr lang="en-US" dirty="0"/>
-              <a:t> It is positive or </a:t>
-            </a:r>
-            <a:r>
-              <a:rPr lang="en-US" dirty="0" smtClean="0"/>
-              <a:t>negative. This </a:t>
-            </a:r>
-            <a:r>
-              <a:rPr lang="en-US" dirty="0"/>
-              <a:t>is the number of bytes which are skipped backward (if negative) or forward( if positive) from the current position</a:t>
-            </a:r>
-            <a:r>
-              <a:rPr lang="en-US" dirty="0" smtClean="0"/>
-              <a:t>. This </a:t>
-            </a:r>
-            <a:r>
-              <a:rPr lang="en-US" dirty="0"/>
-              <a:t>is attached with L because this is a long integer.</a:t>
+              <a:t> It is positive or negative. This is the number of bytes which are skipped backward (if negative) or forward( if positive) from the current position. This is attached with L because this is a long integer.</a:t>
             </a:r>
             <a:br>
               <a:rPr lang="en-US" dirty="0"/>
             </a:br>
-            <a:r>
-              <a:rPr lang="en-US" dirty="0"/>
-              <a:t/>
-            </a:r>
             <a:br>
               <a:rPr lang="en-US" dirty="0"/>
             </a:br>
@@ -15891,20 +15679,12 @@
               <a:rPr lang="en-US" b="1" dirty="0"/>
               <a:t>Pointer position:</a:t>
             </a:r>
-            <a:r>
-              <a:rPr lang="en-US" dirty="0"/>
-              <a:t/>
-            </a:r>
             <a:br>
               <a:rPr lang="en-US" dirty="0"/>
             </a:br>
             <a:r>
-              <a:rPr lang="en-US" dirty="0" smtClean="0"/>
-              <a:t>Value          </a:t>
-            </a:r>
-            <a:r>
               <a:rPr lang="en-US" dirty="0"/>
-              <a:t>pointer position</a:t>
+              <a:t>Value          pointer position</a:t>
             </a:r>
           </a:p>
           <a:p>
@@ -15922,11 +15702,7 @@
           <a:p>
             <a:r>
               <a:rPr lang="en-US" dirty="0"/>
-              <a:t>2     End of </a:t>
-            </a:r>
-            <a:r>
-              <a:rPr lang="en-US" dirty="0" smtClean="0"/>
-              <a:t>file</a:t>
+              <a:t>2     End of file</a:t>
             </a:r>
           </a:p>
           <a:p>
@@ -15937,12 +15713,8 @@
               <a:buNone/>
             </a:pPr>
             <a:r>
-              <a:rPr lang="en-US" dirty="0" smtClean="0"/>
-              <a:t>Ex</a:t>
-            </a:r>
-            <a:r>
               <a:rPr lang="en-US" dirty="0"/>
-              <a:t>:</a:t>
+              <a:t>Ex:</a:t>
             </a:r>
           </a:p>
           <a:p>
@@ -15964,17 +15736,9 @@
             <a:br>
               <a:rPr lang="en-US" dirty="0"/>
             </a:br>
-            <a:r>
-              <a:rPr lang="en-US" dirty="0"/>
-              <a:t/>
-            </a:r>
             <a:br>
               <a:rPr lang="en-US" dirty="0"/>
             </a:br>
-            <a:r>
-              <a:rPr lang="en-US" dirty="0"/>
-              <a:t/>
-            </a:r>
             <a:br>
               <a:rPr lang="en-US" dirty="0"/>
             </a:br>
@@ -15993,24 +15757,12 @@
             <a:br>
               <a:rPr lang="en-US" dirty="0"/>
             </a:br>
-            <a:r>
-              <a:rPr lang="en-US" dirty="0"/>
-              <a:t/>
-            </a:r>
             <a:br>
               <a:rPr lang="en-US" dirty="0"/>
             </a:br>
-            <a:r>
-              <a:rPr lang="en-US" dirty="0"/>
-              <a:t/>
-            </a:r>
             <a:br>
               <a:rPr lang="en-US" dirty="0"/>
             </a:br>
-            <a:r>
-              <a:rPr lang="en-US" dirty="0"/>
-              <a:t/>
-            </a:r>
             <a:br>
               <a:rPr lang="en-US" dirty="0"/>
             </a:br>
@@ -16029,10 +15781,6 @@
             <a:br>
               <a:rPr lang="en-US" dirty="0"/>
             </a:br>
-            <a:r>
-              <a:rPr lang="en-US" dirty="0"/>
-              <a:t/>
-            </a:r>
             <a:br>
               <a:rPr lang="en-US" dirty="0"/>
             </a:br>
@@ -16087,14 +15835,10 @@
           <a:p>
             <a:r>
               <a:rPr lang="en-US" dirty="0" err="1"/>
-              <a:t>f</a:t>
-            </a:r>
-            <a:r>
-              <a:rPr lang="en-US" dirty="0" err="1" smtClean="0"/>
-              <a:t>tell</a:t>
-            </a:r>
-            <a:r>
-              <a:rPr lang="en-US" dirty="0" smtClean="0"/>
+              <a:t>ftell</a:t>
+            </a:r>
+            <a:r>
+              <a:rPr lang="en-US" dirty="0"/>
               <a:t>() &amp; rewind()</a:t>
             </a:r>
             <a:endParaRPr lang="en-IN" dirty="0"/>
@@ -16119,34 +15863,14 @@
           <a:lstStyle/>
           <a:p>
             <a:r>
-              <a:rPr lang="en-US" dirty="0" smtClean="0"/>
-              <a:t>This </a:t>
-            </a:r>
-            <a:r>
               <a:rPr lang="en-US" dirty="0"/>
-              <a:t>function returns the value of the current pointer position in the file</a:t>
-            </a:r>
-            <a:r>
-              <a:rPr lang="en-US" dirty="0" smtClean="0"/>
-              <a:t>. The </a:t>
-            </a:r>
-            <a:r>
-              <a:rPr lang="en-US" dirty="0"/>
-              <a:t>value is count from the beginning of the file</a:t>
-            </a:r>
-            <a:r>
-              <a:rPr lang="en-US" dirty="0" smtClean="0"/>
-              <a:t>.</a:t>
-            </a:r>
-          </a:p>
-          <a:p>
-            <a:pPr marL="0" indent="0">
-              <a:buNone/>
-            </a:pPr>
-            <a:r>
-              <a:rPr lang="en-US" dirty="0"/>
-              <a:t/>
-            </a:r>
+              <a:t>This function returns the value of the current pointer position in the file. The value is count from the beginning of the file.</a:t>
+            </a:r>
+          </a:p>
+          <a:p>
+            <a:pPr marL="0" indent="0">
+              <a:buNone/>
+            </a:pPr>
             <a:br>
               <a:rPr lang="en-US" dirty="0"/>
             </a:br>
@@ -16198,17 +15922,9 @@
               </a:rPr>
               <a:t>);</a:t>
             </a:r>
-            <a:r>
-              <a:rPr lang="en-US" dirty="0"/>
-              <a:t/>
-            </a:r>
             <a:br>
               <a:rPr lang="en-US" dirty="0"/>
             </a:br>
-            <a:r>
-              <a:rPr lang="en-US" dirty="0"/>
-              <a:t/>
-            </a:r>
             <a:br>
               <a:rPr lang="en-US" dirty="0"/>
             </a:br>
@@ -16223,21 +15939,13 @@
           <a:p>
             <a:r>
               <a:rPr lang="en-US" dirty="0"/>
-              <a:t>This function is used to move the file pointer to the beginning of the given file</a:t>
-            </a:r>
-            <a:r>
-              <a:rPr lang="en-US" dirty="0" smtClean="0"/>
-              <a:t>.</a:t>
-            </a:r>
-          </a:p>
-          <a:p>
-            <a:pPr marL="0" indent="0">
-              <a:buNone/>
-            </a:pPr>
-            <a:r>
-              <a:rPr lang="en-US" dirty="0"/>
-              <a:t/>
-            </a:r>
+              <a:t>This function is used to move the file pointer to the beginning of the given file.</a:t>
+            </a:r>
+          </a:p>
+          <a:p>
+            <a:pPr marL="0" indent="0">
+              <a:buNone/>
+            </a:pPr>
             <a:br>
               <a:rPr lang="en-US" dirty="0"/>
             </a:br>
@@ -16272,10 +15980,6 @@
                 </a:solidFill>
               </a:rPr>
               <a:t>);</a:t>
-            </a:r>
-            <a:r>
-              <a:rPr lang="en-US" dirty="0"/>
-              <a:t/>
             </a:r>
             <a:br>
               <a:rPr lang="en-US" dirty="0"/>
@@ -16330,7 +16034,7 @@
           <a:lstStyle/>
           <a:p>
             <a:r>
-              <a:rPr lang="en-US" dirty="0" smtClean="0"/>
+              <a:rPr lang="en-US" dirty="0"/>
               <a:t>File types</a:t>
             </a:r>
             <a:endParaRPr lang="en-IN" dirty="0"/>
@@ -16356,7 +16060,7 @@
               <a:buNone/>
             </a:pPr>
             <a:r>
-              <a:rPr lang="en-US" dirty="0" smtClean="0">
+              <a:rPr lang="en-US" dirty="0">
                 <a:solidFill>
                   <a:srgbClr val="FF0000"/>
                 </a:solidFill>
@@ -16366,25 +16070,25 @@
           </a:p>
           <a:p>
             <a:r>
-              <a:rPr lang="en-US" dirty="0" smtClean="0"/>
+              <a:rPr lang="en-US" dirty="0"/>
               <a:t>BF store data in the internal representation format.</a:t>
             </a:r>
           </a:p>
           <a:p>
             <a:r>
-              <a:rPr lang="en-US" dirty="0" smtClean="0"/>
+              <a:rPr lang="en-US" dirty="0"/>
               <a:t>A binary File is a collection of bytes.</a:t>
             </a:r>
           </a:p>
           <a:p>
             <a:r>
-              <a:rPr lang="en-US" dirty="0" smtClean="0"/>
+              <a:rPr lang="en-US" dirty="0"/>
               <a:t>Can be processed sequential or random.</a:t>
             </a:r>
           </a:p>
           <a:p>
             <a:r>
-              <a:rPr lang="en-US" dirty="0" smtClean="0"/>
+              <a:rPr lang="en-US" dirty="0"/>
               <a:t>Takes less space than text file.</a:t>
             </a:r>
             <a:endParaRPr lang="en-IN" dirty="0"/>
@@ -16442,7 +16146,7 @@
           <a:lstStyle/>
           <a:p>
             <a:r>
-              <a:rPr lang="en-US" dirty="0" smtClean="0"/>
+              <a:rPr lang="en-US" dirty="0"/>
               <a:t>Example</a:t>
             </a:r>
             <a:endParaRPr lang="en-IN" dirty="0"/>
@@ -16860,15 +16564,7 @@
           <a:p>
             <a:r>
               <a:rPr lang="en-US" dirty="0"/>
-              <a:t>M</a:t>
-            </a:r>
-            <a:r>
-              <a:rPr lang="en-US" dirty="0" smtClean="0"/>
-              <a:t>iscellaneous </a:t>
-            </a:r>
-            <a:r>
-              <a:rPr lang="en-US" dirty="0"/>
-              <a:t>functions</a:t>
+              <a:t>Miscellaneous functions</a:t>
             </a:r>
             <a:endParaRPr lang="en-IN" dirty="0"/>
           </a:p>
@@ -16890,7 +16586,7 @@
           <a:lstStyle/>
           <a:p>
             <a:r>
-              <a:rPr lang="en-US" dirty="0" smtClean="0"/>
+              <a:rPr lang="en-US" dirty="0"/>
               <a:t>String operations</a:t>
             </a:r>
           </a:p>
@@ -17018,7 +16714,7 @@
           <a:lstStyle/>
           <a:p>
             <a:r>
-              <a:rPr lang="en-US" dirty="0" smtClean="0"/>
+              <a:rPr lang="en-US" dirty="0"/>
               <a:t>Character class testing and conversion</a:t>
             </a:r>
           </a:p>
@@ -17200,7 +16896,7 @@
           <a:lstStyle/>
           <a:p>
             <a:r>
-              <a:rPr lang="en-US" dirty="0" smtClean="0"/>
+              <a:rPr lang="en-US" dirty="0"/>
               <a:t>Mathematical functions</a:t>
             </a:r>
           </a:p>
@@ -17309,7 +17005,7 @@
           <a:lstStyle/>
           <a:p>
             <a:r>
-              <a:rPr lang="en-US" dirty="0" smtClean="0"/>
+              <a:rPr lang="en-US" dirty="0"/>
               <a:t>Text file Example</a:t>
             </a:r>
             <a:endParaRPr lang="en-IN" dirty="0"/>
@@ -17339,37 +17035,33 @@
           <a:lstStyle/>
           <a:p>
             <a:r>
-              <a:rPr lang="en-US" dirty="0" err="1" smtClean="0"/>
+              <a:rPr lang="en-US" dirty="0" err="1"/>
               <a:t>getchar</a:t>
             </a:r>
             <a:r>
-              <a:rPr lang="en-US" dirty="0" smtClean="0"/>
+              <a:rPr lang="en-US" dirty="0"/>
               <a:t>()</a:t>
             </a:r>
           </a:p>
           <a:p>
             <a:r>
               <a:rPr lang="en-US" dirty="0" err="1"/>
-              <a:t>p</a:t>
-            </a:r>
-            <a:r>
-              <a:rPr lang="en-US" dirty="0" err="1" smtClean="0"/>
-              <a:t>utchar</a:t>
-            </a:r>
-            <a:r>
-              <a:rPr lang="en-US" dirty="0" smtClean="0"/>
+              <a:t>putchar</a:t>
+            </a:r>
+            <a:r>
+              <a:rPr lang="en-US" dirty="0"/>
               <a:t>()</a:t>
             </a:r>
           </a:p>
           <a:p>
-            <a:endParaRPr lang="en-US" dirty="0" smtClean="0"/>
-          </a:p>
-          <a:p>
-            <a:pPr marL="0" indent="0">
-              <a:buNone/>
-            </a:pPr>
-            <a:r>
-              <a:rPr lang="en-US" dirty="0" smtClean="0">
+            <a:endParaRPr lang="en-US" dirty="0"/>
+          </a:p>
+          <a:p>
+            <a:pPr marL="0" indent="0">
+              <a:buNone/>
+            </a:pPr>
+            <a:r>
+              <a:rPr lang="en-US" dirty="0">
                 <a:solidFill>
                   <a:srgbClr val="FF0000"/>
                 </a:solidFill>
@@ -17377,7 +17069,7 @@
               <a:t>#include&lt;</a:t>
             </a:r>
             <a:r>
-              <a:rPr lang="en-US" dirty="0" err="1" smtClean="0">
+              <a:rPr lang="en-US" dirty="0" err="1">
                 <a:solidFill>
                   <a:srgbClr val="FF0000"/>
                 </a:solidFill>
@@ -17385,7 +17077,7 @@
               <a:t>stdio.h</a:t>
             </a:r>
             <a:r>
-              <a:rPr lang="en-US" dirty="0" smtClean="0">
+              <a:rPr lang="en-US" dirty="0">
                 <a:solidFill>
                   <a:srgbClr val="FF0000"/>
                 </a:solidFill>
@@ -17398,7 +17090,7 @@
               <a:buNone/>
             </a:pPr>
             <a:r>
-              <a:rPr lang="en-US" dirty="0" smtClean="0">
+              <a:rPr lang="en-US" dirty="0">
                 <a:solidFill>
                   <a:srgbClr val="FF0000"/>
                 </a:solidFill>
@@ -17406,7 +17098,7 @@
               <a:t>#include&lt;</a:t>
             </a:r>
             <a:r>
-              <a:rPr lang="en-US" dirty="0" err="1" smtClean="0">
+              <a:rPr lang="en-US" dirty="0" err="1">
                 <a:solidFill>
                   <a:srgbClr val="FF0000"/>
                 </a:solidFill>
@@ -17414,7 +17106,7 @@
               <a:t>ctype.h</a:t>
             </a:r>
             <a:r>
-              <a:rPr lang="en-US" dirty="0" smtClean="0">
+              <a:rPr lang="en-US" dirty="0">
                 <a:solidFill>
                   <a:srgbClr val="FF0000"/>
                 </a:solidFill>
@@ -17427,7 +17119,7 @@
               <a:buNone/>
             </a:pPr>
             <a:r>
-              <a:rPr lang="en-US" dirty="0" err="1" smtClean="0">
+              <a:rPr lang="en-US" dirty="0" err="1">
                 <a:solidFill>
                   <a:srgbClr val="FF0000"/>
                 </a:solidFill>
@@ -17435,7 +17127,7 @@
               <a:t>int</a:t>
             </a:r>
             <a:r>
-              <a:rPr lang="en-US" dirty="0" smtClean="0">
+              <a:rPr lang="en-US" dirty="0">
                 <a:solidFill>
                   <a:srgbClr val="FF0000"/>
                 </a:solidFill>
@@ -17448,7 +17140,7 @@
               <a:buNone/>
             </a:pPr>
             <a:r>
-              <a:rPr lang="en-US" dirty="0" smtClean="0">
+              <a:rPr lang="en-US" dirty="0">
                 <a:solidFill>
                   <a:srgbClr val="FF0000"/>
                 </a:solidFill>
@@ -17461,7 +17153,7 @@
               <a:buNone/>
             </a:pPr>
             <a:r>
-              <a:rPr lang="en-US" dirty="0" smtClean="0">
+              <a:rPr lang="en-US" dirty="0">
                 <a:solidFill>
                   <a:srgbClr val="FF0000"/>
                 </a:solidFill>
@@ -17469,7 +17161,7 @@
               <a:t> 	</a:t>
             </a:r>
             <a:r>
-              <a:rPr lang="en-US" dirty="0" err="1" smtClean="0">
+              <a:rPr lang="en-US" dirty="0" err="1">
                 <a:solidFill>
                   <a:srgbClr val="FF0000"/>
                 </a:solidFill>
@@ -17477,7 +17169,7 @@
               <a:t>int</a:t>
             </a:r>
             <a:r>
-              <a:rPr lang="en-US" dirty="0" smtClean="0">
+              <a:rPr lang="en-US" dirty="0">
                 <a:solidFill>
                   <a:srgbClr val="FF0000"/>
                 </a:solidFill>
@@ -17490,7 +17182,7 @@
               <a:buNone/>
             </a:pPr>
             <a:r>
-              <a:rPr lang="en-US" dirty="0" smtClean="0">
+              <a:rPr lang="en-US" dirty="0">
                 <a:solidFill>
                   <a:srgbClr val="FF0000"/>
                 </a:solidFill>
@@ -17498,7 +17190,7 @@
               <a:t>	while ((c=</a:t>
             </a:r>
             <a:r>
-              <a:rPr lang="en-US" dirty="0" err="1" smtClean="0">
+              <a:rPr lang="en-US" dirty="0" err="1">
                 <a:solidFill>
                   <a:srgbClr val="FF0000"/>
                 </a:solidFill>
@@ -17506,7 +17198,7 @@
               <a:t>getchar</a:t>
             </a:r>
             <a:r>
-              <a:rPr lang="en-US" dirty="0" smtClean="0">
+              <a:rPr lang="en-US" dirty="0">
                 <a:solidFill>
                   <a:srgbClr val="FF0000"/>
                 </a:solidFill>
@@ -17519,7 +17211,7 @@
               <a:buNone/>
             </a:pPr>
             <a:r>
-              <a:rPr lang="en-US" dirty="0" smtClean="0">
+              <a:rPr lang="en-US" dirty="0">
                 <a:solidFill>
                   <a:srgbClr val="FF0000"/>
                 </a:solidFill>
@@ -17527,7 +17219,7 @@
               <a:t>		</a:t>
             </a:r>
             <a:r>
-              <a:rPr lang="en-US" dirty="0" err="1" smtClean="0">
+              <a:rPr lang="en-US" dirty="0" err="1">
                 <a:solidFill>
                   <a:srgbClr val="FF0000"/>
                 </a:solidFill>
@@ -17535,7 +17227,7 @@
               <a:t>putchar</a:t>
             </a:r>
             <a:r>
-              <a:rPr lang="en-US" dirty="0" smtClean="0">
+              <a:rPr lang="en-US" dirty="0">
                 <a:solidFill>
                   <a:srgbClr val="FF0000"/>
                 </a:solidFill>
@@ -17543,7 +17235,7 @@
               <a:t>(</a:t>
             </a:r>
             <a:r>
-              <a:rPr lang="en-US" dirty="0" err="1" smtClean="0">
+              <a:rPr lang="en-US" dirty="0" err="1">
                 <a:solidFill>
                   <a:srgbClr val="FF0000"/>
                 </a:solidFill>
@@ -17551,7 +17243,7 @@
               <a:t>tolower</a:t>
             </a:r>
             <a:r>
-              <a:rPr lang="en-US" dirty="0" smtClean="0">
+              <a:rPr lang="en-US" dirty="0">
                 <a:solidFill>
                   <a:srgbClr val="FF0000"/>
                 </a:solidFill>
@@ -17564,7 +17256,7 @@
               <a:buNone/>
             </a:pPr>
             <a:r>
-              <a:rPr lang="en-US" dirty="0" smtClean="0">
+              <a:rPr lang="en-US" dirty="0">
                 <a:solidFill>
                   <a:srgbClr val="FF0000"/>
                 </a:solidFill>
@@ -17577,7 +17269,7 @@
               <a:buNone/>
             </a:pPr>
             <a:r>
-              <a:rPr lang="en-US" dirty="0" smtClean="0">
+              <a:rPr lang="en-US" dirty="0">
                 <a:solidFill>
                   <a:srgbClr val="FF0000"/>
                 </a:solidFill>
@@ -17667,15 +17359,15 @@
           <a:lstStyle/>
           <a:p>
             <a:r>
-              <a:rPr lang="en-US" dirty="0" smtClean="0"/>
+              <a:rPr lang="en-US" dirty="0"/>
               <a:t>The output function </a:t>
             </a:r>
             <a:r>
-              <a:rPr lang="en-US" dirty="0" err="1" smtClean="0"/>
+              <a:rPr lang="en-US" dirty="0" err="1"/>
               <a:t>printf</a:t>
             </a:r>
             <a:r>
-              <a:rPr lang="en-US" dirty="0" smtClean="0"/>
+              <a:rPr lang="en-US" dirty="0"/>
               <a:t>() translates internal values to characters.</a:t>
             </a:r>
           </a:p>
@@ -17684,7 +17376,7 @@
               <a:buNone/>
             </a:pPr>
             <a:r>
-              <a:rPr lang="en-US" dirty="0" err="1" smtClean="0">
+              <a:rPr lang="en-US" dirty="0" err="1">
                 <a:solidFill>
                   <a:srgbClr val="00B050"/>
                 </a:solidFill>
@@ -17692,7 +17384,7 @@
               <a:t>Int</a:t>
             </a:r>
             <a:r>
-              <a:rPr lang="en-US" dirty="0" smtClean="0">
+              <a:rPr lang="en-US" dirty="0">
                 <a:solidFill>
                   <a:srgbClr val="00B050"/>
                 </a:solidFill>
@@ -17700,7 +17392,7 @@
               <a:t> </a:t>
             </a:r>
             <a:r>
-              <a:rPr lang="en-US" dirty="0" err="1" smtClean="0">
+              <a:rPr lang="en-US" dirty="0" err="1">
                 <a:solidFill>
                   <a:srgbClr val="00B050"/>
                 </a:solidFill>
@@ -17708,7 +17400,7 @@
               <a:t>printf</a:t>
             </a:r>
             <a:r>
-              <a:rPr lang="en-US" dirty="0" smtClean="0">
+              <a:rPr lang="en-US" dirty="0">
                 <a:solidFill>
                   <a:srgbClr val="00B050"/>
                 </a:solidFill>
@@ -17718,7 +17410,7 @@
           </a:p>
           <a:p>
             <a:r>
-              <a:rPr lang="en-US" dirty="0" smtClean="0">
+              <a:rPr lang="en-US" dirty="0">
                 <a:solidFill>
                   <a:srgbClr val="FF0000"/>
                 </a:solidFill>
@@ -17729,7 +17421,7 @@
           <a:p>
             <a:pPr lvl="1"/>
             <a:r>
-              <a:rPr lang="en-US" dirty="0" smtClean="0">
+              <a:rPr lang="en-US" dirty="0">
                 <a:solidFill>
                   <a:srgbClr val="FF0000"/>
                 </a:solidFill>
@@ -17740,7 +17432,7 @@
           <a:p>
             <a:pPr lvl="1"/>
             <a:r>
-              <a:rPr lang="en-US" dirty="0" smtClean="0">
+              <a:rPr lang="en-US" dirty="0">
                 <a:solidFill>
                   <a:srgbClr val="FF0000"/>
                 </a:solidFill>
@@ -17751,7 +17443,7 @@
           <a:p>
             <a:pPr lvl="2"/>
             <a:r>
-              <a:rPr lang="en-US" dirty="0" smtClean="0">
+              <a:rPr lang="en-US" dirty="0">
                 <a:solidFill>
                   <a:srgbClr val="FF0000"/>
                 </a:solidFill>
@@ -17762,7 +17454,7 @@
           <a:p>
             <a:pPr lvl="2"/>
             <a:r>
-              <a:rPr lang="en-US" dirty="0" smtClean="0">
+              <a:rPr lang="en-US" dirty="0">
                 <a:solidFill>
                   <a:srgbClr val="FF0000"/>
                 </a:solidFill>
@@ -17773,7 +17465,7 @@
           <a:p>
             <a:pPr lvl="2"/>
             <a:r>
-              <a:rPr lang="en-US" dirty="0" smtClean="0">
+              <a:rPr lang="en-US" dirty="0">
                 <a:solidFill>
                   <a:srgbClr val="FF0000"/>
                 </a:solidFill>
@@ -17784,7 +17476,7 @@
           <a:p>
             <a:pPr lvl="2"/>
             <a:r>
-              <a:rPr lang="en-US" dirty="0" smtClean="0">
+              <a:rPr lang="en-US" dirty="0">
                 <a:solidFill>
                   <a:srgbClr val="FF0000"/>
                 </a:solidFill>
@@ -17795,7 +17487,7 @@
           <a:p>
             <a:pPr lvl="2"/>
             <a:r>
-              <a:rPr lang="en-US" dirty="0" smtClean="0">
+              <a:rPr lang="en-US" dirty="0">
                 <a:solidFill>
                   <a:srgbClr val="FF0000"/>
                 </a:solidFill>
@@ -17806,7 +17498,7 @@
           <a:p>
             <a:pPr lvl="2"/>
             <a:r>
-              <a:rPr lang="en-US" dirty="0" smtClean="0">
+              <a:rPr lang="en-US" dirty="0">
                 <a:solidFill>
                   <a:srgbClr val="FF0000"/>
                 </a:solidFill>
@@ -17817,7 +17509,7 @@
           <a:p>
             <a:pPr lvl="2"/>
             <a:r>
-              <a:rPr lang="en-US" dirty="0" smtClean="0">
+              <a:rPr lang="en-US" dirty="0">
                 <a:solidFill>
                   <a:srgbClr val="FF0000"/>
                 </a:solidFill>
@@ -17903,25 +17595,25 @@
           <a:bodyPr/>
           <a:lstStyle/>
           <a:p>
-            <a:endParaRPr lang="en-US" dirty="0" smtClean="0"/>
-          </a:p>
-          <a:p>
             <a:endParaRPr lang="en-US" dirty="0"/>
           </a:p>
           <a:p>
-            <a:endParaRPr lang="en-US" dirty="0" smtClean="0"/>
-          </a:p>
-          <a:p>
             <a:endParaRPr lang="en-US" dirty="0"/>
           </a:p>
           <a:p>
-            <a:endParaRPr lang="en-US" dirty="0" smtClean="0"/>
-          </a:p>
-          <a:p>
             <a:endParaRPr lang="en-US" dirty="0"/>
           </a:p>
           <a:p>
-            <a:endParaRPr lang="en-US" dirty="0" smtClean="0"/>
+            <a:endParaRPr lang="en-US" dirty="0"/>
+          </a:p>
+          <a:p>
+            <a:endParaRPr lang="en-US" dirty="0"/>
+          </a:p>
+          <a:p>
+            <a:endParaRPr lang="en-US" dirty="0"/>
+          </a:p>
+          <a:p>
+            <a:endParaRPr lang="en-US" dirty="0"/>
           </a:p>
           <a:p>
             <a:endParaRPr lang="en-IN" dirty="0"/>
@@ -18005,8 +17697,20 @@
             <a:tbl>
               <a:tblPr/>
               <a:tblGrid>
-                <a:gridCol w="936104"/>
-                <a:gridCol w="5591572"/>
+                <a:gridCol w="936104">
+                  <a:extLst>
+                    <a:ext uri="{9D8B030D-6E8A-4147-A177-3AD203B41FA5}">
+                      <a16:colId xmlns:a16="http://schemas.microsoft.com/office/drawing/2014/main" val="20000"/>
+                    </a:ext>
+                  </a:extLst>
+                </a:gridCol>
+                <a:gridCol w="5591572">
+                  <a:extLst>
+                    <a:ext uri="{9D8B030D-6E8A-4147-A177-3AD203B41FA5}">
+                      <a16:colId xmlns:a16="http://schemas.microsoft.com/office/drawing/2014/main" val="20001"/>
+                    </a:ext>
+                  </a:extLst>
+                </a:gridCol>
               </a:tblGrid>
               <a:tr h="0">
                 <a:tc>
@@ -18016,19 +17720,19 @@
                     <a:p>
                       <a:pPr algn="l" fontAlgn="t"/>
                       <a:r>
-                        <a:rPr lang="en-US" b="1" dirty="0" smtClean="0">
+                        <a:rPr lang="en-US" b="1" dirty="0">
                           <a:effectLst/>
                         </a:rPr>
                         <a:t>p</a:t>
                       </a:r>
-                      <a:endParaRPr lang="en-IN" b="1" dirty="0" smtClean="0">
+                      <a:endParaRPr lang="en-IN" b="1" dirty="0">
                         <a:effectLst/>
                       </a:endParaRPr>
                     </a:p>
                     <a:p>
                       <a:pPr algn="l" fontAlgn="t"/>
                       <a:r>
-                        <a:rPr lang="en-US" b="1" dirty="0" smtClean="0">
+                        <a:rPr lang="en-US" b="1" dirty="0">
                           <a:effectLst/>
                         </a:rPr>
                         <a:t>%</a:t>
@@ -18090,26 +17794,17 @@
                         <a:rPr lang="en-US" dirty="0">
                           <a:effectLst/>
                         </a:rPr>
-                        <a:t>Display the argument as an address in hexadecimal digits</a:t>
-                      </a:r>
-                      <a:r>
-                        <a:rPr lang="en-US" dirty="0" smtClean="0">
-                          <a:effectLst/>
-                        </a:rPr>
-                        <a:t>.</a:t>
+                        <a:t>Display the argument as an address in hexadecimal digits.</a:t>
                       </a:r>
                     </a:p>
                     <a:p>
                       <a:pPr algn="l" fontAlgn="t"/>
                       <a:r>
-                        <a:rPr lang="en-US" dirty="0" smtClean="0">
+                        <a:rPr lang="en-US" dirty="0">
                           <a:effectLst/>
                         </a:rPr>
                         <a:t>No argument is converted, print a %</a:t>
                       </a:r>
-                      <a:endParaRPr lang="en-US" dirty="0">
-                        <a:effectLst/>
-                      </a:endParaRPr>
                     </a:p>
                   </a:txBody>
                   <a:tcPr>
@@ -18154,6 +17849,11 @@
                     </a:solidFill>
                   </a:tcPr>
                 </a:tc>
+                <a:extLst>
+                  <a:ext uri="{0D108BD9-81ED-4DB2-BD59-A6C34878D82A}">
+                    <a16:rowId xmlns:a16="http://schemas.microsoft.com/office/drawing/2014/main" val="10000"/>
+                  </a:ext>
+                </a:extLst>
               </a:tr>
             </a:tbl>
           </a:graphicData>
@@ -18205,7 +17905,7 @@
           <a:lstStyle/>
           <a:p>
             <a:r>
-              <a:rPr lang="en-US" dirty="0" smtClean="0"/>
+              <a:rPr lang="en-US" dirty="0"/>
               <a:t>Example</a:t>
             </a:r>
             <a:endParaRPr lang="en-IN" dirty="0"/>
@@ -18243,15 +17943,15 @@
               <a:buNone/>
             </a:pPr>
             <a:r>
-              <a:rPr lang="en-IN" dirty="0" smtClean="0"/>
+              <a:rPr lang="en-IN" dirty="0"/>
               <a:t>#include&lt;</a:t>
             </a:r>
             <a:r>
-              <a:rPr lang="en-IN" dirty="0" err="1" smtClean="0"/>
+              <a:rPr lang="en-IN" dirty="0" err="1"/>
               <a:t>stdio.h</a:t>
             </a:r>
             <a:r>
-              <a:rPr lang="en-IN" dirty="0" smtClean="0"/>
+              <a:rPr lang="en-IN" dirty="0"/>
               <a:t>&gt;</a:t>
             </a:r>
           </a:p>
@@ -18259,14 +17959,14 @@
             <a:pPr marL="0" indent="0">
               <a:buNone/>
             </a:pPr>
-            <a:endParaRPr lang="en-IN" dirty="0" smtClean="0"/>
-          </a:p>
-          <a:p>
-            <a:pPr marL="0" indent="0">
-              <a:buNone/>
-            </a:pPr>
-            <a:r>
-              <a:rPr lang="en-IN" dirty="0" smtClean="0"/>
+            <a:endParaRPr lang="en-IN" dirty="0"/>
+          </a:p>
+          <a:p>
+            <a:pPr marL="0" indent="0">
+              <a:buNone/>
+            </a:pPr>
+            <a:r>
+              <a:rPr lang="en-IN" dirty="0"/>
               <a:t>main()</a:t>
             </a:r>
           </a:p>
@@ -18275,7 +17975,7 @@
               <a:buNone/>
             </a:pPr>
             <a:r>
-              <a:rPr lang="en-IN" dirty="0" smtClean="0"/>
+              <a:rPr lang="en-IN" dirty="0"/>
               <a:t>{</a:t>
             </a:r>
           </a:p>
@@ -18284,23 +17984,23 @@
               <a:buNone/>
             </a:pPr>
             <a:r>
-              <a:rPr lang="en-IN" dirty="0" smtClean="0"/>
+              <a:rPr lang="en-IN" dirty="0"/>
               <a:t>	</a:t>
             </a:r>
             <a:r>
-              <a:rPr lang="en-IN" dirty="0" err="1" smtClean="0"/>
+              <a:rPr lang="en-IN" dirty="0" err="1"/>
               <a:t>int</a:t>
             </a:r>
             <a:r>
-              <a:rPr lang="en-IN" dirty="0" smtClean="0"/>
+              <a:rPr lang="en-IN" dirty="0"/>
               <a:t> </a:t>
             </a:r>
             <a:r>
-              <a:rPr lang="en-IN" dirty="0" err="1" smtClean="0"/>
+              <a:rPr lang="en-IN" dirty="0" err="1"/>
               <a:t>a,b</a:t>
             </a:r>
             <a:r>
-              <a:rPr lang="en-IN" dirty="0" smtClean="0"/>
+              <a:rPr lang="en-IN" dirty="0"/>
               <a:t>;</a:t>
             </a:r>
           </a:p>
@@ -18309,15 +18009,15 @@
               <a:buNone/>
             </a:pPr>
             <a:r>
-              <a:rPr lang="en-IN" dirty="0" smtClean="0"/>
+              <a:rPr lang="en-IN" dirty="0"/>
               <a:t>	float </a:t>
             </a:r>
             <a:r>
-              <a:rPr lang="en-IN" dirty="0" err="1" smtClean="0"/>
+              <a:rPr lang="en-IN" dirty="0" err="1"/>
               <a:t>c,d</a:t>
             </a:r>
             <a:r>
-              <a:rPr lang="en-IN" dirty="0" smtClean="0"/>
+              <a:rPr lang="en-IN" dirty="0"/>
               <a:t>;</a:t>
             </a:r>
           </a:p>
@@ -18326,7 +18026,7 @@
               <a:buNone/>
             </a:pPr>
             <a:r>
-              <a:rPr lang="en-IN" dirty="0" smtClean="0"/>
+              <a:rPr lang="en-IN" dirty="0"/>
               <a:t>	a = 15;</a:t>
             </a:r>
           </a:p>
@@ -18335,7 +18035,7 @@
               <a:buNone/>
             </a:pPr>
             <a:r>
-              <a:rPr lang="en-IN" dirty="0" smtClean="0"/>
+              <a:rPr lang="en-IN" dirty="0"/>
               <a:t>	b = a / 2;</a:t>
             </a:r>
           </a:p>
@@ -18344,23 +18044,23 @@
               <a:buNone/>
             </a:pPr>
             <a:r>
-              <a:rPr lang="en-IN" dirty="0" smtClean="0"/>
+              <a:rPr lang="en-IN" dirty="0"/>
               <a:t>	</a:t>
             </a:r>
             <a:r>
-              <a:rPr lang="en-IN" dirty="0" err="1" smtClean="0"/>
+              <a:rPr lang="en-IN" dirty="0" err="1"/>
               <a:t>printf</a:t>
             </a:r>
             <a:r>
-              <a:rPr lang="en-IN" dirty="0" smtClean="0"/>
+              <a:rPr lang="en-IN" dirty="0"/>
               <a:t>("%d\</a:t>
             </a:r>
             <a:r>
-              <a:rPr lang="en-IN" dirty="0" err="1" smtClean="0"/>
+              <a:rPr lang="en-IN" dirty="0" err="1"/>
               <a:t>n",b</a:t>
             </a:r>
             <a:r>
-              <a:rPr lang="en-IN" dirty="0" smtClean="0"/>
+              <a:rPr lang="en-IN" dirty="0"/>
               <a:t>);</a:t>
             </a:r>
           </a:p>
@@ -18369,23 +18069,23 @@
               <a:buNone/>
             </a:pPr>
             <a:r>
-              <a:rPr lang="en-IN" dirty="0" smtClean="0"/>
+              <a:rPr lang="en-IN" dirty="0"/>
               <a:t>		</a:t>
             </a:r>
             <a:r>
-              <a:rPr lang="en-IN" dirty="0" err="1" smtClean="0"/>
+              <a:rPr lang="en-IN" dirty="0" err="1"/>
               <a:t>printf</a:t>
             </a:r>
             <a:r>
-              <a:rPr lang="en-IN" dirty="0" smtClean="0"/>
+              <a:rPr lang="en-IN" dirty="0"/>
               <a:t>("%3d\</a:t>
             </a:r>
             <a:r>
-              <a:rPr lang="en-IN" dirty="0" err="1" smtClean="0"/>
+              <a:rPr lang="en-IN" dirty="0" err="1"/>
               <a:t>n",b</a:t>
             </a:r>
             <a:r>
-              <a:rPr lang="en-IN" dirty="0" smtClean="0"/>
+              <a:rPr lang="en-IN" dirty="0"/>
               <a:t>);</a:t>
             </a:r>
           </a:p>
@@ -18394,23 +18094,23 @@
               <a:buNone/>
             </a:pPr>
             <a:r>
-              <a:rPr lang="en-IN" dirty="0" smtClean="0"/>
+              <a:rPr lang="en-IN" dirty="0"/>
               <a:t>		</a:t>
             </a:r>
             <a:r>
-              <a:rPr lang="en-IN" dirty="0" err="1" smtClean="0"/>
+              <a:rPr lang="en-IN" dirty="0" err="1"/>
               <a:t>printf</a:t>
             </a:r>
             <a:r>
-              <a:rPr lang="en-IN" dirty="0" smtClean="0"/>
+              <a:rPr lang="en-IN" dirty="0"/>
               <a:t>("%03d\</a:t>
             </a:r>
             <a:r>
-              <a:rPr lang="en-IN" dirty="0" err="1" smtClean="0"/>
+              <a:rPr lang="en-IN" dirty="0" err="1"/>
               <a:t>n",b</a:t>
             </a:r>
             <a:r>
-              <a:rPr lang="en-IN" dirty="0" smtClean="0"/>
+              <a:rPr lang="en-IN" dirty="0"/>
               <a:t>);</a:t>
             </a:r>
           </a:p>
@@ -18418,14 +18118,14 @@
             <a:pPr marL="0" indent="0">
               <a:buNone/>
             </a:pPr>
-            <a:endParaRPr lang="en-IN" dirty="0" smtClean="0"/>
-          </a:p>
-          <a:p>
-            <a:pPr marL="0" indent="0">
-              <a:buNone/>
-            </a:pPr>
-            <a:r>
-              <a:rPr lang="en-IN" dirty="0" smtClean="0"/>
+            <a:endParaRPr lang="en-IN" dirty="0"/>
+          </a:p>
+          <a:p>
+            <a:pPr marL="0" indent="0">
+              <a:buNone/>
+            </a:pPr>
+            <a:r>
+              <a:rPr lang="en-IN" dirty="0"/>
               <a:t>	c = 15.3;</a:t>
             </a:r>
           </a:p>
@@ -18434,7 +18134,7 @@
               <a:buNone/>
             </a:pPr>
             <a:r>
-              <a:rPr lang="en-IN" dirty="0" smtClean="0"/>
+              <a:rPr lang="en-IN" dirty="0"/>
               <a:t>	d = c / 3;</a:t>
             </a:r>
           </a:p>
@@ -18443,23 +18143,23 @@
               <a:buNone/>
             </a:pPr>
             <a:r>
-              <a:rPr lang="en-IN" dirty="0" smtClean="0"/>
+              <a:rPr lang="en-IN" dirty="0"/>
               <a:t>		</a:t>
             </a:r>
             <a:r>
-              <a:rPr lang="en-IN" dirty="0" err="1" smtClean="0"/>
+              <a:rPr lang="en-IN" dirty="0" err="1"/>
               <a:t>printf</a:t>
             </a:r>
             <a:r>
-              <a:rPr lang="en-IN" dirty="0" smtClean="0"/>
+              <a:rPr lang="en-IN" dirty="0"/>
               <a:t>("%3.2f\</a:t>
             </a:r>
             <a:r>
-              <a:rPr lang="en-IN" dirty="0" err="1" smtClean="0"/>
+              <a:rPr lang="en-IN" dirty="0" err="1"/>
               <a:t>n",d</a:t>
             </a:r>
             <a:r>
-              <a:rPr lang="en-IN" dirty="0" smtClean="0"/>
+              <a:rPr lang="en-IN" dirty="0"/>
               <a:t>);</a:t>
             </a:r>
           </a:p>
@@ -18468,10 +18168,9 @@
               <a:buNone/>
             </a:pPr>
             <a:r>
-              <a:rPr lang="en-IN" dirty="0" smtClean="0"/>
+              <a:rPr lang="en-IN" dirty="0"/>
               <a:t>	}</a:t>
             </a:r>
-            <a:endParaRPr lang="en-IN" dirty="0"/>
           </a:p>
         </p:txBody>
       </p:sp>
@@ -18506,7 +18205,7 @@
               <a:buNone/>
             </a:pPr>
             <a:r>
-              <a:rPr lang="de-DE" dirty="0" smtClean="0"/>
+              <a:rPr lang="de-DE" dirty="0"/>
               <a:t>#include&lt;stdio.h&gt;</a:t>
             </a:r>
           </a:p>
@@ -18514,14 +18213,14 @@
             <a:pPr marL="0" indent="0">
               <a:buNone/>
             </a:pPr>
-            <a:endParaRPr lang="de-DE" dirty="0" smtClean="0"/>
-          </a:p>
-          <a:p>
-            <a:pPr marL="0" indent="0">
-              <a:buNone/>
-            </a:pPr>
-            <a:r>
-              <a:rPr lang="de-DE" dirty="0" smtClean="0"/>
+            <a:endParaRPr lang="de-DE" dirty="0"/>
+          </a:p>
+          <a:p>
+            <a:pPr marL="0" indent="0">
+              <a:buNone/>
+            </a:pPr>
+            <a:r>
+              <a:rPr lang="de-DE" dirty="0"/>
               <a:t>main()</a:t>
             </a:r>
           </a:p>
@@ -18530,7 +18229,7 @@
               <a:buNone/>
             </a:pPr>
             <a:r>
-              <a:rPr lang="de-DE" dirty="0" smtClean="0"/>
+              <a:rPr lang="de-DE" dirty="0"/>
               <a:t>{</a:t>
             </a:r>
           </a:p>
@@ -18539,7 +18238,7 @@
               <a:buNone/>
             </a:pPr>
             <a:r>
-              <a:rPr lang="de-DE" dirty="0" smtClean="0"/>
+              <a:rPr lang="de-DE" dirty="0"/>
               <a:t>	int Fahrenheit;</a:t>
             </a:r>
           </a:p>
@@ -18547,14 +18246,14 @@
             <a:pPr marL="0" indent="0">
               <a:buNone/>
             </a:pPr>
-            <a:endParaRPr lang="de-DE" dirty="0" smtClean="0"/>
-          </a:p>
-          <a:p>
-            <a:pPr marL="0" indent="0">
-              <a:buNone/>
-            </a:pPr>
-            <a:r>
-              <a:rPr lang="de-DE" dirty="0" smtClean="0"/>
+            <a:endParaRPr lang="de-DE" dirty="0"/>
+          </a:p>
+          <a:p>
+            <a:pPr marL="0" indent="0">
+              <a:buNone/>
+            </a:pPr>
+            <a:r>
+              <a:rPr lang="de-DE" dirty="0"/>
               <a:t>	for (Fahrenheit = 0; Fahrenheit &lt;= 300; Fahrenheit = Fahrenheit + 20)</a:t>
             </a:r>
           </a:p>
@@ -18563,7 +18262,7 @@
               <a:buNone/>
             </a:pPr>
             <a:r>
-              <a:rPr lang="de-DE" dirty="0" smtClean="0"/>
+              <a:rPr lang="de-DE" dirty="0"/>
               <a:t>		printf("%3d %06.3f\n", Fahrenheit, (5.0/9.0)*(Fahrenheit-32));</a:t>
             </a:r>
           </a:p>
@@ -18572,7 +18271,7 @@
               <a:buNone/>
             </a:pPr>
             <a:r>
-              <a:rPr lang="de-DE" dirty="0" smtClean="0"/>
+              <a:rPr lang="de-DE" dirty="0"/>
               <a:t>}</a:t>
             </a:r>
           </a:p>
@@ -18660,7 +18359,7 @@
               <a:tabLst/>
             </a:pPr>
             <a:r>
-              <a:rPr kumimoji="0" lang="en-US" altLang="en-US" sz="1000" b="0" i="0" u="none" strike="noStrike" cap="none" normalizeH="0" baseline="0" smtClean="0">
+              <a:rPr kumimoji="0" lang="en-US" altLang="en-US" sz="1000" b="0" i="0" u="none" strike="noStrike" cap="none" normalizeH="0" baseline="0">
                 <a:ln>
                   <a:noFill/>
                 </a:ln>
@@ -18674,7 +18373,7 @@
               <a:t>7 7 007 5.10</a:t>
             </a:r>
             <a:r>
-              <a:rPr kumimoji="0" lang="en-US" altLang="en-US" sz="800" b="0" i="0" u="none" strike="noStrike" cap="none" normalizeH="0" baseline="0" smtClean="0">
+              <a:rPr kumimoji="0" lang="en-US" altLang="en-US" sz="800" b="0" i="0" u="none" strike="noStrike" cap="none" normalizeH="0" baseline="0">
                 <a:ln>
                   <a:noFill/>
                 </a:ln>
@@ -18687,7 +18386,7 @@
               </a:rPr>
               <a:t> </a:t>
             </a:r>
-            <a:endParaRPr kumimoji="0" lang="en-US" altLang="en-US" sz="1800" b="0" i="0" u="none" strike="noStrike" cap="none" normalizeH="0" baseline="0" smtClean="0">
+            <a:endParaRPr kumimoji="0" lang="en-US" altLang="en-US" sz="1800" b="0" i="0" u="none" strike="noStrike" cap="none" normalizeH="0" baseline="0">
               <a:ln>
                 <a:noFill/>
               </a:ln>
@@ -18777,7 +18476,7 @@
               <a:tabLst/>
             </a:pPr>
             <a:r>
-              <a:rPr kumimoji="0" lang="en-US" altLang="en-US" sz="1000" b="0" i="0" u="none" strike="noStrike" cap="none" normalizeH="0" baseline="0" smtClean="0">
+              <a:rPr kumimoji="0" lang="en-US" altLang="en-US" sz="1000" b="0" i="0" u="none" strike="noStrike" cap="none" normalizeH="0" baseline="0">
                 <a:ln>
                   <a:noFill/>
                 </a:ln>
@@ -18791,7 +18490,7 @@
               <a:t>7 7 007 5.10</a:t>
             </a:r>
             <a:r>
-              <a:rPr kumimoji="0" lang="en-US" altLang="en-US" sz="800" b="0" i="0" u="none" strike="noStrike" cap="none" normalizeH="0" baseline="0" smtClean="0">
+              <a:rPr kumimoji="0" lang="en-US" altLang="en-US" sz="800" b="0" i="0" u="none" strike="noStrike" cap="none" normalizeH="0" baseline="0">
                 <a:ln>
                   <a:noFill/>
                 </a:ln>
@@ -18804,7 +18503,7 @@
               </a:rPr>
               <a:t> </a:t>
             </a:r>
-            <a:endParaRPr kumimoji="0" lang="en-US" altLang="en-US" sz="1800" b="0" i="0" u="none" strike="noStrike" cap="none" normalizeH="0" baseline="0" smtClean="0">
+            <a:endParaRPr kumimoji="0" lang="en-US" altLang="en-US" sz="1800" b="0" i="0" u="none" strike="noStrike" cap="none" normalizeH="0" baseline="0">
               <a:ln>
                 <a:noFill/>
               </a:ln>
@@ -18894,7 +18593,7 @@
               <a:tabLst/>
             </a:pPr>
             <a:r>
-              <a:rPr kumimoji="0" lang="en-US" altLang="en-US" sz="1000" b="0" i="0" u="none" strike="noStrike" cap="none" normalizeH="0" baseline="0" smtClean="0">
+              <a:rPr kumimoji="0" lang="en-US" altLang="en-US" sz="1000" b="0" i="0" u="none" strike="noStrike" cap="none" normalizeH="0" baseline="0">
                 <a:ln>
                   <a:noFill/>
                 </a:ln>
@@ -18908,7 +18607,7 @@
               <a:t>7 7 007 5.10</a:t>
             </a:r>
             <a:r>
-              <a:rPr kumimoji="0" lang="en-US" altLang="en-US" sz="800" b="0" i="0" u="none" strike="noStrike" cap="none" normalizeH="0" baseline="0" smtClean="0">
+              <a:rPr kumimoji="0" lang="en-US" altLang="en-US" sz="800" b="0" i="0" u="none" strike="noStrike" cap="none" normalizeH="0" baseline="0">
                 <a:ln>
                   <a:noFill/>
                 </a:ln>
@@ -18921,7 +18620,7 @@
               </a:rPr>
               <a:t> </a:t>
             </a:r>
-            <a:endParaRPr kumimoji="0" lang="en-US" altLang="en-US" sz="1800" b="0" i="0" u="none" strike="noStrike" cap="none" normalizeH="0" baseline="0" smtClean="0">
+            <a:endParaRPr kumimoji="0" lang="en-US" altLang="en-US" sz="1800" b="0" i="0" u="none" strike="noStrike" cap="none" normalizeH="0" baseline="0">
               <a:ln>
                 <a:noFill/>
               </a:ln>
@@ -18958,7 +18657,7 @@
           <a:lstStyle/>
           <a:p>
             <a:r>
-              <a:rPr lang="en-IN" dirty="0" smtClean="0">
+              <a:rPr lang="en-IN" dirty="0">
                 <a:solidFill>
                   <a:srgbClr val="FF0000"/>
                 </a:solidFill>
@@ -18968,7 +18667,7 @@
           </a:p>
           <a:p>
             <a:r>
-              <a:rPr lang="en-IN" dirty="0" smtClean="0">
+              <a:rPr lang="en-IN" dirty="0">
                 <a:solidFill>
                   <a:srgbClr val="FF0000"/>
                 </a:solidFill>
@@ -18978,7 +18677,7 @@
           </a:p>
           <a:p>
             <a:r>
-              <a:rPr lang="en-IN" dirty="0" smtClean="0">
+              <a:rPr lang="en-IN" dirty="0">
                 <a:solidFill>
                   <a:srgbClr val="FF0000"/>
                 </a:solidFill>
@@ -18988,18 +18687,13 @@
           </a:p>
           <a:p>
             <a:r>
-              <a:rPr lang="en-IN" dirty="0" smtClean="0">
+              <a:rPr lang="en-IN" dirty="0">
                 <a:solidFill>
                   <a:srgbClr val="FF0000"/>
                 </a:solidFill>
               </a:rPr>
               <a:t>5.10</a:t>
             </a:r>
-            <a:endParaRPr lang="en-IN" dirty="0">
-              <a:solidFill>
-                <a:srgbClr val="FF0000"/>
-              </a:solidFill>
-            </a:endParaRPr>
           </a:p>
         </p:txBody>
       </p:sp>
@@ -19049,7 +18743,7 @@
           <a:lstStyle/>
           <a:p>
             <a:r>
-              <a:rPr lang="en-US" dirty="0" smtClean="0"/>
+              <a:rPr lang="en-US" dirty="0"/>
               <a:t>Examples</a:t>
             </a:r>
             <a:endParaRPr lang="en-IN" dirty="0"/>
@@ -19082,15 +18776,15 @@
               <a:buNone/>
             </a:pPr>
             <a:r>
-              <a:rPr lang="en-IN" dirty="0" smtClean="0"/>
+              <a:rPr lang="en-IN" dirty="0"/>
               <a:t>#include&lt;</a:t>
             </a:r>
             <a:r>
-              <a:rPr lang="en-IN" dirty="0" err="1" smtClean="0"/>
+              <a:rPr lang="en-IN" dirty="0" err="1"/>
               <a:t>stdio.h</a:t>
             </a:r>
             <a:r>
-              <a:rPr lang="en-IN" dirty="0" smtClean="0"/>
+              <a:rPr lang="en-IN" dirty="0"/>
               <a:t>&gt;</a:t>
             </a:r>
           </a:p>
@@ -19098,14 +18792,14 @@
             <a:pPr marL="0" indent="0">
               <a:buNone/>
             </a:pPr>
-            <a:endParaRPr lang="en-IN" dirty="0" smtClean="0"/>
-          </a:p>
-          <a:p>
-            <a:pPr marL="0" indent="0">
-              <a:buNone/>
-            </a:pPr>
-            <a:r>
-              <a:rPr lang="en-IN" dirty="0" smtClean="0"/>
+            <a:endParaRPr lang="en-IN" dirty="0"/>
+          </a:p>
+          <a:p>
+            <a:pPr marL="0" indent="0">
+              <a:buNone/>
+            </a:pPr>
+            <a:r>
+              <a:rPr lang="en-IN" dirty="0"/>
               <a:t>main()</a:t>
             </a:r>
           </a:p>
@@ -19114,7 +18808,7 @@
               <a:buNone/>
             </a:pPr>
             <a:r>
-              <a:rPr lang="en-IN" dirty="0" smtClean="0"/>
+              <a:rPr lang="en-IN" dirty="0"/>
               <a:t>{</a:t>
             </a:r>
           </a:p>
@@ -19123,23 +18817,23 @@
               <a:buNone/>
             </a:pPr>
             <a:r>
-              <a:rPr lang="en-IN" dirty="0" smtClean="0"/>
+              <a:rPr lang="en-IN" dirty="0"/>
               <a:t>	</a:t>
             </a:r>
             <a:r>
-              <a:rPr lang="en-IN" dirty="0" err="1" smtClean="0"/>
+              <a:rPr lang="en-IN" dirty="0" err="1"/>
               <a:t>printf</a:t>
             </a:r>
             <a:r>
-              <a:rPr lang="en-IN" dirty="0" smtClean="0"/>
+              <a:rPr lang="en-IN" dirty="0"/>
               <a:t>("The </a:t>
             </a:r>
             <a:r>
-              <a:rPr lang="en-IN" dirty="0" err="1" smtClean="0"/>
+              <a:rPr lang="en-IN" dirty="0" err="1"/>
               <a:t>color</a:t>
             </a:r>
             <a:r>
-              <a:rPr lang="en-IN" dirty="0" smtClean="0"/>
+              <a:rPr lang="en-IN" dirty="0"/>
               <a:t>: %s\n", "blue");</a:t>
             </a:r>
           </a:p>
@@ -19148,15 +18842,15 @@
               <a:buNone/>
             </a:pPr>
             <a:r>
-              <a:rPr lang="en-IN" dirty="0" smtClean="0"/>
+              <a:rPr lang="en-IN" dirty="0"/>
               <a:t>	</a:t>
             </a:r>
             <a:r>
-              <a:rPr lang="en-IN" dirty="0" err="1" smtClean="0"/>
+              <a:rPr lang="en-IN" dirty="0" err="1"/>
               <a:t>printf</a:t>
             </a:r>
             <a:r>
-              <a:rPr lang="en-IN" dirty="0" smtClean="0"/>
+              <a:rPr lang="en-IN" dirty="0"/>
               <a:t>("First number: %d\n", 12345);</a:t>
             </a:r>
           </a:p>
@@ -19165,15 +18859,15 @@
               <a:buNone/>
             </a:pPr>
             <a:r>
-              <a:rPr lang="en-IN" dirty="0" smtClean="0"/>
+              <a:rPr lang="en-IN" dirty="0"/>
               <a:t>	</a:t>
             </a:r>
             <a:r>
-              <a:rPr lang="en-IN" dirty="0" err="1" smtClean="0"/>
+              <a:rPr lang="en-IN" dirty="0" err="1"/>
               <a:t>printf</a:t>
             </a:r>
             <a:r>
-              <a:rPr lang="en-IN" dirty="0" smtClean="0"/>
+              <a:rPr lang="en-IN" dirty="0"/>
               <a:t>("Second number: %04d\n", 25);</a:t>
             </a:r>
           </a:p>
@@ -19182,23 +18876,23 @@
               <a:buNone/>
             </a:pPr>
             <a:r>
-              <a:rPr lang="en-IN" dirty="0" smtClean="0"/>
+              <a:rPr lang="en-IN" dirty="0"/>
               <a:t>	</a:t>
             </a:r>
             <a:r>
-              <a:rPr lang="en-IN" dirty="0" err="1" smtClean="0"/>
+              <a:rPr lang="en-IN" dirty="0" err="1"/>
               <a:t>printf</a:t>
             </a:r>
             <a:r>
-              <a:rPr lang="en-IN" dirty="0" smtClean="0"/>
+              <a:rPr lang="en-IN" dirty="0"/>
               <a:t>("Third number: %</a:t>
             </a:r>
             <a:r>
-              <a:rPr lang="en-IN" dirty="0" err="1" smtClean="0"/>
+              <a:rPr lang="en-IN" dirty="0" err="1"/>
               <a:t>i</a:t>
             </a:r>
             <a:r>
-              <a:rPr lang="en-IN" dirty="0" smtClean="0"/>
+              <a:rPr lang="en-IN" dirty="0"/>
               <a:t>\n", 1234);</a:t>
             </a:r>
           </a:p>
@@ -19207,15 +18901,15 @@
               <a:buNone/>
             </a:pPr>
             <a:r>
-              <a:rPr lang="en-IN" dirty="0" smtClean="0"/>
+              <a:rPr lang="en-IN" dirty="0"/>
               <a:t>	</a:t>
             </a:r>
             <a:r>
-              <a:rPr lang="en-IN" dirty="0" err="1" smtClean="0"/>
+              <a:rPr lang="en-IN" dirty="0" err="1"/>
               <a:t>printf</a:t>
             </a:r>
             <a:r>
-              <a:rPr lang="en-IN" dirty="0" smtClean="0"/>
+              <a:rPr lang="en-IN" dirty="0"/>
               <a:t>("Float number: %3.2f\n", 3.14159);</a:t>
             </a:r>
           </a:p>
@@ -19224,15 +18918,15 @@
               <a:buNone/>
             </a:pPr>
             <a:r>
-              <a:rPr lang="en-IN" dirty="0" smtClean="0"/>
+              <a:rPr lang="en-IN" dirty="0"/>
               <a:t>	</a:t>
             </a:r>
             <a:r>
-              <a:rPr lang="en-IN" dirty="0" err="1" smtClean="0"/>
+              <a:rPr lang="en-IN" dirty="0" err="1"/>
               <a:t>printf</a:t>
             </a:r>
             <a:r>
-              <a:rPr lang="en-IN" dirty="0" smtClean="0"/>
+              <a:rPr lang="en-IN" dirty="0"/>
               <a:t>("Hexadecimal: %x\n", 255);</a:t>
             </a:r>
           </a:p>
@@ -19241,15 +18935,15 @@
               <a:buNone/>
             </a:pPr>
             <a:r>
-              <a:rPr lang="en-IN" dirty="0" smtClean="0"/>
+              <a:rPr lang="en-IN" dirty="0"/>
               <a:t>	</a:t>
             </a:r>
             <a:r>
-              <a:rPr lang="en-IN" dirty="0" err="1" smtClean="0"/>
+              <a:rPr lang="en-IN" dirty="0" err="1"/>
               <a:t>printf</a:t>
             </a:r>
             <a:r>
-              <a:rPr lang="en-IN" dirty="0" smtClean="0"/>
+              <a:rPr lang="en-IN" dirty="0"/>
               <a:t>("Octal: %o\n", 255);</a:t>
             </a:r>
           </a:p>
@@ -19258,15 +18952,15 @@
               <a:buNone/>
             </a:pPr>
             <a:r>
-              <a:rPr lang="en-IN" dirty="0" smtClean="0"/>
+              <a:rPr lang="en-IN" dirty="0"/>
               <a:t>	</a:t>
             </a:r>
             <a:r>
-              <a:rPr lang="en-IN" dirty="0" err="1" smtClean="0"/>
+              <a:rPr lang="en-IN" dirty="0" err="1"/>
               <a:t>printf</a:t>
             </a:r>
             <a:r>
-              <a:rPr lang="en-IN" dirty="0" smtClean="0"/>
+              <a:rPr lang="en-IN" dirty="0"/>
               <a:t>("Unsigned value: %u\n", 150);</a:t>
             </a:r>
           </a:p>
@@ -19275,15 +18969,15 @@
               <a:buNone/>
             </a:pPr>
             <a:r>
-              <a:rPr lang="en-IN" dirty="0" smtClean="0"/>
+              <a:rPr lang="en-IN" dirty="0"/>
               <a:t>	</a:t>
             </a:r>
             <a:r>
-              <a:rPr lang="en-IN" dirty="0" err="1" smtClean="0"/>
+              <a:rPr lang="en-IN" dirty="0" err="1"/>
               <a:t>printf</a:t>
             </a:r>
             <a:r>
-              <a:rPr lang="en-IN" dirty="0" smtClean="0"/>
+              <a:rPr lang="en-IN" dirty="0"/>
               <a:t>("Just print the percentage sign %%\n", 10);</a:t>
             </a:r>
           </a:p>
@@ -19292,10 +18986,9 @@
               <a:buNone/>
             </a:pPr>
             <a:r>
-              <a:rPr lang="en-IN" dirty="0" smtClean="0"/>
+              <a:rPr lang="en-IN" dirty="0"/>
               <a:t>}</a:t>
             </a:r>
-            <a:endParaRPr lang="en-IN" dirty="0"/>
           </a:p>
         </p:txBody>
       </p:sp>
@@ -19320,15 +19013,15 @@
               <a:buNone/>
             </a:pPr>
             <a:r>
-              <a:rPr lang="en-IN" dirty="0" smtClean="0"/>
+              <a:rPr lang="en-IN" dirty="0"/>
               <a:t>#include&lt;</a:t>
             </a:r>
             <a:r>
-              <a:rPr lang="en-IN" dirty="0" err="1" smtClean="0"/>
+              <a:rPr lang="en-IN" dirty="0" err="1"/>
               <a:t>stdio.h</a:t>
             </a:r>
             <a:r>
-              <a:rPr lang="en-IN" dirty="0" smtClean="0"/>
+              <a:rPr lang="en-IN" dirty="0"/>
               <a:t>&gt;</a:t>
             </a:r>
           </a:p>
@@ -19336,14 +19029,14 @@
             <a:pPr marL="0" indent="0">
               <a:buNone/>
             </a:pPr>
-            <a:endParaRPr lang="en-IN" dirty="0" smtClean="0"/>
-          </a:p>
-          <a:p>
-            <a:pPr marL="0" indent="0">
-              <a:buNone/>
-            </a:pPr>
-            <a:r>
-              <a:rPr lang="en-IN" dirty="0" smtClean="0"/>
+            <a:endParaRPr lang="en-IN" dirty="0"/>
+          </a:p>
+          <a:p>
+            <a:pPr marL="0" indent="0">
+              <a:buNone/>
+            </a:pPr>
+            <a:r>
+              <a:rPr lang="en-IN" dirty="0"/>
               <a:t>main()</a:t>
             </a:r>
           </a:p>
@@ -19352,7 +19045,7 @@
               <a:buNone/>
             </a:pPr>
             <a:r>
-              <a:rPr lang="en-IN" dirty="0" smtClean="0"/>
+              <a:rPr lang="en-IN" dirty="0"/>
               <a:t>{</a:t>
             </a:r>
           </a:p>
@@ -19361,15 +19054,15 @@
               <a:buNone/>
             </a:pPr>
             <a:r>
-              <a:rPr lang="en-IN" dirty="0" smtClean="0"/>
+              <a:rPr lang="en-IN" dirty="0"/>
               <a:t>	</a:t>
             </a:r>
             <a:r>
-              <a:rPr lang="en-IN" dirty="0" err="1" smtClean="0"/>
+              <a:rPr lang="en-IN" dirty="0" err="1"/>
               <a:t>printf</a:t>
             </a:r>
             <a:r>
-              <a:rPr lang="en-IN" dirty="0" smtClean="0"/>
+              <a:rPr lang="en-IN" dirty="0"/>
               <a:t>(":%s:\n", "Hello, world!");</a:t>
             </a:r>
           </a:p>
@@ -19378,15 +19071,15 @@
               <a:buNone/>
             </a:pPr>
             <a:r>
-              <a:rPr lang="en-IN" dirty="0" smtClean="0"/>
+              <a:rPr lang="en-IN" dirty="0"/>
               <a:t>	</a:t>
             </a:r>
             <a:r>
-              <a:rPr lang="en-IN" dirty="0" err="1" smtClean="0"/>
+              <a:rPr lang="en-IN" dirty="0" err="1"/>
               <a:t>printf</a:t>
             </a:r>
             <a:r>
-              <a:rPr lang="en-IN" dirty="0" smtClean="0"/>
+              <a:rPr lang="en-IN" dirty="0"/>
               <a:t>(":%15s:\n", "Hello, world!");</a:t>
             </a:r>
           </a:p>
@@ -19395,15 +19088,15 @@
               <a:buNone/>
             </a:pPr>
             <a:r>
-              <a:rPr lang="en-IN" dirty="0" smtClean="0"/>
+              <a:rPr lang="en-IN" dirty="0"/>
               <a:t>	</a:t>
             </a:r>
             <a:r>
-              <a:rPr lang="en-IN" dirty="0" err="1" smtClean="0"/>
+              <a:rPr lang="en-IN" dirty="0" err="1"/>
               <a:t>printf</a:t>
             </a:r>
             <a:r>
-              <a:rPr lang="en-IN" dirty="0" smtClean="0"/>
+              <a:rPr lang="en-IN" dirty="0"/>
               <a:t>(":%.10s:\n", "Hello, world!");</a:t>
             </a:r>
           </a:p>
@@ -19412,15 +19105,15 @@
               <a:buNone/>
             </a:pPr>
             <a:r>
-              <a:rPr lang="en-IN" dirty="0" smtClean="0"/>
+              <a:rPr lang="en-IN" dirty="0"/>
               <a:t>	</a:t>
             </a:r>
             <a:r>
-              <a:rPr lang="en-IN" dirty="0" err="1" smtClean="0"/>
+              <a:rPr lang="en-IN" dirty="0" err="1"/>
               <a:t>printf</a:t>
             </a:r>
             <a:r>
-              <a:rPr lang="en-IN" dirty="0" smtClean="0"/>
+              <a:rPr lang="en-IN" dirty="0"/>
               <a:t>(":%-10s:\n", "Hello, world!");</a:t>
             </a:r>
           </a:p>
@@ -19429,15 +19122,15 @@
               <a:buNone/>
             </a:pPr>
             <a:r>
-              <a:rPr lang="en-IN" dirty="0" smtClean="0"/>
+              <a:rPr lang="en-IN" dirty="0"/>
               <a:t>	</a:t>
             </a:r>
             <a:r>
-              <a:rPr lang="en-IN" dirty="0" err="1" smtClean="0"/>
+              <a:rPr lang="en-IN" dirty="0" err="1"/>
               <a:t>printf</a:t>
             </a:r>
             <a:r>
-              <a:rPr lang="en-IN" dirty="0" smtClean="0"/>
+              <a:rPr lang="en-IN" dirty="0"/>
               <a:t>(":%-15s:\n", "Hello, world!");</a:t>
             </a:r>
           </a:p>
@@ -19446,15 +19139,15 @@
               <a:buNone/>
             </a:pPr>
             <a:r>
-              <a:rPr lang="en-IN" dirty="0" smtClean="0"/>
+              <a:rPr lang="en-IN" dirty="0"/>
               <a:t>	</a:t>
             </a:r>
             <a:r>
-              <a:rPr lang="en-IN" dirty="0" err="1" smtClean="0"/>
+              <a:rPr lang="en-IN" dirty="0" err="1"/>
               <a:t>printf</a:t>
             </a:r>
             <a:r>
-              <a:rPr lang="en-IN" dirty="0" smtClean="0"/>
+              <a:rPr lang="en-IN" dirty="0"/>
               <a:t>(":%.15s:\n", "Hello, world!");</a:t>
             </a:r>
           </a:p>
@@ -19463,15 +19156,15 @@
               <a:buNone/>
             </a:pPr>
             <a:r>
-              <a:rPr lang="en-IN" dirty="0" smtClean="0"/>
+              <a:rPr lang="en-IN" dirty="0"/>
               <a:t>	</a:t>
             </a:r>
             <a:r>
-              <a:rPr lang="en-IN" dirty="0" err="1" smtClean="0"/>
+              <a:rPr lang="en-IN" dirty="0" err="1"/>
               <a:t>printf</a:t>
             </a:r>
             <a:r>
-              <a:rPr lang="en-IN" dirty="0" smtClean="0"/>
+              <a:rPr lang="en-IN" dirty="0"/>
               <a:t>(":%15.10s:\n", "Hello, world!");</a:t>
             </a:r>
           </a:p>
@@ -19480,15 +19173,15 @@
               <a:buNone/>
             </a:pPr>
             <a:r>
-              <a:rPr lang="en-IN" dirty="0" smtClean="0"/>
+              <a:rPr lang="en-IN" dirty="0"/>
               <a:t>	</a:t>
             </a:r>
             <a:r>
-              <a:rPr lang="en-IN" dirty="0" err="1" smtClean="0"/>
+              <a:rPr lang="en-IN" dirty="0" err="1"/>
               <a:t>printf</a:t>
             </a:r>
             <a:r>
-              <a:rPr lang="en-IN" dirty="0" smtClean="0"/>
+              <a:rPr lang="en-IN" dirty="0"/>
               <a:t>(":%-15.10s:\n", "Hello, world!");</a:t>
             </a:r>
           </a:p>
@@ -19497,7 +19190,7 @@
               <a:buNone/>
             </a:pPr>
             <a:r>
-              <a:rPr lang="en-IN" dirty="0" smtClean="0"/>
+              <a:rPr lang="en-IN" dirty="0"/>
               <a:t>}</a:t>
             </a:r>
           </a:p>
@@ -19532,7 +19225,7 @@
           <a:lstStyle/>
           <a:p>
             <a:r>
-              <a:rPr lang="en-US" dirty="0" smtClean="0">
+              <a:rPr lang="en-US" dirty="0">
                 <a:solidFill>
                   <a:srgbClr val="FF0000"/>
                 </a:solidFill>
@@ -19542,7 +19235,7 @@
           </a:p>
           <a:p>
             <a:r>
-              <a:rPr lang="en-US" dirty="0" smtClean="0">
+              <a:rPr lang="en-US" dirty="0">
                 <a:solidFill>
                   <a:srgbClr val="FF0000"/>
                 </a:solidFill>
@@ -19552,7 +19245,7 @@
           </a:p>
           <a:p>
             <a:r>
-              <a:rPr lang="en-US" dirty="0" smtClean="0">
+              <a:rPr lang="en-US" dirty="0">
                 <a:solidFill>
                   <a:srgbClr val="FF0000"/>
                 </a:solidFill>
@@ -19560,7 +19253,7 @@
               <a:t>:Hello, </a:t>
             </a:r>
             <a:r>
-              <a:rPr lang="en-US" dirty="0" err="1" smtClean="0">
+              <a:rPr lang="en-US" dirty="0" err="1">
                 <a:solidFill>
                   <a:srgbClr val="FF0000"/>
                 </a:solidFill>
@@ -19568,7 +19261,7 @@
               <a:t>wor</a:t>
             </a:r>
             <a:r>
-              <a:rPr lang="en-US" dirty="0" smtClean="0">
+              <a:rPr lang="en-US" dirty="0">
                 <a:solidFill>
                   <a:srgbClr val="FF0000"/>
                 </a:solidFill>
@@ -19578,7 +19271,7 @@
           </a:p>
           <a:p>
             <a:r>
-              <a:rPr lang="en-US" dirty="0" smtClean="0">
+              <a:rPr lang="en-US" dirty="0">
                 <a:solidFill>
                   <a:srgbClr val="FF0000"/>
                 </a:solidFill>
@@ -19588,7 +19281,7 @@
           </a:p>
           <a:p>
             <a:r>
-              <a:rPr lang="en-US" dirty="0" smtClean="0">
+              <a:rPr lang="en-US" dirty="0">
                 <a:solidFill>
                   <a:srgbClr val="FF0000"/>
                 </a:solidFill>
@@ -19598,7 +19291,7 @@
           </a:p>
           <a:p>
             <a:r>
-              <a:rPr lang="en-US" dirty="0" smtClean="0">
+              <a:rPr lang="en-US" dirty="0">
                 <a:solidFill>
                   <a:srgbClr val="FF0000"/>
                 </a:solidFill>
@@ -19608,7 +19301,7 @@
           </a:p>
           <a:p>
             <a:r>
-              <a:rPr lang="en-US" dirty="0" smtClean="0">
+              <a:rPr lang="en-US" dirty="0">
                 <a:solidFill>
                   <a:srgbClr val="FF0000"/>
                 </a:solidFill>
@@ -19616,7 +19309,7 @@
               <a:t>:     Hello, </a:t>
             </a:r>
             <a:r>
-              <a:rPr lang="en-US" dirty="0" err="1" smtClean="0">
+              <a:rPr lang="en-US" dirty="0" err="1">
                 <a:solidFill>
                   <a:srgbClr val="FF0000"/>
                 </a:solidFill>
@@ -19624,7 +19317,7 @@
               <a:t>wor</a:t>
             </a:r>
             <a:r>
-              <a:rPr lang="en-US" dirty="0" smtClean="0">
+              <a:rPr lang="en-US" dirty="0">
                 <a:solidFill>
                   <a:srgbClr val="FF0000"/>
                 </a:solidFill>
@@ -19634,7 +19327,7 @@
           </a:p>
           <a:p>
             <a:r>
-              <a:rPr lang="en-US" dirty="0" smtClean="0">
+              <a:rPr lang="en-US" dirty="0">
                 <a:solidFill>
                   <a:srgbClr val="FF0000"/>
                 </a:solidFill>
@@ -19642,7 +19335,7 @@
               <a:t>:Hello, </a:t>
             </a:r>
             <a:r>
-              <a:rPr lang="en-US" dirty="0" err="1" smtClean="0">
+              <a:rPr lang="en-US" dirty="0" err="1">
                 <a:solidFill>
                   <a:srgbClr val="FF0000"/>
                 </a:solidFill>
@@ -19650,18 +19343,13 @@
               <a:t>wor</a:t>
             </a:r>
             <a:r>
-              <a:rPr lang="en-US" dirty="0" smtClean="0">
+              <a:rPr lang="en-US" dirty="0">
                 <a:solidFill>
                   <a:srgbClr val="FF0000"/>
                 </a:solidFill>
               </a:rPr>
               <a:t>     :</a:t>
             </a:r>
-            <a:endParaRPr lang="en-US" dirty="0">
-              <a:solidFill>
-                <a:srgbClr val="FF0000"/>
-              </a:solidFill>
-            </a:endParaRPr>
           </a:p>
         </p:txBody>
       </p:sp>

--- a/Reference materials/18_InputOutput Manipulation and Files.pptx
+++ b/Reference materials/18_InputOutput Manipulation and Files.pptx
@@ -346,7 +346,7 @@
           <a:p>
             <a:fld id="{F22BC6C7-5F36-4F6A-AD0A-472443C418F4}" type="datetimeFigureOut">
               <a:rPr lang="en-IN" smtClean="0"/>
-              <a:t>16-04-2021</a:t>
+              <a:t>18-05-2021</a:t>
             </a:fld>
             <a:endParaRPr lang="en-IN"/>
           </a:p>
@@ -516,7 +516,7 @@
           <a:p>
             <a:fld id="{F22BC6C7-5F36-4F6A-AD0A-472443C418F4}" type="datetimeFigureOut">
               <a:rPr lang="en-IN" smtClean="0"/>
-              <a:t>16-04-2021</a:t>
+              <a:t>18-05-2021</a:t>
             </a:fld>
             <a:endParaRPr lang="en-IN"/>
           </a:p>
@@ -696,7 +696,7 @@
           <a:p>
             <a:fld id="{F22BC6C7-5F36-4F6A-AD0A-472443C418F4}" type="datetimeFigureOut">
               <a:rPr lang="en-IN" smtClean="0"/>
-              <a:t>16-04-2021</a:t>
+              <a:t>18-05-2021</a:t>
             </a:fld>
             <a:endParaRPr lang="en-IN"/>
           </a:p>
@@ -866,7 +866,7 @@
           <a:p>
             <a:fld id="{F22BC6C7-5F36-4F6A-AD0A-472443C418F4}" type="datetimeFigureOut">
               <a:rPr lang="en-IN" smtClean="0"/>
-              <a:t>16-04-2021</a:t>
+              <a:t>18-05-2021</a:t>
             </a:fld>
             <a:endParaRPr lang="en-IN"/>
           </a:p>
@@ -1112,7 +1112,7 @@
           <a:p>
             <a:fld id="{F22BC6C7-5F36-4F6A-AD0A-472443C418F4}" type="datetimeFigureOut">
               <a:rPr lang="en-IN" smtClean="0"/>
-              <a:t>16-04-2021</a:t>
+              <a:t>18-05-2021</a:t>
             </a:fld>
             <a:endParaRPr lang="en-IN"/>
           </a:p>
@@ -1400,7 +1400,7 @@
           <a:p>
             <a:fld id="{F22BC6C7-5F36-4F6A-AD0A-472443C418F4}" type="datetimeFigureOut">
               <a:rPr lang="en-IN" smtClean="0"/>
-              <a:t>16-04-2021</a:t>
+              <a:t>18-05-2021</a:t>
             </a:fld>
             <a:endParaRPr lang="en-IN"/>
           </a:p>
@@ -1822,7 +1822,7 @@
           <a:p>
             <a:fld id="{F22BC6C7-5F36-4F6A-AD0A-472443C418F4}" type="datetimeFigureOut">
               <a:rPr lang="en-IN" smtClean="0"/>
-              <a:t>16-04-2021</a:t>
+              <a:t>18-05-2021</a:t>
             </a:fld>
             <a:endParaRPr lang="en-IN"/>
           </a:p>
@@ -1940,7 +1940,7 @@
           <a:p>
             <a:fld id="{F22BC6C7-5F36-4F6A-AD0A-472443C418F4}" type="datetimeFigureOut">
               <a:rPr lang="en-IN" smtClean="0"/>
-              <a:t>16-04-2021</a:t>
+              <a:t>18-05-2021</a:t>
             </a:fld>
             <a:endParaRPr lang="en-IN"/>
           </a:p>
@@ -2035,7 +2035,7 @@
           <a:p>
             <a:fld id="{F22BC6C7-5F36-4F6A-AD0A-472443C418F4}" type="datetimeFigureOut">
               <a:rPr lang="en-IN" smtClean="0"/>
-              <a:t>16-04-2021</a:t>
+              <a:t>18-05-2021</a:t>
             </a:fld>
             <a:endParaRPr lang="en-IN"/>
           </a:p>
@@ -2312,7 +2312,7 @@
           <a:p>
             <a:fld id="{F22BC6C7-5F36-4F6A-AD0A-472443C418F4}" type="datetimeFigureOut">
               <a:rPr lang="en-IN" smtClean="0"/>
-              <a:t>16-04-2021</a:t>
+              <a:t>18-05-2021</a:t>
             </a:fld>
             <a:endParaRPr lang="en-IN"/>
           </a:p>
@@ -2565,7 +2565,7 @@
           <a:p>
             <a:fld id="{F22BC6C7-5F36-4F6A-AD0A-472443C418F4}" type="datetimeFigureOut">
               <a:rPr lang="en-IN" smtClean="0"/>
-              <a:t>16-04-2021</a:t>
+              <a:t>18-05-2021</a:t>
             </a:fld>
             <a:endParaRPr lang="en-IN"/>
           </a:p>
@@ -2778,7 +2778,7 @@
           <a:p>
             <a:fld id="{F22BC6C7-5F36-4F6A-AD0A-472443C418F4}" type="datetimeFigureOut">
               <a:rPr lang="en-IN" smtClean="0"/>
-              <a:t>16-04-2021</a:t>
+              <a:t>18-05-2021</a:t>
             </a:fld>
             <a:endParaRPr lang="en-IN"/>
           </a:p>
@@ -4915,25 +4915,6 @@
           <a:chExt cx="0" cy="0"/>
         </a:xfrm>
       </p:grpSpPr>
-      <p:sp>
-        <p:nvSpPr>
-          <p:cNvPr id="2" name="Title 1"/>
-          <p:cNvSpPr>
-            <a:spLocks noGrp="1"/>
-          </p:cNvSpPr>
-          <p:nvPr>
-            <p:ph type="title"/>
-          </p:nvPr>
-        </p:nvSpPr>
-        <p:spPr/>
-        <p:txBody>
-          <a:bodyPr/>
-          <a:lstStyle/>
-          <a:p>
-            <a:endParaRPr lang="en-IN"/>
-          </a:p>
-        </p:txBody>
-      </p:sp>
       <p:graphicFrame>
         <p:nvGraphicFramePr>
           <p:cNvPr id="4" name="Content Placeholder 3"/>
@@ -4944,13 +4925,13 @@
             <p:ph idx="1"/>
             <p:extLst>
               <p:ext uri="{D42A27DB-BD31-4B8C-83A1-F6EECF244321}">
-                <p14:modId xmlns:p14="http://schemas.microsoft.com/office/powerpoint/2010/main" val="2750561915"/>
+                <p14:modId xmlns:p14="http://schemas.microsoft.com/office/powerpoint/2010/main" val="3157886368"/>
               </p:ext>
             </p:extLst>
           </p:nvPr>
         </p:nvGraphicFramePr>
         <p:xfrm>
-          <a:off x="539549" y="260648"/>
+          <a:off x="899592" y="503776"/>
           <a:ext cx="7488834" cy="6079586"/>
         </p:xfrm>
         <a:graphic>
@@ -5549,7 +5530,7 @@
                     <a:p>
                       <a:pPr algn="l" fontAlgn="t"/>
                       <a:r>
-                        <a:rPr lang="en-US" sz="1800">
+                        <a:rPr lang="en-US" sz="1800" dirty="0">
                           <a:solidFill>
                             <a:srgbClr val="000000"/>
                           </a:solidFill>
@@ -10244,13 +10225,13 @@
             <p:ph sz="half" idx="2"/>
             <p:extLst>
               <p:ext uri="{D42A27DB-BD31-4B8C-83A1-F6EECF244321}">
-                <p14:modId xmlns:p14="http://schemas.microsoft.com/office/powerpoint/2010/main" val="2619659966"/>
+                <p14:modId xmlns:p14="http://schemas.microsoft.com/office/powerpoint/2010/main" val="1264611505"/>
               </p:ext>
             </p:extLst>
           </p:nvPr>
         </p:nvGraphicFramePr>
         <p:xfrm>
-          <a:off x="4648200" y="1600200"/>
+          <a:off x="4456656" y="1124744"/>
           <a:ext cx="4038599" cy="5149108"/>
         </p:xfrm>
         <a:graphic>
@@ -10273,7 +10254,7 @@
                   </a:extLst>
                 </a:gridCol>
               </a:tblGrid>
-              <a:tr h="164892">
+              <a:tr h="424324">
                 <a:tc>
                   <a:txBody>
                     <a:bodyPr/>
@@ -17558,25 +17539,6 @@
       </p:grpSpPr>
       <p:sp>
         <p:nvSpPr>
-          <p:cNvPr id="2" name="Title 1"/>
-          <p:cNvSpPr>
-            <a:spLocks noGrp="1"/>
-          </p:cNvSpPr>
-          <p:nvPr>
-            <p:ph type="title"/>
-          </p:nvPr>
-        </p:nvSpPr>
-        <p:spPr/>
-        <p:txBody>
-          <a:bodyPr/>
-          <a:lstStyle/>
-          <a:p>
-            <a:endParaRPr lang="en-IN" dirty="0"/>
-          </a:p>
-        </p:txBody>
-      </p:sp>
-      <p:sp>
-        <p:nvSpPr>
           <p:cNvPr id="3" name="Content Placeholder 2"/>
           <p:cNvSpPr>
             <a:spLocks noGrp="1"/>
@@ -17643,7 +17605,7 @@
         </p:blipFill>
         <p:spPr bwMode="auto">
           <a:xfrm>
-            <a:off x="381000" y="971550"/>
+            <a:off x="304800" y="412656"/>
             <a:ext cx="8382000" cy="4914900"/>
           </a:xfrm>
           <a:prstGeom prst="rect">
